--- a/SoftwareEngineering_TARUC/Y1S3/BAIT1013 Intro To Computer Network/Lecture/Chapter 1 Intro to  Networks.pptx
+++ b/SoftwareEngineering_TARUC/Y1S3/BAIT1013 Intro To Computer Network/Lecture/Chapter 1 Intro to  Networks.pptx
@@ -192,6 +192,25 @@
       </a:defRPr>
     </a:lvl9pPr>
   </p:defaultTextStyle>
+  <p:extLst>
+    <p:ext uri="{EFAFB233-063F-42B5-8137-9DF3F51BA10A}">
+      <p15:sldGuideLst xmlns:p15="http://schemas.microsoft.com/office/powerpoint/2012/main">
+        <p15:guide id="1" orient="horz" pos="2160">
+          <p15:clr>
+            <a:srgbClr val="A4A3A4"/>
+          </p15:clr>
+        </p15:guide>
+        <p15:guide id="2" pos="2880">
+          <p15:clr>
+            <a:srgbClr val="A4A3A4"/>
+          </p15:clr>
+        </p15:guide>
+      </p15:sldGuideLst>
+    </p:ext>
+    <p:ext uri="{2D200454-40CA-4A62-9FC3-DE9A4176ACB9}">
+      <p15:notesGuideLst xmlns:p15="http://schemas.microsoft.com/office/powerpoint/2012/main"/>
+    </p:ext>
+  </p:extLst>
 </p:presentation>
 </file>
 
@@ -249,14 +268,14 @@
           </a:ln>
           <a:extLst>
             <a:ext uri="{909E8E84-426E-40dd-AFC4-6F175D3DCCD1}">
-              <a14:hiddenFill xmlns:a14="http://schemas.microsoft.com/office/drawing/2010/main">
+              <a14:hiddenFill xmlns:a14="http://schemas.microsoft.com/office/drawing/2010/main" xmlns="">
                 <a:solidFill>
                   <a:srgbClr val="FFFFFF"/>
                 </a:solidFill>
               </a14:hiddenFill>
             </a:ext>
             <a:ext uri="{91240B29-F687-4f45-9708-019B960494DF}">
-              <a14:hiddenLine xmlns:a14="http://schemas.microsoft.com/office/drawing/2010/main" w="9525">
+              <a14:hiddenLine xmlns:a14="http://schemas.microsoft.com/office/drawing/2010/main" xmlns="" w="9525">
                 <a:solidFill>
                   <a:srgbClr val="000000"/>
                 </a:solidFill>
@@ -297,14 +316,14 @@
           </a:ln>
           <a:extLst>
             <a:ext uri="{909E8E84-426E-40dd-AFC4-6F175D3DCCD1}">
-              <a14:hiddenFill xmlns:a14="http://schemas.microsoft.com/office/drawing/2010/main">
+              <a14:hiddenFill xmlns:a14="http://schemas.microsoft.com/office/drawing/2010/main" xmlns="">
                 <a:solidFill>
                   <a:srgbClr val="FFFFFF"/>
                 </a:solidFill>
               </a14:hiddenFill>
             </a:ext>
             <a:ext uri="{91240B29-F687-4f45-9708-019B960494DF}">
-              <a14:hiddenLine xmlns:a14="http://schemas.microsoft.com/office/drawing/2010/main" w="9525">
+              <a14:hiddenLine xmlns:a14="http://schemas.microsoft.com/office/drawing/2010/main" xmlns="" w="9525">
                 <a:solidFill>
                   <a:srgbClr val="000000"/>
                 </a:solidFill>
@@ -379,7 +398,7 @@
           </a:ln>
           <a:extLst>
             <a:ext uri="{909E8E84-426E-40dd-AFC4-6F175D3DCCD1}">
-              <a14:hiddenFill xmlns:a14="http://schemas.microsoft.com/office/drawing/2010/main">
+              <a14:hiddenFill xmlns:a14="http://schemas.microsoft.com/office/drawing/2010/main" xmlns="">
                 <a:noFill/>
               </a14:hiddenFill>
             </a:ext>
@@ -415,14 +434,14 @@
           </a:ln>
           <a:extLst>
             <a:ext uri="{909E8E84-426E-40dd-AFC4-6F175D3DCCD1}">
-              <a14:hiddenFill xmlns:a14="http://schemas.microsoft.com/office/drawing/2010/main">
+              <a14:hiddenFill xmlns:a14="http://schemas.microsoft.com/office/drawing/2010/main" xmlns="">
                 <a:solidFill>
                   <a:srgbClr val="FFFFFF"/>
                 </a:solidFill>
               </a14:hiddenFill>
             </a:ext>
             <a:ext uri="{91240B29-F687-4f45-9708-019B960494DF}">
-              <a14:hiddenLine xmlns:a14="http://schemas.microsoft.com/office/drawing/2010/main" w="9525">
+              <a14:hiddenLine xmlns:a14="http://schemas.microsoft.com/office/drawing/2010/main" xmlns="" w="9525">
                 <a:solidFill>
                   <a:srgbClr val="000000"/>
                 </a:solidFill>
@@ -513,14 +532,14 @@
           </a:ln>
           <a:extLst>
             <a:ext uri="{909E8E84-426E-40dd-AFC4-6F175D3DCCD1}">
-              <a14:hiddenFill xmlns:a14="http://schemas.microsoft.com/office/drawing/2010/main">
+              <a14:hiddenFill xmlns:a14="http://schemas.microsoft.com/office/drawing/2010/main" xmlns="">
                 <a:solidFill>
                   <a:srgbClr val="FFFFFF"/>
                 </a:solidFill>
               </a14:hiddenFill>
             </a:ext>
             <a:ext uri="{91240B29-F687-4f45-9708-019B960494DF}">
-              <a14:hiddenLine xmlns:a14="http://schemas.microsoft.com/office/drawing/2010/main" w="9525">
+              <a14:hiddenLine xmlns:a14="http://schemas.microsoft.com/office/drawing/2010/main" xmlns="" w="9525">
                 <a:solidFill>
                   <a:srgbClr val="000000"/>
                 </a:solidFill>
@@ -561,14 +580,14 @@
           </a:ln>
           <a:extLst>
             <a:ext uri="{909E8E84-426E-40dd-AFC4-6F175D3DCCD1}">
-              <a14:hiddenFill xmlns:a14="http://schemas.microsoft.com/office/drawing/2010/main">
+              <a14:hiddenFill xmlns:a14="http://schemas.microsoft.com/office/drawing/2010/main" xmlns="">
                 <a:solidFill>
                   <a:srgbClr val="FFFFFF"/>
                 </a:solidFill>
               </a14:hiddenFill>
             </a:ext>
             <a:ext uri="{91240B29-F687-4f45-9708-019B960494DF}">
-              <a14:hiddenLine xmlns:a14="http://schemas.microsoft.com/office/drawing/2010/main" w="9525">
+              <a14:hiddenLine xmlns:a14="http://schemas.microsoft.com/office/drawing/2010/main" xmlns="" w="9525">
                 <a:solidFill>
                   <a:srgbClr val="000000"/>
                 </a:solidFill>
@@ -643,7 +662,7 @@
           </a:ln>
           <a:extLst>
             <a:ext uri="{909E8E84-426E-40dd-AFC4-6F175D3DCCD1}">
-              <a14:hiddenFill xmlns:a14="http://schemas.microsoft.com/office/drawing/2010/main">
+              <a14:hiddenFill xmlns:a14="http://schemas.microsoft.com/office/drawing/2010/main" xmlns="">
                 <a:noFill/>
               </a14:hiddenFill>
             </a:ext>
@@ -744,14 +763,14 @@
           </a:ln>
           <a:extLst>
             <a:ext uri="{909E8E84-426E-40dd-AFC4-6F175D3DCCD1}">
-              <a14:hiddenFill xmlns:a14="http://schemas.microsoft.com/office/drawing/2010/main">
+              <a14:hiddenFill xmlns:a14="http://schemas.microsoft.com/office/drawing/2010/main" xmlns="">
                 <a:solidFill>
                   <a:srgbClr val="FFFFFF"/>
                 </a:solidFill>
               </a14:hiddenFill>
             </a:ext>
             <a:ext uri="{FAA26D3D-D897-4be2-8F04-BA451C77F1D7}">
-              <ma14:placeholderFlag xmlns:ma14="http://schemas.microsoft.com/office/mac/drawingml/2011/main" val="1"/>
+              <ma14:placeholderFlag xmlns:ma14="http://schemas.microsoft.com/office/mac/drawingml/2011/main" xmlns="" val="1"/>
             </a:ext>
           </a:extLst>
         </p:spPr>
@@ -793,35 +812,35 @@
           <a:p>
             <a:pPr lvl="0"/>
             <a:r>
-              <a:rPr lang="en-US" noProof="0" smtClean="0"/>
+              <a:rPr lang="en-US" noProof="0"/>
               <a:t>Body Text</a:t>
             </a:r>
           </a:p>
           <a:p>
             <a:pPr lvl="1"/>
             <a:r>
-              <a:rPr lang="en-US" noProof="0" smtClean="0"/>
+              <a:rPr lang="en-US" noProof="0"/>
               <a:t>Second Level</a:t>
             </a:r>
           </a:p>
           <a:p>
             <a:pPr lvl="2"/>
             <a:r>
-              <a:rPr lang="en-US" noProof="0" smtClean="0"/>
+              <a:rPr lang="en-US" noProof="0"/>
               <a:t>Third Level</a:t>
             </a:r>
           </a:p>
           <a:p>
             <a:pPr lvl="3"/>
             <a:r>
-              <a:rPr lang="en-US" noProof="0" smtClean="0"/>
+              <a:rPr lang="en-US" noProof="0"/>
               <a:t>Fourth Level</a:t>
             </a:r>
           </a:p>
           <a:p>
             <a:pPr lvl="4"/>
             <a:r>
-              <a:rPr lang="en-US" noProof="0" smtClean="0"/>
+              <a:rPr lang="en-US" noProof="0"/>
               <a:t>Fifth Level</a:t>
             </a:r>
           </a:p>
@@ -1024,7 +1043,7 @@
               <a:pPr/>
               <a:t>1</a:t>
             </a:fld>
-            <a:endParaRPr lang="en-US" dirty="0" smtClean="0"/>
+            <a:endParaRPr lang="en-US" dirty="0"/>
           </a:p>
         </p:txBody>
       </p:sp>
@@ -1069,7 +1088,7 @@
               <a:buNone/>
             </a:pPr>
             <a:r>
-              <a:rPr lang="en-US" b="0" dirty="0" smtClean="0"/>
+              <a:rPr lang="en-US" b="0" dirty="0"/>
               <a:t>Cisco Networking Academy program</a:t>
             </a:r>
           </a:p>
@@ -1079,10 +1098,10 @@
               <a:buNone/>
             </a:pPr>
             <a:r>
-              <a:rPr lang="en-US" sz="1300" b="0" dirty="0" smtClean="0"/>
+              <a:rPr lang="en-US" sz="1300" b="0" dirty="0"/>
               <a:t>Introduction to Networks</a:t>
             </a:r>
-            <a:endParaRPr lang="en-US" sz="1300" b="0" baseline="0" dirty="0" smtClean="0"/>
+            <a:endParaRPr lang="en-US" sz="1300" b="0" baseline="0" dirty="0"/>
           </a:p>
           <a:p>
             <a:pPr>
@@ -1090,10 +1109,10 @@
               <a:buNone/>
             </a:pPr>
             <a:r>
-              <a:rPr lang="en-US" sz="1300" b="0" dirty="0" smtClean="0"/>
+              <a:rPr lang="en-US" sz="1300" b="0" dirty="0"/>
               <a:t>Chapter 1: Exploring the Network</a:t>
             </a:r>
-            <a:endParaRPr lang="en-GB" b="0" dirty="0" smtClean="0"/>
+            <a:endParaRPr lang="en-GB" b="0" dirty="0"/>
           </a:p>
         </p:txBody>
       </p:sp>
@@ -1150,11 +1169,11 @@
           <a:lstStyle/>
           <a:p>
             <a:r>
-              <a:rPr lang="en-MY" dirty="0" smtClean="0"/>
+              <a:rPr lang="en-MY" dirty="0"/>
               <a:t>What</a:t>
             </a:r>
             <a:r>
-              <a:rPr lang="en-MY" baseline="0" dirty="0" smtClean="0"/>
+              <a:rPr lang="en-MY" baseline="0" dirty="0"/>
               <a:t> is the actual difference between physical port and interface? Maybe can show through diagrams</a:t>
             </a:r>
             <a:endParaRPr lang="en-MY" dirty="0"/>
@@ -1235,14 +1254,14 @@
           <a:ln/>
           <a:extLst>
             <a:ext uri="{909E8E84-426E-40dd-AFC4-6F175D3DCCD1}">
-              <a14:hiddenFill xmlns:a14="http://schemas.microsoft.com/office/drawing/2010/main">
+              <a14:hiddenFill xmlns:a14="http://schemas.microsoft.com/office/drawing/2010/main" xmlns="">
                 <a:solidFill>
                   <a:srgbClr val="FFFFFF"/>
                 </a:solidFill>
               </a14:hiddenFill>
             </a:ext>
             <a:ext uri="{91240B29-F687-4f45-9708-019B960494DF}">
-              <a14:hiddenLine xmlns:a14="http://schemas.microsoft.com/office/drawing/2010/main" w="9525">
+              <a14:hiddenLine xmlns:a14="http://schemas.microsoft.com/office/drawing/2010/main" xmlns="" w="9525">
                 <a:solidFill>
                   <a:srgbClr val="000000"/>
                 </a:solidFill>
@@ -1414,14 +1433,14 @@
           <a:ln/>
           <a:extLst>
             <a:ext uri="{909E8E84-426E-40dd-AFC4-6F175D3DCCD1}">
-              <a14:hiddenFill xmlns:a14="http://schemas.microsoft.com/office/drawing/2010/main">
+              <a14:hiddenFill xmlns:a14="http://schemas.microsoft.com/office/drawing/2010/main" xmlns="">
                 <a:solidFill>
                   <a:srgbClr val="FFFFFF"/>
                 </a:solidFill>
               </a14:hiddenFill>
             </a:ext>
             <a:ext uri="{91240B29-F687-4f45-9708-019B960494DF}">
-              <a14:hiddenLine xmlns:a14="http://schemas.microsoft.com/office/drawing/2010/main" w="9525">
+              <a14:hiddenLine xmlns:a14="http://schemas.microsoft.com/office/drawing/2010/main" xmlns="" w="9525">
                 <a:solidFill>
                   <a:srgbClr val="000000"/>
                 </a:solidFill>
@@ -1444,10 +1463,9 @@
               <a:buNone/>
             </a:pPr>
             <a:r>
-              <a:rPr lang="en-US" dirty="0" smtClean="0"/>
+              <a:rPr lang="en-US" dirty="0"/>
               <a:t>Section 1.2.1.6</a:t>
             </a:r>
-            <a:endParaRPr lang="en-US" dirty="0"/>
           </a:p>
         </p:txBody>
       </p:sp>
@@ -1491,14 +1509,14 @@
           <a:ln/>
           <a:extLst>
             <a:ext uri="{909E8E84-426E-40dd-AFC4-6F175D3DCCD1}">
-              <a14:hiddenFill xmlns:a14="http://schemas.microsoft.com/office/drawing/2010/main">
+              <a14:hiddenFill xmlns:a14="http://schemas.microsoft.com/office/drawing/2010/main" xmlns="">
                 <a:solidFill>
                   <a:srgbClr val="FFFFFF"/>
                 </a:solidFill>
               </a14:hiddenFill>
             </a:ext>
             <a:ext uri="{91240B29-F687-4f45-9708-019B960494DF}">
-              <a14:hiddenLine xmlns:a14="http://schemas.microsoft.com/office/drawing/2010/main" w="9525">
+              <a14:hiddenLine xmlns:a14="http://schemas.microsoft.com/office/drawing/2010/main" xmlns="" w="9525">
                 <a:solidFill>
                   <a:srgbClr val="000000"/>
                 </a:solidFill>
@@ -1670,14 +1688,14 @@
           <a:ln/>
           <a:extLst>
             <a:ext uri="{909E8E84-426E-40dd-AFC4-6F175D3DCCD1}">
-              <a14:hiddenFill xmlns:a14="http://schemas.microsoft.com/office/drawing/2010/main">
+              <a14:hiddenFill xmlns:a14="http://schemas.microsoft.com/office/drawing/2010/main" xmlns="">
                 <a:solidFill>
                   <a:srgbClr val="FFFFFF"/>
                 </a:solidFill>
               </a14:hiddenFill>
             </a:ext>
             <a:ext uri="{91240B29-F687-4f45-9708-019B960494DF}">
-              <a14:hiddenLine xmlns:a14="http://schemas.microsoft.com/office/drawing/2010/main" w="9525">
+              <a14:hiddenLine xmlns:a14="http://schemas.microsoft.com/office/drawing/2010/main" xmlns="" w="9525">
                 <a:solidFill>
                   <a:srgbClr val="000000"/>
                 </a:solidFill>
@@ -1700,10 +1718,9 @@
               <a:buNone/>
             </a:pPr>
             <a:r>
-              <a:rPr lang="en-US" dirty="0" smtClean="0"/>
+              <a:rPr lang="en-US" dirty="0"/>
               <a:t>Section 1.2.1.6</a:t>
             </a:r>
-            <a:endParaRPr lang="en-US" dirty="0"/>
           </a:p>
         </p:txBody>
       </p:sp>
@@ -1747,14 +1764,14 @@
           <a:ln/>
           <a:extLst>
             <a:ext uri="{909E8E84-426E-40dd-AFC4-6F175D3DCCD1}">
-              <a14:hiddenFill xmlns:a14="http://schemas.microsoft.com/office/drawing/2010/main">
+              <a14:hiddenFill xmlns:a14="http://schemas.microsoft.com/office/drawing/2010/main" xmlns="">
                 <a:solidFill>
                   <a:srgbClr val="FFFFFF"/>
                 </a:solidFill>
               </a14:hiddenFill>
             </a:ext>
             <a:ext uri="{91240B29-F687-4f45-9708-019B960494DF}">
-              <a14:hiddenLine xmlns:a14="http://schemas.microsoft.com/office/drawing/2010/main" w="9525">
+              <a14:hiddenLine xmlns:a14="http://schemas.microsoft.com/office/drawing/2010/main" xmlns="" w="9525">
                 <a:solidFill>
                   <a:srgbClr val="000000"/>
                 </a:solidFill>
@@ -1926,14 +1943,14 @@
           <a:ln/>
           <a:extLst>
             <a:ext uri="{909E8E84-426E-40dd-AFC4-6F175D3DCCD1}">
-              <a14:hiddenFill xmlns:a14="http://schemas.microsoft.com/office/drawing/2010/main">
+              <a14:hiddenFill xmlns:a14="http://schemas.microsoft.com/office/drawing/2010/main" xmlns="">
                 <a:solidFill>
                   <a:srgbClr val="FFFFFF"/>
                 </a:solidFill>
               </a14:hiddenFill>
             </a:ext>
             <a:ext uri="{91240B29-F687-4f45-9708-019B960494DF}">
-              <a14:hiddenLine xmlns:a14="http://schemas.microsoft.com/office/drawing/2010/main" w="9525">
+              <a14:hiddenLine xmlns:a14="http://schemas.microsoft.com/office/drawing/2010/main" xmlns="" w="9525">
                 <a:solidFill>
                   <a:srgbClr val="000000"/>
                 </a:solidFill>
@@ -1957,11 +1974,7 @@
             </a:pPr>
             <a:r>
               <a:rPr lang="en-US" dirty="0"/>
-              <a:t>Section </a:t>
-            </a:r>
-            <a:r>
-              <a:rPr lang="en-US" dirty="0" smtClean="0"/>
-              <a:t>1.2.2.1</a:t>
+              <a:t>Section 1.2.2.1</a:t>
             </a:r>
           </a:p>
           <a:p>
@@ -1973,15 +1986,15 @@
               <a:buNone/>
             </a:pPr>
             <a:r>
-              <a:rPr lang="en-US" dirty="0" smtClean="0"/>
+              <a:rPr lang="en-US" dirty="0"/>
               <a:t>There exists</a:t>
             </a:r>
             <a:r>
-              <a:rPr lang="en-US" baseline="0" dirty="0" smtClean="0"/>
+              <a:rPr lang="en-US" baseline="0" dirty="0"/>
               <a:t> another network called PAN Personal area network - </a:t>
             </a:r>
             <a:r>
-              <a:rPr lang="en-US" baseline="0" dirty="0" err="1" smtClean="0"/>
+              <a:rPr lang="en-US" baseline="0" dirty="0" err="1"/>
               <a:t>bluetooth</a:t>
             </a:r>
             <a:endParaRPr lang="en-US" dirty="0"/>
@@ -2028,14 +2041,14 @@
           <a:ln/>
           <a:extLst>
             <a:ext uri="{909E8E84-426E-40dd-AFC4-6F175D3DCCD1}">
-              <a14:hiddenFill xmlns:a14="http://schemas.microsoft.com/office/drawing/2010/main">
+              <a14:hiddenFill xmlns:a14="http://schemas.microsoft.com/office/drawing/2010/main" xmlns="">
                 <a:solidFill>
                   <a:srgbClr val="FFFFFF"/>
                 </a:solidFill>
               </a14:hiddenFill>
             </a:ext>
             <a:ext uri="{91240B29-F687-4f45-9708-019B960494DF}">
-              <a14:hiddenLine xmlns:a14="http://schemas.microsoft.com/office/drawing/2010/main" w="9525">
+              <a14:hiddenLine xmlns:a14="http://schemas.microsoft.com/office/drawing/2010/main" xmlns="" w="9525">
                 <a:solidFill>
                   <a:srgbClr val="000000"/>
                 </a:solidFill>
@@ -2207,14 +2220,14 @@
           <a:ln/>
           <a:extLst>
             <a:ext uri="{909E8E84-426E-40dd-AFC4-6F175D3DCCD1}">
-              <a14:hiddenFill xmlns:a14="http://schemas.microsoft.com/office/drawing/2010/main">
+              <a14:hiddenFill xmlns:a14="http://schemas.microsoft.com/office/drawing/2010/main" xmlns="">
                 <a:solidFill>
                   <a:srgbClr val="FFFFFF"/>
                 </a:solidFill>
               </a14:hiddenFill>
             </a:ext>
             <a:ext uri="{91240B29-F687-4f45-9708-019B960494DF}">
-              <a14:hiddenLine xmlns:a14="http://schemas.microsoft.com/office/drawing/2010/main" w="9525">
+              <a14:hiddenLine xmlns:a14="http://schemas.microsoft.com/office/drawing/2010/main" xmlns="" w="9525">
                 <a:solidFill>
                   <a:srgbClr val="000000"/>
                 </a:solidFill>
@@ -2238,13 +2251,8 @@
             </a:pPr>
             <a:r>
               <a:rPr lang="en-US" dirty="0"/>
-              <a:t>Section </a:t>
-            </a:r>
-            <a:r>
-              <a:rPr lang="en-US" dirty="0" smtClean="0"/>
-              <a:t>1.2.2.2</a:t>
-            </a:r>
-            <a:endParaRPr lang="en-US" dirty="0"/>
+              <a:t>Section 1.2.2.2</a:t>
+            </a:r>
           </a:p>
         </p:txBody>
       </p:sp>
@@ -2288,14 +2296,14 @@
           <a:ln/>
           <a:extLst>
             <a:ext uri="{909E8E84-426E-40dd-AFC4-6F175D3DCCD1}">
-              <a14:hiddenFill xmlns:a14="http://schemas.microsoft.com/office/drawing/2010/main">
+              <a14:hiddenFill xmlns:a14="http://schemas.microsoft.com/office/drawing/2010/main" xmlns="">
                 <a:solidFill>
                   <a:srgbClr val="FFFFFF"/>
                 </a:solidFill>
               </a14:hiddenFill>
             </a:ext>
             <a:ext uri="{91240B29-F687-4f45-9708-019B960494DF}">
-              <a14:hiddenLine xmlns:a14="http://schemas.microsoft.com/office/drawing/2010/main" w="9525">
+              <a14:hiddenLine xmlns:a14="http://schemas.microsoft.com/office/drawing/2010/main" xmlns="" w="9525">
                 <a:solidFill>
                   <a:srgbClr val="000000"/>
                 </a:solidFill>
@@ -2467,14 +2475,14 @@
           <a:ln/>
           <a:extLst>
             <a:ext uri="{909E8E84-426E-40dd-AFC4-6F175D3DCCD1}">
-              <a14:hiddenFill xmlns:a14="http://schemas.microsoft.com/office/drawing/2010/main">
+              <a14:hiddenFill xmlns:a14="http://schemas.microsoft.com/office/drawing/2010/main" xmlns="">
                 <a:solidFill>
                   <a:srgbClr val="FFFFFF"/>
                 </a:solidFill>
               </a14:hiddenFill>
             </a:ext>
             <a:ext uri="{91240B29-F687-4f45-9708-019B960494DF}">
-              <a14:hiddenLine xmlns:a14="http://schemas.microsoft.com/office/drawing/2010/main" w="9525">
+              <a14:hiddenLine xmlns:a14="http://schemas.microsoft.com/office/drawing/2010/main" xmlns="" w="9525">
                 <a:solidFill>
                   <a:srgbClr val="000000"/>
                 </a:solidFill>
@@ -2498,13 +2506,8 @@
             </a:pPr>
             <a:r>
               <a:rPr lang="en-US" dirty="0"/>
-              <a:t>Section </a:t>
-            </a:r>
-            <a:r>
-              <a:rPr lang="en-US" dirty="0" smtClean="0"/>
-              <a:t>1.2.2.3</a:t>
-            </a:r>
-            <a:endParaRPr lang="en-US" dirty="0"/>
+              <a:t>Section 1.2.2.3</a:t>
+            </a:r>
           </a:p>
         </p:txBody>
       </p:sp>
@@ -2548,14 +2551,14 @@
           <a:ln/>
           <a:extLst>
             <a:ext uri="{909E8E84-426E-40dd-AFC4-6F175D3DCCD1}">
-              <a14:hiddenFill xmlns:a14="http://schemas.microsoft.com/office/drawing/2010/main">
+              <a14:hiddenFill xmlns:a14="http://schemas.microsoft.com/office/drawing/2010/main" xmlns="">
                 <a:solidFill>
                   <a:srgbClr val="FFFFFF"/>
                 </a:solidFill>
               </a14:hiddenFill>
             </a:ext>
             <a:ext uri="{91240B29-F687-4f45-9708-019B960494DF}">
-              <a14:hiddenLine xmlns:a14="http://schemas.microsoft.com/office/drawing/2010/main" w="9525">
+              <a14:hiddenLine xmlns:a14="http://schemas.microsoft.com/office/drawing/2010/main" xmlns="" w="9525">
                 <a:solidFill>
                   <a:srgbClr val="000000"/>
                 </a:solidFill>
@@ -2727,14 +2730,14 @@
           <a:ln/>
           <a:extLst>
             <a:ext uri="{909E8E84-426E-40dd-AFC4-6F175D3DCCD1}">
-              <a14:hiddenFill xmlns:a14="http://schemas.microsoft.com/office/drawing/2010/main">
+              <a14:hiddenFill xmlns:a14="http://schemas.microsoft.com/office/drawing/2010/main" xmlns="">
                 <a:solidFill>
                   <a:srgbClr val="FFFFFF"/>
                 </a:solidFill>
               </a14:hiddenFill>
             </a:ext>
             <a:ext uri="{91240B29-F687-4f45-9708-019B960494DF}">
-              <a14:hiddenLine xmlns:a14="http://schemas.microsoft.com/office/drawing/2010/main" w="9525">
+              <a14:hiddenLine xmlns:a14="http://schemas.microsoft.com/office/drawing/2010/main" xmlns="" w="9525">
                 <a:solidFill>
                   <a:srgbClr val="000000"/>
                 </a:solidFill>
@@ -2758,21 +2761,8 @@
             </a:pPr>
             <a:r>
               <a:rPr lang="en-US" dirty="0"/>
-              <a:t>Section </a:t>
-            </a:r>
-            <a:r>
-              <a:rPr lang="en-US" dirty="0" smtClean="0"/>
-              <a:t>1.2.3 </a:t>
-            </a:r>
-            <a:r>
-              <a:rPr lang="en-US" dirty="0"/>
-              <a:t>&amp; </a:t>
-            </a:r>
-            <a:r>
-              <a:rPr lang="en-US" dirty="0" smtClean="0"/>
-              <a:t>1.2.3.1</a:t>
-            </a:r>
-            <a:endParaRPr lang="en-US" dirty="0"/>
+              <a:t>Section 1.2.3 &amp; 1.2.3.1</a:t>
+            </a:r>
           </a:p>
         </p:txBody>
       </p:sp>
@@ -2816,14 +2806,14 @@
           <a:ln/>
           <a:extLst>
             <a:ext uri="{909E8E84-426E-40dd-AFC4-6F175D3DCCD1}">
-              <a14:hiddenFill xmlns:a14="http://schemas.microsoft.com/office/drawing/2010/main">
+              <a14:hiddenFill xmlns:a14="http://schemas.microsoft.com/office/drawing/2010/main" xmlns="">
                 <a:solidFill>
                   <a:srgbClr val="FFFFFF"/>
                 </a:solidFill>
               </a14:hiddenFill>
             </a:ext>
             <a:ext uri="{91240B29-F687-4f45-9708-019B960494DF}">
-              <a14:hiddenLine xmlns:a14="http://schemas.microsoft.com/office/drawing/2010/main" w="9525">
+              <a14:hiddenLine xmlns:a14="http://schemas.microsoft.com/office/drawing/2010/main" xmlns="" w="9525">
                 <a:solidFill>
                   <a:srgbClr val="000000"/>
                 </a:solidFill>
@@ -2995,14 +2985,14 @@
           <a:ln/>
           <a:extLst>
             <a:ext uri="{909E8E84-426E-40dd-AFC4-6F175D3DCCD1}">
-              <a14:hiddenFill xmlns:a14="http://schemas.microsoft.com/office/drawing/2010/main">
+              <a14:hiddenFill xmlns:a14="http://schemas.microsoft.com/office/drawing/2010/main" xmlns="">
                 <a:solidFill>
                   <a:srgbClr val="FFFFFF"/>
                 </a:solidFill>
               </a14:hiddenFill>
             </a:ext>
             <a:ext uri="{91240B29-F687-4f45-9708-019B960494DF}">
-              <a14:hiddenLine xmlns:a14="http://schemas.microsoft.com/office/drawing/2010/main" w="9525">
+              <a14:hiddenLine xmlns:a14="http://schemas.microsoft.com/office/drawing/2010/main" xmlns="" w="9525">
                 <a:solidFill>
                   <a:srgbClr val="000000"/>
                 </a:solidFill>
@@ -3026,13 +3016,8 @@
             </a:pPr>
             <a:r>
               <a:rPr lang="en-US" dirty="0"/>
-              <a:t>Section </a:t>
-            </a:r>
-            <a:r>
-              <a:rPr lang="en-US" dirty="0" smtClean="0"/>
-              <a:t>1.2.3.2</a:t>
-            </a:r>
-            <a:endParaRPr lang="en-US" dirty="0"/>
+              <a:t>Section 1.2.3.2</a:t>
+            </a:r>
           </a:p>
         </p:txBody>
       </p:sp>
@@ -3083,7 +3068,7 @@
               <a:pPr/>
               <a:t>24</a:t>
             </a:fld>
-            <a:endParaRPr lang="en-US" dirty="0" smtClean="0"/>
+            <a:endParaRPr lang="en-US" dirty="0"/>
           </a:p>
         </p:txBody>
       </p:sp>
@@ -3128,7 +3113,7 @@
               <a:buNone/>
             </a:pPr>
             <a:r>
-              <a:rPr lang="en-US" b="0" dirty="0" smtClean="0"/>
+              <a:rPr lang="en-US" b="0" dirty="0"/>
               <a:t>Cisco Networking Academy program</a:t>
             </a:r>
           </a:p>
@@ -3138,10 +3123,10 @@
               <a:buNone/>
             </a:pPr>
             <a:r>
-              <a:rPr lang="en-US" sz="1300" b="0" dirty="0" smtClean="0"/>
+              <a:rPr lang="en-US" sz="1300" b="0" dirty="0"/>
               <a:t>Introduction to Networks</a:t>
             </a:r>
-            <a:endParaRPr lang="en-US" sz="1300" b="0" baseline="0" dirty="0" smtClean="0"/>
+            <a:endParaRPr lang="en-US" sz="1300" b="0" baseline="0" dirty="0"/>
           </a:p>
           <a:p>
             <a:pPr>
@@ -3149,10 +3134,10 @@
               <a:buNone/>
             </a:pPr>
             <a:r>
-              <a:rPr lang="en-US" sz="1300" b="0" dirty="0" smtClean="0"/>
+              <a:rPr lang="en-US" sz="1300" b="0" dirty="0"/>
               <a:t>Chapter 1: Exploring the Network</a:t>
             </a:r>
-            <a:endParaRPr lang="en-GB" b="0" dirty="0" smtClean="0"/>
+            <a:endParaRPr lang="en-GB" b="0" dirty="0"/>
           </a:p>
         </p:txBody>
       </p:sp>
@@ -3196,14 +3181,14 @@
           <a:ln/>
           <a:extLst>
             <a:ext uri="{909E8E84-426E-40dd-AFC4-6F175D3DCCD1}">
-              <a14:hiddenFill xmlns:a14="http://schemas.microsoft.com/office/drawing/2010/main">
+              <a14:hiddenFill xmlns:a14="http://schemas.microsoft.com/office/drawing/2010/main" xmlns="">
                 <a:solidFill>
                   <a:srgbClr val="FFFFFF"/>
                 </a:solidFill>
               </a14:hiddenFill>
             </a:ext>
             <a:ext uri="{91240B29-F687-4f45-9708-019B960494DF}">
-              <a14:hiddenLine xmlns:a14="http://schemas.microsoft.com/office/drawing/2010/main" w="9525">
+              <a14:hiddenLine xmlns:a14="http://schemas.microsoft.com/office/drawing/2010/main" xmlns="" w="9525">
                 <a:solidFill>
                   <a:srgbClr val="000000"/>
                 </a:solidFill>
@@ -3375,14 +3360,14 @@
           <a:ln/>
           <a:extLst>
             <a:ext uri="{909E8E84-426E-40dd-AFC4-6F175D3DCCD1}">
-              <a14:hiddenFill xmlns:a14="http://schemas.microsoft.com/office/drawing/2010/main">
+              <a14:hiddenFill xmlns:a14="http://schemas.microsoft.com/office/drawing/2010/main" xmlns="">
                 <a:solidFill>
                   <a:srgbClr val="FFFFFF"/>
                 </a:solidFill>
               </a14:hiddenFill>
             </a:ext>
             <a:ext uri="{91240B29-F687-4f45-9708-019B960494DF}">
-              <a14:hiddenLine xmlns:a14="http://schemas.microsoft.com/office/drawing/2010/main" w="9525">
+              <a14:hiddenLine xmlns:a14="http://schemas.microsoft.com/office/drawing/2010/main" xmlns="" w="9525">
                 <a:solidFill>
                   <a:srgbClr val="000000"/>
                 </a:solidFill>
@@ -3405,7 +3390,7 @@
               <a:buNone/>
             </a:pPr>
             <a:r>
-              <a:rPr lang="en-US" sz="1200" kern="1200" dirty="0" smtClean="0">
+              <a:rPr lang="en-US" sz="1200" kern="1200" dirty="0">
                 <a:solidFill>
                   <a:schemeClr val="tx1"/>
                 </a:solidFill>
@@ -3459,14 +3444,14 @@
           <a:ln/>
           <a:extLst>
             <a:ext uri="{909E8E84-426E-40dd-AFC4-6F175D3DCCD1}">
-              <a14:hiddenFill xmlns:a14="http://schemas.microsoft.com/office/drawing/2010/main">
+              <a14:hiddenFill xmlns:a14="http://schemas.microsoft.com/office/drawing/2010/main" xmlns="">
                 <a:solidFill>
                   <a:srgbClr val="FFFFFF"/>
                 </a:solidFill>
               </a14:hiddenFill>
             </a:ext>
             <a:ext uri="{91240B29-F687-4f45-9708-019B960494DF}">
-              <a14:hiddenLine xmlns:a14="http://schemas.microsoft.com/office/drawing/2010/main" w="9525">
+              <a14:hiddenLine xmlns:a14="http://schemas.microsoft.com/office/drawing/2010/main" xmlns="" w="9525">
                 <a:solidFill>
                   <a:srgbClr val="000000"/>
                 </a:solidFill>
@@ -3638,14 +3623,14 @@
           <a:ln/>
           <a:extLst>
             <a:ext uri="{909E8E84-426E-40dd-AFC4-6F175D3DCCD1}">
-              <a14:hiddenFill xmlns:a14="http://schemas.microsoft.com/office/drawing/2010/main">
+              <a14:hiddenFill xmlns:a14="http://schemas.microsoft.com/office/drawing/2010/main" xmlns="">
                 <a:solidFill>
                   <a:srgbClr val="FFFFFF"/>
                 </a:solidFill>
               </a14:hiddenFill>
             </a:ext>
             <a:ext uri="{91240B29-F687-4f45-9708-019B960494DF}">
-              <a14:hiddenLine xmlns:a14="http://schemas.microsoft.com/office/drawing/2010/main" w="9525">
+              <a14:hiddenLine xmlns:a14="http://schemas.microsoft.com/office/drawing/2010/main" xmlns="" w="9525">
                 <a:solidFill>
                   <a:srgbClr val="000000"/>
                 </a:solidFill>
@@ -3668,10 +3653,9 @@
               <a:buNone/>
             </a:pPr>
             <a:r>
-              <a:rPr lang="en-US" dirty="0" smtClean="0"/>
+              <a:rPr lang="en-US" dirty="0"/>
               <a:t>Section 1.2.1.1</a:t>
             </a:r>
-            <a:endParaRPr lang="en-US" dirty="0"/>
           </a:p>
         </p:txBody>
       </p:sp>
@@ -3722,7 +3706,7 @@
               <a:pPr/>
               <a:t>27</a:t>
             </a:fld>
-            <a:endParaRPr lang="en-US" dirty="0" smtClean="0"/>
+            <a:endParaRPr lang="en-US" dirty="0"/>
           </a:p>
         </p:txBody>
       </p:sp>
@@ -3767,7 +3751,7 @@
               <a:buNone/>
             </a:pPr>
             <a:r>
-              <a:rPr lang="en-US" b="0" dirty="0" smtClean="0"/>
+              <a:rPr lang="en-US" b="0" dirty="0"/>
               <a:t>Cisco Networking Academy program</a:t>
             </a:r>
           </a:p>
@@ -3777,10 +3761,10 @@
               <a:buNone/>
             </a:pPr>
             <a:r>
-              <a:rPr lang="en-US" sz="1300" b="0" dirty="0" smtClean="0"/>
+              <a:rPr lang="en-US" sz="1300" b="0" dirty="0"/>
               <a:t>Introduction to Networks</a:t>
             </a:r>
-            <a:endParaRPr lang="en-US" sz="1300" b="0" baseline="0" dirty="0" smtClean="0"/>
+            <a:endParaRPr lang="en-US" sz="1300" b="0" baseline="0" dirty="0"/>
           </a:p>
           <a:p>
             <a:pPr>
@@ -3788,10 +3772,10 @@
               <a:buNone/>
             </a:pPr>
             <a:r>
-              <a:rPr lang="en-US" sz="1300" b="0" dirty="0" smtClean="0"/>
+              <a:rPr lang="en-US" sz="1300" b="0" dirty="0"/>
               <a:t>Chapter 1: Exploring the Network</a:t>
             </a:r>
-            <a:endParaRPr lang="en-GB" b="0" dirty="0" smtClean="0"/>
+            <a:endParaRPr lang="en-GB" b="0" dirty="0"/>
           </a:p>
         </p:txBody>
       </p:sp>
@@ -3835,14 +3819,14 @@
           <a:ln/>
           <a:extLst>
             <a:ext uri="{909E8E84-426E-40dd-AFC4-6F175D3DCCD1}">
-              <a14:hiddenFill xmlns:a14="http://schemas.microsoft.com/office/drawing/2010/main">
+              <a14:hiddenFill xmlns:a14="http://schemas.microsoft.com/office/drawing/2010/main" xmlns="">
                 <a:solidFill>
                   <a:srgbClr val="FFFFFF"/>
                 </a:solidFill>
               </a14:hiddenFill>
             </a:ext>
             <a:ext uri="{91240B29-F687-4f45-9708-019B960494DF}">
-              <a14:hiddenLine xmlns:a14="http://schemas.microsoft.com/office/drawing/2010/main" w="9525">
+              <a14:hiddenLine xmlns:a14="http://schemas.microsoft.com/office/drawing/2010/main" xmlns="" w="9525">
                 <a:solidFill>
                   <a:srgbClr val="000000"/>
                 </a:solidFill>
@@ -4014,14 +3998,14 @@
           <a:ln/>
           <a:extLst>
             <a:ext uri="{909E8E84-426E-40dd-AFC4-6F175D3DCCD1}">
-              <a14:hiddenFill xmlns:a14="http://schemas.microsoft.com/office/drawing/2010/main">
+              <a14:hiddenFill xmlns:a14="http://schemas.microsoft.com/office/drawing/2010/main" xmlns="">
                 <a:solidFill>
                   <a:srgbClr val="FFFFFF"/>
                 </a:solidFill>
               </a14:hiddenFill>
             </a:ext>
             <a:ext uri="{91240B29-F687-4f45-9708-019B960494DF}">
-              <a14:hiddenLine xmlns:a14="http://schemas.microsoft.com/office/drawing/2010/main" w="9525">
+              <a14:hiddenLine xmlns:a14="http://schemas.microsoft.com/office/drawing/2010/main" xmlns="" w="9525">
                 <a:solidFill>
                   <a:srgbClr val="000000"/>
                 </a:solidFill>
@@ -4044,7 +4028,7 @@
               <a:buNone/>
             </a:pPr>
             <a:r>
-              <a:rPr lang="hu-HU" sz="1200" kern="1200" dirty="0" smtClean="0">
+              <a:rPr lang="hu-HU" sz="1200" kern="1200" dirty="0">
                 <a:solidFill>
                   <a:schemeClr val="tx1"/>
                 </a:solidFill>
@@ -4098,14 +4082,14 @@
           <a:ln/>
           <a:extLst>
             <a:ext uri="{909E8E84-426E-40dd-AFC4-6F175D3DCCD1}">
-              <a14:hiddenFill xmlns:a14="http://schemas.microsoft.com/office/drawing/2010/main">
+              <a14:hiddenFill xmlns:a14="http://schemas.microsoft.com/office/drawing/2010/main" xmlns="">
                 <a:solidFill>
                   <a:srgbClr val="FFFFFF"/>
                 </a:solidFill>
               </a14:hiddenFill>
             </a:ext>
             <a:ext uri="{91240B29-F687-4f45-9708-019B960494DF}">
-              <a14:hiddenLine xmlns:a14="http://schemas.microsoft.com/office/drawing/2010/main" w="9525">
+              <a14:hiddenLine xmlns:a14="http://schemas.microsoft.com/office/drawing/2010/main" xmlns="" w="9525">
                 <a:solidFill>
                   <a:srgbClr val="000000"/>
                 </a:solidFill>
@@ -4277,14 +4261,14 @@
           <a:ln/>
           <a:extLst>
             <a:ext uri="{909E8E84-426E-40dd-AFC4-6F175D3DCCD1}">
-              <a14:hiddenFill xmlns:a14="http://schemas.microsoft.com/office/drawing/2010/main">
+              <a14:hiddenFill xmlns:a14="http://schemas.microsoft.com/office/drawing/2010/main" xmlns="">
                 <a:solidFill>
                   <a:srgbClr val="FFFFFF"/>
                 </a:solidFill>
               </a14:hiddenFill>
             </a:ext>
             <a:ext uri="{91240B29-F687-4f45-9708-019B960494DF}">
-              <a14:hiddenLine xmlns:a14="http://schemas.microsoft.com/office/drawing/2010/main" w="9525">
+              <a14:hiddenLine xmlns:a14="http://schemas.microsoft.com/office/drawing/2010/main" xmlns="" w="9525">
                 <a:solidFill>
                   <a:srgbClr val="000000"/>
                 </a:solidFill>
@@ -4307,7 +4291,7 @@
               <a:buNone/>
             </a:pPr>
             <a:r>
-              <a:rPr lang="en-US" sz="1200" kern="1200" dirty="0" smtClean="0">
+              <a:rPr lang="en-US" sz="1200" kern="1200" dirty="0">
                 <a:solidFill>
                   <a:schemeClr val="tx1"/>
                 </a:solidFill>
@@ -4361,14 +4345,14 @@
           <a:ln/>
           <a:extLst>
             <a:ext uri="{909E8E84-426E-40dd-AFC4-6F175D3DCCD1}">
-              <a14:hiddenFill xmlns:a14="http://schemas.microsoft.com/office/drawing/2010/main">
+              <a14:hiddenFill xmlns:a14="http://schemas.microsoft.com/office/drawing/2010/main" xmlns="">
                 <a:solidFill>
                   <a:srgbClr val="FFFFFF"/>
                 </a:solidFill>
               </a14:hiddenFill>
             </a:ext>
             <a:ext uri="{91240B29-F687-4f45-9708-019B960494DF}">
-              <a14:hiddenLine xmlns:a14="http://schemas.microsoft.com/office/drawing/2010/main" w="9525">
+              <a14:hiddenLine xmlns:a14="http://schemas.microsoft.com/office/drawing/2010/main" xmlns="" w="9525">
                 <a:solidFill>
                   <a:srgbClr val="000000"/>
                 </a:solidFill>
@@ -4540,14 +4524,14 @@
           <a:ln/>
           <a:extLst>
             <a:ext uri="{909E8E84-426E-40dd-AFC4-6F175D3DCCD1}">
-              <a14:hiddenFill xmlns:a14="http://schemas.microsoft.com/office/drawing/2010/main">
+              <a14:hiddenFill xmlns:a14="http://schemas.microsoft.com/office/drawing/2010/main" xmlns="">
                 <a:solidFill>
                   <a:srgbClr val="FFFFFF"/>
                 </a:solidFill>
               </a14:hiddenFill>
             </a:ext>
             <a:ext uri="{91240B29-F687-4f45-9708-019B960494DF}">
-              <a14:hiddenLine xmlns:a14="http://schemas.microsoft.com/office/drawing/2010/main" w="9525">
+              <a14:hiddenLine xmlns:a14="http://schemas.microsoft.com/office/drawing/2010/main" xmlns="" w="9525">
                 <a:solidFill>
                   <a:srgbClr val="000000"/>
                 </a:solidFill>
@@ -4570,7 +4554,7 @@
               <a:buNone/>
             </a:pPr>
             <a:r>
-              <a:rPr lang="en-US" sz="1200" kern="1200" dirty="0" smtClean="0">
+              <a:rPr lang="en-US" sz="1200" kern="1200" dirty="0">
                 <a:solidFill>
                   <a:schemeClr val="tx1"/>
                 </a:solidFill>
@@ -4624,14 +4608,14 @@
           <a:ln/>
           <a:extLst>
             <a:ext uri="{909E8E84-426E-40dd-AFC4-6F175D3DCCD1}">
-              <a14:hiddenFill xmlns:a14="http://schemas.microsoft.com/office/drawing/2010/main">
+              <a14:hiddenFill xmlns:a14="http://schemas.microsoft.com/office/drawing/2010/main" xmlns="">
                 <a:solidFill>
                   <a:srgbClr val="FFFFFF"/>
                 </a:solidFill>
               </a14:hiddenFill>
             </a:ext>
             <a:ext uri="{91240B29-F687-4f45-9708-019B960494DF}">
-              <a14:hiddenLine xmlns:a14="http://schemas.microsoft.com/office/drawing/2010/main" w="9525">
+              <a14:hiddenLine xmlns:a14="http://schemas.microsoft.com/office/drawing/2010/main" xmlns="" w="9525">
                 <a:solidFill>
                   <a:srgbClr val="000000"/>
                 </a:solidFill>
@@ -4803,14 +4787,14 @@
           <a:ln/>
           <a:extLst>
             <a:ext uri="{909E8E84-426E-40dd-AFC4-6F175D3DCCD1}">
-              <a14:hiddenFill xmlns:a14="http://schemas.microsoft.com/office/drawing/2010/main">
+              <a14:hiddenFill xmlns:a14="http://schemas.microsoft.com/office/drawing/2010/main" xmlns="">
                 <a:solidFill>
                   <a:srgbClr val="FFFFFF"/>
                 </a:solidFill>
               </a14:hiddenFill>
             </a:ext>
             <a:ext uri="{91240B29-F687-4f45-9708-019B960494DF}">
-              <a14:hiddenLine xmlns:a14="http://schemas.microsoft.com/office/drawing/2010/main" w="9525">
+              <a14:hiddenLine xmlns:a14="http://schemas.microsoft.com/office/drawing/2010/main" xmlns="" w="9525">
                 <a:solidFill>
                   <a:srgbClr val="000000"/>
                 </a:solidFill>
@@ -4833,7 +4817,7 @@
               <a:buNone/>
             </a:pPr>
             <a:r>
-              <a:rPr lang="en-US" sz="1200" kern="1200" dirty="0" smtClean="0">
+              <a:rPr lang="en-US" sz="1200" kern="1200" dirty="0">
                 <a:solidFill>
                   <a:schemeClr val="tx1"/>
                 </a:solidFill>
@@ -4977,14 +4961,14 @@
           <a:ln/>
           <a:extLst>
             <a:ext uri="{909E8E84-426E-40dd-AFC4-6F175D3DCCD1}">
-              <a14:hiddenFill xmlns:a14="http://schemas.microsoft.com/office/drawing/2010/main">
+              <a14:hiddenFill xmlns:a14="http://schemas.microsoft.com/office/drawing/2010/main" xmlns="">
                 <a:solidFill>
                   <a:srgbClr val="FFFFFF"/>
                 </a:solidFill>
               </a14:hiddenFill>
             </a:ext>
             <a:ext uri="{91240B29-F687-4f45-9708-019B960494DF}">
-              <a14:hiddenLine xmlns:a14="http://schemas.microsoft.com/office/drawing/2010/main" w="9525">
+              <a14:hiddenLine xmlns:a14="http://schemas.microsoft.com/office/drawing/2010/main" xmlns="" w="9525">
                 <a:solidFill>
                   <a:srgbClr val="000000"/>
                 </a:solidFill>
@@ -5156,14 +5140,14 @@
           <a:ln/>
           <a:extLst>
             <a:ext uri="{909E8E84-426E-40dd-AFC4-6F175D3DCCD1}">
-              <a14:hiddenFill xmlns:a14="http://schemas.microsoft.com/office/drawing/2010/main">
+              <a14:hiddenFill xmlns:a14="http://schemas.microsoft.com/office/drawing/2010/main" xmlns="">
                 <a:solidFill>
                   <a:srgbClr val="FFFFFF"/>
                 </a:solidFill>
               </a14:hiddenFill>
             </a:ext>
             <a:ext uri="{91240B29-F687-4f45-9708-019B960494DF}">
-              <a14:hiddenLine xmlns:a14="http://schemas.microsoft.com/office/drawing/2010/main" w="9525">
+              <a14:hiddenLine xmlns:a14="http://schemas.microsoft.com/office/drawing/2010/main" xmlns="" w="9525">
                 <a:solidFill>
                   <a:srgbClr val="000000"/>
                 </a:solidFill>
@@ -5186,7 +5170,7 @@
               <a:buNone/>
             </a:pPr>
             <a:r>
-              <a:rPr lang="en-US" dirty="0" smtClean="0"/>
+              <a:rPr lang="en-US" dirty="0"/>
               <a:t>Section 1.2.1.1</a:t>
             </a:r>
           </a:p>
@@ -5232,14 +5216,14 @@
           <a:ln/>
           <a:extLst>
             <a:ext uri="{909E8E84-426E-40dd-AFC4-6F175D3DCCD1}">
-              <a14:hiddenFill xmlns:a14="http://schemas.microsoft.com/office/drawing/2010/main">
+              <a14:hiddenFill xmlns:a14="http://schemas.microsoft.com/office/drawing/2010/main" xmlns="">
                 <a:solidFill>
                   <a:srgbClr val="FFFFFF"/>
                 </a:solidFill>
               </a14:hiddenFill>
             </a:ext>
             <a:ext uri="{91240B29-F687-4f45-9708-019B960494DF}">
-              <a14:hiddenLine xmlns:a14="http://schemas.microsoft.com/office/drawing/2010/main" w="9525">
+              <a14:hiddenLine xmlns:a14="http://schemas.microsoft.com/office/drawing/2010/main" xmlns="" w="9525">
                 <a:solidFill>
                   <a:srgbClr val="000000"/>
                 </a:solidFill>
@@ -5444,14 +5428,14 @@
           <a:ln/>
           <a:extLst>
             <a:ext uri="{909E8E84-426E-40dd-AFC4-6F175D3DCCD1}">
-              <a14:hiddenFill xmlns:a14="http://schemas.microsoft.com/office/drawing/2010/main">
+              <a14:hiddenFill xmlns:a14="http://schemas.microsoft.com/office/drawing/2010/main" xmlns="">
                 <a:solidFill>
                   <a:srgbClr val="FFFFFF"/>
                 </a:solidFill>
               </a14:hiddenFill>
             </a:ext>
             <a:ext uri="{91240B29-F687-4f45-9708-019B960494DF}">
-              <a14:hiddenLine xmlns:a14="http://schemas.microsoft.com/office/drawing/2010/main" w="9525">
+              <a14:hiddenLine xmlns:a14="http://schemas.microsoft.com/office/drawing/2010/main" xmlns="" w="9525">
                 <a:solidFill>
                   <a:srgbClr val="000000"/>
                 </a:solidFill>
@@ -5461,7 +5445,7 @@
               </a14:hiddenLine>
             </a:ext>
             <a:ext uri="{FAA26D3D-D897-4be2-8F04-BA451C77F1D7}">
-              <ma14:placeholderFlag xmlns:ma14="http://schemas.microsoft.com/office/mac/drawingml/2011/main" val="1"/>
+              <ma14:placeholderFlag xmlns:ma14="http://schemas.microsoft.com/office/mac/drawingml/2011/main" xmlns="" val="1"/>
             </a:ext>
           </a:extLst>
         </p:spPr>
@@ -5516,14 +5500,14 @@
           <a:ln/>
           <a:extLst>
             <a:ext uri="{909E8E84-426E-40dd-AFC4-6F175D3DCCD1}">
-              <a14:hiddenFill xmlns:a14="http://schemas.microsoft.com/office/drawing/2010/main">
+              <a14:hiddenFill xmlns:a14="http://schemas.microsoft.com/office/drawing/2010/main" xmlns="">
                 <a:solidFill>
                   <a:srgbClr val="FFFFFF"/>
                 </a:solidFill>
               </a14:hiddenFill>
             </a:ext>
             <a:ext uri="{91240B29-F687-4f45-9708-019B960494DF}">
-              <a14:hiddenLine xmlns:a14="http://schemas.microsoft.com/office/drawing/2010/main" w="9525">
+              <a14:hiddenLine xmlns:a14="http://schemas.microsoft.com/office/drawing/2010/main" xmlns="" w="9525">
                 <a:solidFill>
                   <a:srgbClr val="000000"/>
                 </a:solidFill>
@@ -5695,14 +5679,14 @@
           <a:ln/>
           <a:extLst>
             <a:ext uri="{909E8E84-426E-40dd-AFC4-6F175D3DCCD1}">
-              <a14:hiddenFill xmlns:a14="http://schemas.microsoft.com/office/drawing/2010/main">
+              <a14:hiddenFill xmlns:a14="http://schemas.microsoft.com/office/drawing/2010/main" xmlns="">
                 <a:solidFill>
                   <a:srgbClr val="FFFFFF"/>
                 </a:solidFill>
               </a14:hiddenFill>
             </a:ext>
             <a:ext uri="{91240B29-F687-4f45-9708-019B960494DF}">
-              <a14:hiddenLine xmlns:a14="http://schemas.microsoft.com/office/drawing/2010/main" w="9525">
+              <a14:hiddenLine xmlns:a14="http://schemas.microsoft.com/office/drawing/2010/main" xmlns="" w="9525">
                 <a:solidFill>
                   <a:srgbClr val="000000"/>
                 </a:solidFill>
@@ -5726,13 +5710,8 @@
             </a:pPr>
             <a:r>
               <a:rPr lang="en-US" dirty="0"/>
-              <a:t>Section </a:t>
-            </a:r>
-            <a:r>
-              <a:rPr lang="en-US" dirty="0" smtClean="0"/>
-              <a:t>1.2.1.3</a:t>
-            </a:r>
-            <a:endParaRPr lang="en-US" dirty="0"/>
+              <a:t>Section 1.2.1.3</a:t>
+            </a:r>
           </a:p>
         </p:txBody>
       </p:sp>
@@ -5776,14 +5755,14 @@
           <a:ln/>
           <a:extLst>
             <a:ext uri="{909E8E84-426E-40dd-AFC4-6F175D3DCCD1}">
-              <a14:hiddenFill xmlns:a14="http://schemas.microsoft.com/office/drawing/2010/main">
+              <a14:hiddenFill xmlns:a14="http://schemas.microsoft.com/office/drawing/2010/main" xmlns="">
                 <a:solidFill>
                   <a:srgbClr val="FFFFFF"/>
                 </a:solidFill>
               </a14:hiddenFill>
             </a:ext>
             <a:ext uri="{91240B29-F687-4f45-9708-019B960494DF}">
-              <a14:hiddenLine xmlns:a14="http://schemas.microsoft.com/office/drawing/2010/main" w="9525">
+              <a14:hiddenLine xmlns:a14="http://schemas.microsoft.com/office/drawing/2010/main" xmlns="" w="9525">
                 <a:solidFill>
                   <a:srgbClr val="000000"/>
                 </a:solidFill>
@@ -5955,14 +5934,14 @@
           <a:ln/>
           <a:extLst>
             <a:ext uri="{909E8E84-426E-40dd-AFC4-6F175D3DCCD1}">
-              <a14:hiddenFill xmlns:a14="http://schemas.microsoft.com/office/drawing/2010/main">
+              <a14:hiddenFill xmlns:a14="http://schemas.microsoft.com/office/drawing/2010/main" xmlns="">
                 <a:solidFill>
                   <a:srgbClr val="FFFFFF"/>
                 </a:solidFill>
               </a14:hiddenFill>
             </a:ext>
             <a:ext uri="{91240B29-F687-4f45-9708-019B960494DF}">
-              <a14:hiddenLine xmlns:a14="http://schemas.microsoft.com/office/drawing/2010/main" w="9525">
+              <a14:hiddenLine xmlns:a14="http://schemas.microsoft.com/office/drawing/2010/main" xmlns="" w="9525">
                 <a:solidFill>
                   <a:srgbClr val="000000"/>
                 </a:solidFill>
@@ -5985,10 +5964,9 @@
               <a:buNone/>
             </a:pPr>
             <a:r>
-              <a:rPr lang="en-US" dirty="0" smtClean="0"/>
+              <a:rPr lang="en-US" dirty="0"/>
               <a:t>Section 1.2.1.1</a:t>
             </a:r>
-            <a:endParaRPr lang="en-US" dirty="0"/>
           </a:p>
         </p:txBody>
       </p:sp>
@@ -6045,15 +6023,15 @@
           <a:lstStyle/>
           <a:p>
             <a:r>
-              <a:rPr lang="en-MY" dirty="0" smtClean="0"/>
+              <a:rPr lang="en-MY" dirty="0"/>
               <a:t>I honestly cannot understand this slide if I am the student.</a:t>
             </a:r>
             <a:r>
-              <a:rPr lang="en-MY" baseline="0" dirty="0" smtClean="0"/>
+              <a:rPr lang="en-MY" baseline="0" dirty="0"/>
               <a:t>  What is the actual difference of communication programs, services, processes are very </a:t>
             </a:r>
             <a:r>
-              <a:rPr lang="en-MY" baseline="0" dirty="0" err="1" smtClean="0"/>
+              <a:rPr lang="en-MY" baseline="0" dirty="0" err="1"/>
               <a:t>blurr</a:t>
             </a:r>
             <a:endParaRPr lang="en-MY" dirty="0"/>
@@ -6134,14 +6112,14 @@
           <a:ln/>
           <a:extLst>
             <a:ext uri="{909E8E84-426E-40dd-AFC4-6F175D3DCCD1}">
-              <a14:hiddenFill xmlns:a14="http://schemas.microsoft.com/office/drawing/2010/main">
+              <a14:hiddenFill xmlns:a14="http://schemas.microsoft.com/office/drawing/2010/main" xmlns="">
                 <a:solidFill>
                   <a:srgbClr val="FFFFFF"/>
                 </a:solidFill>
               </a14:hiddenFill>
             </a:ext>
             <a:ext uri="{91240B29-F687-4f45-9708-019B960494DF}">
-              <a14:hiddenLine xmlns:a14="http://schemas.microsoft.com/office/drawing/2010/main" w="9525">
+              <a14:hiddenLine xmlns:a14="http://schemas.microsoft.com/office/drawing/2010/main" xmlns="" w="9525">
                 <a:solidFill>
                   <a:srgbClr val="000000"/>
                 </a:solidFill>
@@ -6313,14 +6291,14 @@
           <a:ln/>
           <a:extLst>
             <a:ext uri="{909E8E84-426E-40dd-AFC4-6F175D3DCCD1}">
-              <a14:hiddenFill xmlns:a14="http://schemas.microsoft.com/office/drawing/2010/main">
+              <a14:hiddenFill xmlns:a14="http://schemas.microsoft.com/office/drawing/2010/main" xmlns="">
                 <a:solidFill>
                   <a:srgbClr val="FFFFFF"/>
                 </a:solidFill>
               </a14:hiddenFill>
             </a:ext>
             <a:ext uri="{91240B29-F687-4f45-9708-019B960494DF}">
-              <a14:hiddenLine xmlns:a14="http://schemas.microsoft.com/office/drawing/2010/main" w="9525">
+              <a14:hiddenLine xmlns:a14="http://schemas.microsoft.com/office/drawing/2010/main" xmlns="" w="9525">
                 <a:solidFill>
                   <a:srgbClr val="000000"/>
                 </a:solidFill>
@@ -6344,13 +6322,8 @@
             </a:pPr>
             <a:r>
               <a:rPr lang="en-US" dirty="0"/>
-              <a:t>Section </a:t>
-            </a:r>
-            <a:r>
-              <a:rPr lang="en-US" dirty="0" smtClean="0"/>
-              <a:t>1.2.1.4</a:t>
-            </a:r>
-            <a:endParaRPr lang="en-US" dirty="0"/>
+              <a:t>Section 1.2.1.4</a:t>
+            </a:r>
           </a:p>
         </p:txBody>
       </p:sp>
@@ -6394,14 +6367,14 @@
           <a:ln/>
           <a:extLst>
             <a:ext uri="{909E8E84-426E-40dd-AFC4-6F175D3DCCD1}">
-              <a14:hiddenFill xmlns:a14="http://schemas.microsoft.com/office/drawing/2010/main">
+              <a14:hiddenFill xmlns:a14="http://schemas.microsoft.com/office/drawing/2010/main" xmlns="">
                 <a:solidFill>
                   <a:srgbClr val="FFFFFF"/>
                 </a:solidFill>
               </a14:hiddenFill>
             </a:ext>
             <a:ext uri="{91240B29-F687-4f45-9708-019B960494DF}">
-              <a14:hiddenLine xmlns:a14="http://schemas.microsoft.com/office/drawing/2010/main" w="9525">
+              <a14:hiddenLine xmlns:a14="http://schemas.microsoft.com/office/drawing/2010/main" xmlns="" w="9525">
                 <a:solidFill>
                   <a:srgbClr val="000000"/>
                 </a:solidFill>
@@ -6573,14 +6546,14 @@
           <a:ln/>
           <a:extLst>
             <a:ext uri="{909E8E84-426E-40dd-AFC4-6F175D3DCCD1}">
-              <a14:hiddenFill xmlns:a14="http://schemas.microsoft.com/office/drawing/2010/main">
+              <a14:hiddenFill xmlns:a14="http://schemas.microsoft.com/office/drawing/2010/main" xmlns="">
                 <a:solidFill>
                   <a:srgbClr val="FFFFFF"/>
                 </a:solidFill>
               </a14:hiddenFill>
             </a:ext>
             <a:ext uri="{91240B29-F687-4f45-9708-019B960494DF}">
-              <a14:hiddenLine xmlns:a14="http://schemas.microsoft.com/office/drawing/2010/main" w="9525">
+              <a14:hiddenLine xmlns:a14="http://schemas.microsoft.com/office/drawing/2010/main" xmlns="" w="9525">
                 <a:solidFill>
                   <a:srgbClr val="000000"/>
                 </a:solidFill>
@@ -6604,13 +6577,8 @@
             </a:pPr>
             <a:r>
               <a:rPr lang="en-US" dirty="0"/>
-              <a:t>Section </a:t>
-            </a:r>
-            <a:r>
-              <a:rPr lang="en-US" dirty="0" smtClean="0"/>
-              <a:t>1.2.1.5</a:t>
-            </a:r>
-            <a:endParaRPr lang="en-US" dirty="0"/>
+              <a:t>Section 1.2.1.5</a:t>
+            </a:r>
           </a:p>
         </p:txBody>
       </p:sp>
@@ -6674,14 +6642,14 @@
           </a:ln>
           <a:extLst>
             <a:ext uri="{909E8E84-426E-40dd-AFC4-6F175D3DCCD1}">
-              <a14:hiddenFill xmlns:a14="http://schemas.microsoft.com/office/drawing/2010/main">
+              <a14:hiddenFill xmlns:a14="http://schemas.microsoft.com/office/drawing/2010/main" xmlns="">
                 <a:solidFill>
                   <a:srgbClr val="FFFFFF"/>
                 </a:solidFill>
               </a14:hiddenFill>
             </a:ext>
             <a:ext uri="{91240B29-F687-4f45-9708-019B960494DF}">
-              <a14:hiddenLine xmlns:a14="http://schemas.microsoft.com/office/drawing/2010/main" w="9525">
+              <a14:hiddenLine xmlns:a14="http://schemas.microsoft.com/office/drawing/2010/main" xmlns="" w="9525">
                 <a:solidFill>
                   <a:srgbClr val="000000"/>
                 </a:solidFill>
@@ -6715,14 +6683,14 @@
           </a:ln>
           <a:extLst>
             <a:ext uri="{909E8E84-426E-40dd-AFC4-6F175D3DCCD1}">
-              <a14:hiddenFill xmlns:a14="http://schemas.microsoft.com/office/drawing/2010/main">
+              <a14:hiddenFill xmlns:a14="http://schemas.microsoft.com/office/drawing/2010/main" xmlns="">
                 <a:solidFill>
                   <a:srgbClr val="FFFFFF"/>
                 </a:solidFill>
               </a14:hiddenFill>
             </a:ext>
             <a:ext uri="{91240B29-F687-4f45-9708-019B960494DF}">
-              <a14:hiddenLine xmlns:a14="http://schemas.microsoft.com/office/drawing/2010/main" w="9525">
+              <a14:hiddenLine xmlns:a14="http://schemas.microsoft.com/office/drawing/2010/main" xmlns="" w="9525">
                 <a:solidFill>
                   <a:srgbClr val="000000"/>
                 </a:solidFill>
@@ -6777,14 +6745,14 @@
           </a:ln>
           <a:extLst>
             <a:ext uri="{909E8E84-426E-40dd-AFC4-6F175D3DCCD1}">
-              <a14:hiddenFill xmlns:a14="http://schemas.microsoft.com/office/drawing/2010/main">
+              <a14:hiddenFill xmlns:a14="http://schemas.microsoft.com/office/drawing/2010/main" xmlns="">
                 <a:solidFill>
                   <a:srgbClr val="FFFFFF"/>
                 </a:solidFill>
               </a14:hiddenFill>
             </a:ext>
             <a:ext uri="{91240B29-F687-4f45-9708-019B960494DF}">
-              <a14:hiddenLine xmlns:a14="http://schemas.microsoft.com/office/drawing/2010/main" w="9525">
+              <a14:hiddenLine xmlns:a14="http://schemas.microsoft.com/office/drawing/2010/main" xmlns="" w="9525">
                 <a:solidFill>
                   <a:srgbClr val="000000"/>
                 </a:solidFill>
@@ -6839,14 +6807,14 @@
           </a:ln>
           <a:extLst>
             <a:ext uri="{909E8E84-426E-40dd-AFC4-6F175D3DCCD1}">
-              <a14:hiddenFill xmlns:a14="http://schemas.microsoft.com/office/drawing/2010/main">
+              <a14:hiddenFill xmlns:a14="http://schemas.microsoft.com/office/drawing/2010/main" xmlns="">
                 <a:solidFill>
                   <a:srgbClr val="FFFFFF"/>
                 </a:solidFill>
               </a14:hiddenFill>
             </a:ext>
             <a:ext uri="{91240B29-F687-4f45-9708-019B960494DF}">
-              <a14:hiddenLine xmlns:a14="http://schemas.microsoft.com/office/drawing/2010/main" w="9525">
+              <a14:hiddenLine xmlns:a14="http://schemas.microsoft.com/office/drawing/2010/main" xmlns="" w="9525">
                 <a:solidFill>
                   <a:srgbClr val="000000"/>
                 </a:solidFill>
@@ -6916,14 +6884,14 @@
           </a:ln>
           <a:extLst>
             <a:ext uri="{909E8E84-426E-40dd-AFC4-6F175D3DCCD1}">
-              <a14:hiddenFill xmlns:a14="http://schemas.microsoft.com/office/drawing/2010/main">
+              <a14:hiddenFill xmlns:a14="http://schemas.microsoft.com/office/drawing/2010/main" xmlns="">
                 <a:solidFill>
                   <a:srgbClr val="FFFFFF"/>
                 </a:solidFill>
               </a14:hiddenFill>
             </a:ext>
             <a:ext uri="{91240B29-F687-4f45-9708-019B960494DF}">
-              <a14:hiddenLine xmlns:a14="http://schemas.microsoft.com/office/drawing/2010/main" w="9525">
+              <a14:hiddenLine xmlns:a14="http://schemas.microsoft.com/office/drawing/2010/main" xmlns="" w="9525">
                 <a:solidFill>
                   <a:srgbClr val="000000"/>
                 </a:solidFill>
@@ -7001,14 +6969,14 @@
           </a:ln>
           <a:extLst>
             <a:ext uri="{909E8E84-426E-40dd-AFC4-6F175D3DCCD1}">
-              <a14:hiddenFill xmlns:a14="http://schemas.microsoft.com/office/drawing/2010/main">
+              <a14:hiddenFill xmlns:a14="http://schemas.microsoft.com/office/drawing/2010/main" xmlns="">
                 <a:solidFill>
                   <a:srgbClr val="FFFFFF"/>
                 </a:solidFill>
               </a14:hiddenFill>
             </a:ext>
             <a:ext uri="{91240B29-F687-4f45-9708-019B960494DF}">
-              <a14:hiddenLine xmlns:a14="http://schemas.microsoft.com/office/drawing/2010/main" w="9525">
+              <a14:hiddenLine xmlns:a14="http://schemas.microsoft.com/office/drawing/2010/main" xmlns="" w="9525">
                 <a:solidFill>
                   <a:srgbClr val="000000"/>
                 </a:solidFill>
@@ -7055,14 +7023,14 @@
           </a:ln>
           <a:extLst>
             <a:ext uri="{909E8E84-426E-40dd-AFC4-6F175D3DCCD1}">
-              <a14:hiddenFill xmlns:a14="http://schemas.microsoft.com/office/drawing/2010/main">
+              <a14:hiddenFill xmlns:a14="http://schemas.microsoft.com/office/drawing/2010/main" xmlns="">
                 <a:solidFill>
                   <a:srgbClr val="FFFFFF"/>
                 </a:solidFill>
               </a14:hiddenFill>
             </a:ext>
             <a:ext uri="{91240B29-F687-4f45-9708-019B960494DF}">
-              <a14:hiddenLine xmlns:a14="http://schemas.microsoft.com/office/drawing/2010/main" w="9525">
+              <a14:hiddenLine xmlns:a14="http://schemas.microsoft.com/office/drawing/2010/main" xmlns="" w="9525">
                 <a:solidFill>
                   <a:srgbClr val="000000"/>
                 </a:solidFill>
@@ -7197,10 +7165,9 @@
           <a:lstStyle/>
           <a:p>
             <a:r>
-              <a:rPr lang="en-US" smtClean="0"/>
+              <a:rPr lang="en-US"/>
               <a:t>Click to edit Master title style</a:t>
             </a:r>
-            <a:endParaRPr lang="en-US"/>
           </a:p>
         </p:txBody>
       </p:sp>
@@ -7221,38 +7188,37 @@
           <a:p>
             <a:pPr lvl="0"/>
             <a:r>
-              <a:rPr lang="en-US" smtClean="0"/>
+              <a:rPr lang="en-US"/>
               <a:t>Click to edit Master text styles</a:t>
             </a:r>
           </a:p>
           <a:p>
             <a:pPr lvl="1"/>
             <a:r>
-              <a:rPr lang="en-US" smtClean="0"/>
+              <a:rPr lang="en-US"/>
               <a:t>Second level</a:t>
             </a:r>
           </a:p>
           <a:p>
             <a:pPr lvl="2"/>
             <a:r>
-              <a:rPr lang="en-US" smtClean="0"/>
+              <a:rPr lang="en-US"/>
               <a:t>Third level</a:t>
             </a:r>
           </a:p>
           <a:p>
             <a:pPr lvl="3"/>
             <a:r>
-              <a:rPr lang="en-US" smtClean="0"/>
+              <a:rPr lang="en-US"/>
               <a:t>Fourth level</a:t>
             </a:r>
           </a:p>
           <a:p>
             <a:pPr lvl="4"/>
             <a:r>
-              <a:rPr lang="en-US" smtClean="0"/>
+              <a:rPr lang="en-US"/>
               <a:t>Fifth level</a:t>
             </a:r>
-            <a:endParaRPr lang="en-US"/>
           </a:p>
         </p:txBody>
       </p:sp>
@@ -7307,10 +7273,9 @@
           <a:lstStyle/>
           <a:p>
             <a:r>
-              <a:rPr lang="en-US" smtClean="0"/>
+              <a:rPr lang="en-US"/>
               <a:t>Click to edit Master title style</a:t>
             </a:r>
-            <a:endParaRPr lang="en-US"/>
           </a:p>
         </p:txBody>
       </p:sp>
@@ -7336,38 +7301,37 @@
           <a:p>
             <a:pPr lvl="0"/>
             <a:r>
-              <a:rPr lang="en-US" smtClean="0"/>
+              <a:rPr lang="en-US"/>
               <a:t>Click to edit Master text styles</a:t>
             </a:r>
           </a:p>
           <a:p>
             <a:pPr lvl="1"/>
             <a:r>
-              <a:rPr lang="en-US" smtClean="0"/>
+              <a:rPr lang="en-US"/>
               <a:t>Second level</a:t>
             </a:r>
           </a:p>
           <a:p>
             <a:pPr lvl="2"/>
             <a:r>
-              <a:rPr lang="en-US" smtClean="0"/>
+              <a:rPr lang="en-US"/>
               <a:t>Third level</a:t>
             </a:r>
           </a:p>
           <a:p>
             <a:pPr lvl="3"/>
             <a:r>
-              <a:rPr lang="en-US" smtClean="0"/>
+              <a:rPr lang="en-US"/>
               <a:t>Fourth level</a:t>
             </a:r>
           </a:p>
           <a:p>
             <a:pPr lvl="4"/>
             <a:r>
-              <a:rPr lang="en-US" smtClean="0"/>
+              <a:rPr lang="en-US"/>
               <a:t>Fifth level</a:t>
             </a:r>
-            <a:endParaRPr lang="en-US"/>
           </a:p>
         </p:txBody>
       </p:sp>
@@ -7422,10 +7386,9 @@
           <a:lstStyle/>
           <a:p>
             <a:r>
-              <a:rPr lang="en-US" smtClean="0"/>
+              <a:rPr lang="en-US"/>
               <a:t>Click to edit Master title style</a:t>
             </a:r>
-            <a:endParaRPr lang="en-US"/>
           </a:p>
         </p:txBody>
       </p:sp>
@@ -7450,7 +7413,7 @@
           <a:lstStyle/>
           <a:p>
             <a:pPr lvl="0"/>
-            <a:endParaRPr lang="en-US" noProof="0" dirty="0" smtClean="0"/>
+            <a:endParaRPr lang="en-US" noProof="0" dirty="0"/>
           </a:p>
         </p:txBody>
       </p:sp>
@@ -7519,14 +7482,14 @@
           </a:ln>
           <a:extLst>
             <a:ext uri="{909E8E84-426E-40dd-AFC4-6F175D3DCCD1}">
-              <a14:hiddenFill xmlns:a14="http://schemas.microsoft.com/office/drawing/2010/main">
+              <a14:hiddenFill xmlns:a14="http://schemas.microsoft.com/office/drawing/2010/main" xmlns="">
                 <a:solidFill>
                   <a:srgbClr val="FFFFFF"/>
                 </a:solidFill>
               </a14:hiddenFill>
             </a:ext>
             <a:ext uri="{91240B29-F687-4f45-9708-019B960494DF}">
-              <a14:hiddenLine xmlns:a14="http://schemas.microsoft.com/office/drawing/2010/main" w="9525">
+              <a14:hiddenLine xmlns:a14="http://schemas.microsoft.com/office/drawing/2010/main" xmlns="" w="9525">
                 <a:solidFill>
                   <a:srgbClr val="000000"/>
                 </a:solidFill>
@@ -7560,14 +7523,14 @@
           </a:ln>
           <a:extLst>
             <a:ext uri="{909E8E84-426E-40dd-AFC4-6F175D3DCCD1}">
-              <a14:hiddenFill xmlns:a14="http://schemas.microsoft.com/office/drawing/2010/main">
+              <a14:hiddenFill xmlns:a14="http://schemas.microsoft.com/office/drawing/2010/main" xmlns="">
                 <a:solidFill>
                   <a:srgbClr val="FFFFFF"/>
                 </a:solidFill>
               </a14:hiddenFill>
             </a:ext>
             <a:ext uri="{91240B29-F687-4f45-9708-019B960494DF}">
-              <a14:hiddenLine xmlns:a14="http://schemas.microsoft.com/office/drawing/2010/main" w="9525">
+              <a14:hiddenLine xmlns:a14="http://schemas.microsoft.com/office/drawing/2010/main" xmlns="" w="9525">
                 <a:solidFill>
                   <a:srgbClr val="000000"/>
                 </a:solidFill>
@@ -7622,14 +7585,14 @@
           </a:ln>
           <a:extLst>
             <a:ext uri="{909E8E84-426E-40dd-AFC4-6F175D3DCCD1}">
-              <a14:hiddenFill xmlns:a14="http://schemas.microsoft.com/office/drawing/2010/main">
+              <a14:hiddenFill xmlns:a14="http://schemas.microsoft.com/office/drawing/2010/main" xmlns="">
                 <a:solidFill>
                   <a:srgbClr val="FFFFFF"/>
                 </a:solidFill>
               </a14:hiddenFill>
             </a:ext>
             <a:ext uri="{91240B29-F687-4f45-9708-019B960494DF}">
-              <a14:hiddenLine xmlns:a14="http://schemas.microsoft.com/office/drawing/2010/main" w="9525">
+              <a14:hiddenLine xmlns:a14="http://schemas.microsoft.com/office/drawing/2010/main" xmlns="" w="9525">
                 <a:solidFill>
                   <a:srgbClr val="000000"/>
                 </a:solidFill>
@@ -7684,14 +7647,14 @@
           </a:ln>
           <a:extLst>
             <a:ext uri="{909E8E84-426E-40dd-AFC4-6F175D3DCCD1}">
-              <a14:hiddenFill xmlns:a14="http://schemas.microsoft.com/office/drawing/2010/main">
+              <a14:hiddenFill xmlns:a14="http://schemas.microsoft.com/office/drawing/2010/main" xmlns="">
                 <a:solidFill>
                   <a:srgbClr val="FFFFFF"/>
                 </a:solidFill>
               </a14:hiddenFill>
             </a:ext>
             <a:ext uri="{91240B29-F687-4f45-9708-019B960494DF}">
-              <a14:hiddenLine xmlns:a14="http://schemas.microsoft.com/office/drawing/2010/main" w="9525">
+              <a14:hiddenLine xmlns:a14="http://schemas.microsoft.com/office/drawing/2010/main" xmlns="" w="9525">
                 <a:solidFill>
                   <a:srgbClr val="000000"/>
                 </a:solidFill>
@@ -7746,14 +7709,14 @@
           </a:ln>
           <a:extLst>
             <a:ext uri="{909E8E84-426E-40dd-AFC4-6F175D3DCCD1}">
-              <a14:hiddenFill xmlns:a14="http://schemas.microsoft.com/office/drawing/2010/main">
+              <a14:hiddenFill xmlns:a14="http://schemas.microsoft.com/office/drawing/2010/main" xmlns="">
                 <a:solidFill>
                   <a:srgbClr val="FFFFFF"/>
                 </a:solidFill>
               </a14:hiddenFill>
             </a:ext>
             <a:ext uri="{91240B29-F687-4f45-9708-019B960494DF}">
-              <a14:hiddenLine xmlns:a14="http://schemas.microsoft.com/office/drawing/2010/main" w="9525">
+              <a14:hiddenLine xmlns:a14="http://schemas.microsoft.com/office/drawing/2010/main" xmlns="" w="9525">
                 <a:solidFill>
                   <a:srgbClr val="000000"/>
                 </a:solidFill>
@@ -7831,14 +7794,14 @@
           </a:ln>
           <a:extLst>
             <a:ext uri="{909E8E84-426E-40dd-AFC4-6F175D3DCCD1}">
-              <a14:hiddenFill xmlns:a14="http://schemas.microsoft.com/office/drawing/2010/main">
+              <a14:hiddenFill xmlns:a14="http://schemas.microsoft.com/office/drawing/2010/main" xmlns="">
                 <a:solidFill>
                   <a:srgbClr val="FFFFFF"/>
                 </a:solidFill>
               </a14:hiddenFill>
             </a:ext>
             <a:ext uri="{91240B29-F687-4f45-9708-019B960494DF}">
-              <a14:hiddenLine xmlns:a14="http://schemas.microsoft.com/office/drawing/2010/main" w="9525">
+              <a14:hiddenLine xmlns:a14="http://schemas.microsoft.com/office/drawing/2010/main" xmlns="" w="9525">
                 <a:solidFill>
                   <a:srgbClr val="000000"/>
                 </a:solidFill>
@@ -7885,14 +7848,14 @@
           </a:ln>
           <a:extLst>
             <a:ext uri="{909E8E84-426E-40dd-AFC4-6F175D3DCCD1}">
-              <a14:hiddenFill xmlns:a14="http://schemas.microsoft.com/office/drawing/2010/main">
+              <a14:hiddenFill xmlns:a14="http://schemas.microsoft.com/office/drawing/2010/main" xmlns="">
                 <a:solidFill>
                   <a:srgbClr val="FFFFFF"/>
                 </a:solidFill>
               </a14:hiddenFill>
             </a:ext>
             <a:ext uri="{91240B29-F687-4f45-9708-019B960494DF}">
-              <a14:hiddenLine xmlns:a14="http://schemas.microsoft.com/office/drawing/2010/main" w="9525">
+              <a14:hiddenLine xmlns:a14="http://schemas.microsoft.com/office/drawing/2010/main" xmlns="" w="9525">
                 <a:solidFill>
                   <a:srgbClr val="000000"/>
                 </a:solidFill>
@@ -7934,10 +7897,9 @@
           </a:lstStyle>
           <a:p>
             <a:r>
-              <a:rPr lang="en-US" smtClean="0"/>
+              <a:rPr lang="en-US"/>
               <a:t>Click to edit Master title style</a:t>
             </a:r>
-            <a:endParaRPr lang="en-US"/>
           </a:p>
         </p:txBody>
       </p:sp>
@@ -7976,10 +7938,9 @@
           </a:lstStyle>
           <a:p>
             <a:r>
-              <a:rPr lang="en-US" smtClean="0"/>
+              <a:rPr lang="en-US"/>
               <a:t>Click to edit Master subtitle style</a:t>
             </a:r>
-            <a:endParaRPr lang="en-US"/>
           </a:p>
         </p:txBody>
       </p:sp>
@@ -8029,10 +7990,9 @@
           <a:lstStyle/>
           <a:p>
             <a:r>
-              <a:rPr lang="en-US" dirty="0" smtClean="0"/>
+              <a:rPr lang="en-US" dirty="0"/>
               <a:t>Click to edit Master title style</a:t>
             </a:r>
-            <a:endParaRPr lang="en-US" dirty="0"/>
           </a:p>
         </p:txBody>
       </p:sp>
@@ -8053,38 +8013,37 @@
           <a:p>
             <a:pPr lvl="0"/>
             <a:r>
-              <a:rPr lang="en-US" smtClean="0"/>
+              <a:rPr lang="en-US"/>
               <a:t>Click to edit Master text styles</a:t>
             </a:r>
           </a:p>
           <a:p>
             <a:pPr lvl="1"/>
             <a:r>
-              <a:rPr lang="en-US" smtClean="0"/>
+              <a:rPr lang="en-US"/>
               <a:t>Second level</a:t>
             </a:r>
           </a:p>
           <a:p>
             <a:pPr lvl="2"/>
             <a:r>
-              <a:rPr lang="en-US" smtClean="0"/>
+              <a:rPr lang="en-US"/>
               <a:t>Third level</a:t>
             </a:r>
           </a:p>
           <a:p>
             <a:pPr lvl="3"/>
             <a:r>
-              <a:rPr lang="en-US" smtClean="0"/>
+              <a:rPr lang="en-US"/>
               <a:t>Fourth level</a:t>
             </a:r>
           </a:p>
           <a:p>
             <a:pPr lvl="4"/>
             <a:r>
-              <a:rPr lang="en-US" smtClean="0"/>
+              <a:rPr lang="en-US"/>
               <a:t>Fifth level</a:t>
             </a:r>
-            <a:endParaRPr lang="en-US"/>
           </a:p>
         </p:txBody>
       </p:sp>
@@ -8143,10 +8102,9 @@
           </a:lstStyle>
           <a:p>
             <a:r>
-              <a:rPr lang="en-US" smtClean="0"/>
+              <a:rPr lang="en-US"/>
               <a:t>Click to edit Master title style</a:t>
             </a:r>
-            <a:endParaRPr lang="en-US"/>
           </a:p>
         </p:txBody>
       </p:sp>
@@ -8209,7 +8167,7 @@
           <a:p>
             <a:pPr lvl="0"/>
             <a:r>
-              <a:rPr lang="en-US" smtClean="0"/>
+              <a:rPr lang="en-US"/>
               <a:t>Click to edit Master text styles</a:t>
             </a:r>
           </a:p>
@@ -8261,10 +8219,9 @@
           <a:lstStyle/>
           <a:p>
             <a:r>
-              <a:rPr lang="en-US" smtClean="0"/>
+              <a:rPr lang="en-US"/>
               <a:t>Click to edit Master title style</a:t>
             </a:r>
-            <a:endParaRPr lang="en-US"/>
           </a:p>
         </p:txBody>
       </p:sp>
@@ -8318,38 +8275,37 @@
           <a:p>
             <a:pPr lvl="0"/>
             <a:r>
-              <a:rPr lang="en-US" smtClean="0"/>
+              <a:rPr lang="en-US"/>
               <a:t>Click to edit Master text styles</a:t>
             </a:r>
           </a:p>
           <a:p>
             <a:pPr lvl="1"/>
             <a:r>
-              <a:rPr lang="en-US" smtClean="0"/>
+              <a:rPr lang="en-US"/>
               <a:t>Second level</a:t>
             </a:r>
           </a:p>
           <a:p>
             <a:pPr lvl="2"/>
             <a:r>
-              <a:rPr lang="en-US" smtClean="0"/>
+              <a:rPr lang="en-US"/>
               <a:t>Third level</a:t>
             </a:r>
           </a:p>
           <a:p>
             <a:pPr lvl="3"/>
             <a:r>
-              <a:rPr lang="en-US" smtClean="0"/>
+              <a:rPr lang="en-US"/>
               <a:t>Fourth level</a:t>
             </a:r>
           </a:p>
           <a:p>
             <a:pPr lvl="4"/>
             <a:r>
-              <a:rPr lang="en-US" smtClean="0"/>
+              <a:rPr lang="en-US"/>
               <a:t>Fifth level</a:t>
             </a:r>
-            <a:endParaRPr lang="en-US"/>
           </a:p>
         </p:txBody>
       </p:sp>
@@ -8403,38 +8359,37 @@
           <a:p>
             <a:pPr lvl="0"/>
             <a:r>
-              <a:rPr lang="en-US" smtClean="0"/>
+              <a:rPr lang="en-US"/>
               <a:t>Click to edit Master text styles</a:t>
             </a:r>
           </a:p>
           <a:p>
             <a:pPr lvl="1"/>
             <a:r>
-              <a:rPr lang="en-US" smtClean="0"/>
+              <a:rPr lang="en-US"/>
               <a:t>Second level</a:t>
             </a:r>
           </a:p>
           <a:p>
             <a:pPr lvl="2"/>
             <a:r>
-              <a:rPr lang="en-US" smtClean="0"/>
+              <a:rPr lang="en-US"/>
               <a:t>Third level</a:t>
             </a:r>
           </a:p>
           <a:p>
             <a:pPr lvl="3"/>
             <a:r>
-              <a:rPr lang="en-US" smtClean="0"/>
+              <a:rPr lang="en-US"/>
               <a:t>Fourth level</a:t>
             </a:r>
           </a:p>
           <a:p>
             <a:pPr lvl="4"/>
             <a:r>
-              <a:rPr lang="en-US" smtClean="0"/>
+              <a:rPr lang="en-US"/>
               <a:t>Fifth level</a:t>
             </a:r>
-            <a:endParaRPr lang="en-US"/>
           </a:p>
         </p:txBody>
       </p:sp>
@@ -8493,10 +8448,9 @@
           </a:lstStyle>
           <a:p>
             <a:r>
-              <a:rPr lang="en-US" smtClean="0"/>
+              <a:rPr lang="en-US"/>
               <a:t>Click to edit Master title style</a:t>
             </a:r>
-            <a:endParaRPr lang="en-US"/>
           </a:p>
         </p:txBody>
       </p:sp>
@@ -8559,7 +8513,7 @@
           <a:p>
             <a:pPr lvl="0"/>
             <a:r>
-              <a:rPr lang="en-US" smtClean="0"/>
+              <a:rPr lang="en-US"/>
               <a:t>Click to edit Master text styles</a:t>
             </a:r>
           </a:p>
@@ -8615,38 +8569,37 @@
           <a:p>
             <a:pPr lvl="0"/>
             <a:r>
-              <a:rPr lang="en-US" smtClean="0"/>
+              <a:rPr lang="en-US"/>
               <a:t>Click to edit Master text styles</a:t>
             </a:r>
           </a:p>
           <a:p>
             <a:pPr lvl="1"/>
             <a:r>
-              <a:rPr lang="en-US" smtClean="0"/>
+              <a:rPr lang="en-US"/>
               <a:t>Second level</a:t>
             </a:r>
           </a:p>
           <a:p>
             <a:pPr lvl="2"/>
             <a:r>
-              <a:rPr lang="en-US" smtClean="0"/>
+              <a:rPr lang="en-US"/>
               <a:t>Third level</a:t>
             </a:r>
           </a:p>
           <a:p>
             <a:pPr lvl="3"/>
             <a:r>
-              <a:rPr lang="en-US" smtClean="0"/>
+              <a:rPr lang="en-US"/>
               <a:t>Fourth level</a:t>
             </a:r>
           </a:p>
           <a:p>
             <a:pPr lvl="4"/>
             <a:r>
-              <a:rPr lang="en-US" smtClean="0"/>
+              <a:rPr lang="en-US"/>
               <a:t>Fifth level</a:t>
             </a:r>
-            <a:endParaRPr lang="en-US"/>
           </a:p>
         </p:txBody>
       </p:sp>
@@ -8709,7 +8662,7 @@
           <a:p>
             <a:pPr lvl="0"/>
             <a:r>
-              <a:rPr lang="en-US" smtClean="0"/>
+              <a:rPr lang="en-US"/>
               <a:t>Click to edit Master text styles</a:t>
             </a:r>
           </a:p>
@@ -8765,38 +8718,37 @@
           <a:p>
             <a:pPr lvl="0"/>
             <a:r>
-              <a:rPr lang="en-US" smtClean="0"/>
+              <a:rPr lang="en-US"/>
               <a:t>Click to edit Master text styles</a:t>
             </a:r>
           </a:p>
           <a:p>
             <a:pPr lvl="1"/>
             <a:r>
-              <a:rPr lang="en-US" smtClean="0"/>
+              <a:rPr lang="en-US"/>
               <a:t>Second level</a:t>
             </a:r>
           </a:p>
           <a:p>
             <a:pPr lvl="2"/>
             <a:r>
-              <a:rPr lang="en-US" smtClean="0"/>
+              <a:rPr lang="en-US"/>
               <a:t>Third level</a:t>
             </a:r>
           </a:p>
           <a:p>
             <a:pPr lvl="3"/>
             <a:r>
-              <a:rPr lang="en-US" smtClean="0"/>
+              <a:rPr lang="en-US"/>
               <a:t>Fourth level</a:t>
             </a:r>
           </a:p>
           <a:p>
             <a:pPr lvl="4"/>
             <a:r>
-              <a:rPr lang="en-US" smtClean="0"/>
+              <a:rPr lang="en-US"/>
               <a:t>Fifth level</a:t>
             </a:r>
-            <a:endParaRPr lang="en-US"/>
           </a:p>
         </p:txBody>
       </p:sp>
@@ -8846,10 +8798,9 @@
           <a:lstStyle/>
           <a:p>
             <a:r>
-              <a:rPr lang="en-US" smtClean="0"/>
+              <a:rPr lang="en-US"/>
               <a:t>Click to edit Master title style</a:t>
             </a:r>
-            <a:endParaRPr lang="en-US"/>
           </a:p>
         </p:txBody>
       </p:sp>
@@ -8934,10 +8885,9 @@
           <a:lstStyle/>
           <a:p>
             <a:r>
-              <a:rPr lang="en-US" smtClean="0"/>
+              <a:rPr lang="en-US"/>
               <a:t>Click to edit Master title style</a:t>
             </a:r>
-            <a:endParaRPr lang="en-US"/>
           </a:p>
         </p:txBody>
       </p:sp>
@@ -8963,38 +8913,37 @@
           <a:p>
             <a:pPr lvl="0"/>
             <a:r>
-              <a:rPr lang="en-US" smtClean="0"/>
+              <a:rPr lang="en-US"/>
               <a:t>Click to edit Master text styles</a:t>
             </a:r>
           </a:p>
           <a:p>
             <a:pPr lvl="1"/>
             <a:r>
-              <a:rPr lang="en-US" smtClean="0"/>
+              <a:rPr lang="en-US"/>
               <a:t>Second level</a:t>
             </a:r>
           </a:p>
           <a:p>
             <a:pPr lvl="2"/>
             <a:r>
-              <a:rPr lang="en-US" smtClean="0"/>
+              <a:rPr lang="en-US"/>
               <a:t>Third level</a:t>
             </a:r>
           </a:p>
           <a:p>
             <a:pPr lvl="3"/>
             <a:r>
-              <a:rPr lang="en-US" smtClean="0"/>
+              <a:rPr lang="en-US"/>
               <a:t>Fourth level</a:t>
             </a:r>
           </a:p>
           <a:p>
             <a:pPr lvl="4"/>
             <a:r>
-              <a:rPr lang="en-US" smtClean="0"/>
+              <a:rPr lang="en-US"/>
               <a:t>Fifth level</a:t>
             </a:r>
-            <a:endParaRPr lang="en-US"/>
           </a:p>
         </p:txBody>
       </p:sp>
@@ -9053,10 +9002,9 @@
           </a:lstStyle>
           <a:p>
             <a:r>
-              <a:rPr lang="en-US" smtClean="0"/>
+              <a:rPr lang="en-US"/>
               <a:t>Click to edit Master title style</a:t>
             </a:r>
-            <a:endParaRPr lang="en-US"/>
           </a:p>
         </p:txBody>
       </p:sp>
@@ -9110,38 +9058,37 @@
           <a:p>
             <a:pPr lvl="0"/>
             <a:r>
-              <a:rPr lang="en-US" smtClean="0"/>
+              <a:rPr lang="en-US"/>
               <a:t>Click to edit Master text styles</a:t>
             </a:r>
           </a:p>
           <a:p>
             <a:pPr lvl="1"/>
             <a:r>
-              <a:rPr lang="en-US" smtClean="0"/>
+              <a:rPr lang="en-US"/>
               <a:t>Second level</a:t>
             </a:r>
           </a:p>
           <a:p>
             <a:pPr lvl="2"/>
             <a:r>
-              <a:rPr lang="en-US" smtClean="0"/>
+              <a:rPr lang="en-US"/>
               <a:t>Third level</a:t>
             </a:r>
           </a:p>
           <a:p>
             <a:pPr lvl="3"/>
             <a:r>
-              <a:rPr lang="en-US" smtClean="0"/>
+              <a:rPr lang="en-US"/>
               <a:t>Fourth level</a:t>
             </a:r>
           </a:p>
           <a:p>
             <a:pPr lvl="4"/>
             <a:r>
-              <a:rPr lang="en-US" smtClean="0"/>
+              <a:rPr lang="en-US"/>
               <a:t>Fifth level</a:t>
             </a:r>
-            <a:endParaRPr lang="en-US"/>
           </a:p>
         </p:txBody>
       </p:sp>
@@ -9204,7 +9151,7 @@
           <a:p>
             <a:pPr lvl="0"/>
             <a:r>
-              <a:rPr lang="en-US" smtClean="0"/>
+              <a:rPr lang="en-US"/>
               <a:t>Click to edit Master text styles</a:t>
             </a:r>
           </a:p>
@@ -9265,10 +9212,9 @@
           </a:lstStyle>
           <a:p>
             <a:r>
-              <a:rPr lang="en-US" smtClean="0"/>
+              <a:rPr lang="en-US"/>
               <a:t>Click to edit Master title style</a:t>
             </a:r>
-            <a:endParaRPr lang="en-US"/>
           </a:p>
         </p:txBody>
       </p:sp>
@@ -9331,7 +9277,7 @@
           <a:p>
             <a:pPr lvl="0"/>
             <a:r>
-              <a:rPr lang="en-US" noProof="0" smtClean="0"/>
+              <a:rPr lang="en-US" noProof="0"/>
               <a:t>Click icon to add picture</a:t>
             </a:r>
           </a:p>
@@ -9396,7 +9342,7 @@
           <a:p>
             <a:pPr lvl="0"/>
             <a:r>
-              <a:rPr lang="en-US" smtClean="0"/>
+              <a:rPr lang="en-US"/>
               <a:t>Click to edit Master text styles</a:t>
             </a:r>
           </a:p>
@@ -9448,10 +9394,9 @@
           <a:lstStyle/>
           <a:p>
             <a:r>
-              <a:rPr lang="en-US" smtClean="0"/>
+              <a:rPr lang="en-US"/>
               <a:t>Click to edit Master title style</a:t>
             </a:r>
-            <a:endParaRPr lang="en-US"/>
           </a:p>
         </p:txBody>
       </p:sp>
@@ -9472,38 +9417,37 @@
           <a:p>
             <a:pPr lvl="0"/>
             <a:r>
-              <a:rPr lang="en-US" smtClean="0"/>
+              <a:rPr lang="en-US"/>
               <a:t>Click to edit Master text styles</a:t>
             </a:r>
           </a:p>
           <a:p>
             <a:pPr lvl="1"/>
             <a:r>
-              <a:rPr lang="en-US" smtClean="0"/>
+              <a:rPr lang="en-US"/>
               <a:t>Second level</a:t>
             </a:r>
           </a:p>
           <a:p>
             <a:pPr lvl="2"/>
             <a:r>
-              <a:rPr lang="en-US" smtClean="0"/>
+              <a:rPr lang="en-US"/>
               <a:t>Third level</a:t>
             </a:r>
           </a:p>
           <a:p>
             <a:pPr lvl="3"/>
             <a:r>
-              <a:rPr lang="en-US" smtClean="0"/>
+              <a:rPr lang="en-US"/>
               <a:t>Fourth level</a:t>
             </a:r>
           </a:p>
           <a:p>
             <a:pPr lvl="4"/>
             <a:r>
-              <a:rPr lang="en-US" smtClean="0"/>
+              <a:rPr lang="en-US"/>
               <a:t>Fifth level</a:t>
             </a:r>
-            <a:endParaRPr lang="en-US"/>
           </a:p>
         </p:txBody>
       </p:sp>
@@ -9558,10 +9502,9 @@
           <a:lstStyle/>
           <a:p>
             <a:r>
-              <a:rPr lang="en-US" smtClean="0"/>
+              <a:rPr lang="en-US"/>
               <a:t>Click to edit Master title style</a:t>
             </a:r>
-            <a:endParaRPr lang="en-US"/>
           </a:p>
         </p:txBody>
       </p:sp>
@@ -9587,38 +9530,37 @@
           <a:p>
             <a:pPr lvl="0"/>
             <a:r>
-              <a:rPr lang="en-US" smtClean="0"/>
+              <a:rPr lang="en-US"/>
               <a:t>Click to edit Master text styles</a:t>
             </a:r>
           </a:p>
           <a:p>
             <a:pPr lvl="1"/>
             <a:r>
-              <a:rPr lang="en-US" smtClean="0"/>
+              <a:rPr lang="en-US"/>
               <a:t>Second level</a:t>
             </a:r>
           </a:p>
           <a:p>
             <a:pPr lvl="2"/>
             <a:r>
-              <a:rPr lang="en-US" smtClean="0"/>
+              <a:rPr lang="en-US"/>
               <a:t>Third level</a:t>
             </a:r>
           </a:p>
           <a:p>
             <a:pPr lvl="3"/>
             <a:r>
-              <a:rPr lang="en-US" smtClean="0"/>
+              <a:rPr lang="en-US"/>
               <a:t>Fourth level</a:t>
             </a:r>
           </a:p>
           <a:p>
             <a:pPr lvl="4"/>
             <a:r>
-              <a:rPr lang="en-US" smtClean="0"/>
+              <a:rPr lang="en-US"/>
               <a:t>Fifth level</a:t>
             </a:r>
-            <a:endParaRPr lang="en-US"/>
           </a:p>
         </p:txBody>
       </p:sp>
@@ -9673,10 +9615,9 @@
           <a:lstStyle/>
           <a:p>
             <a:r>
-              <a:rPr lang="en-US" smtClean="0"/>
+              <a:rPr lang="en-US"/>
               <a:t>Click to edit Master title style</a:t>
             </a:r>
-            <a:endParaRPr lang="en-US"/>
           </a:p>
         </p:txBody>
       </p:sp>
@@ -9702,38 +9643,37 @@
           <a:p>
             <a:pPr lvl="0"/>
             <a:r>
-              <a:rPr lang="en-US" smtClean="0"/>
+              <a:rPr lang="en-US"/>
               <a:t>Click to edit Master text styles</a:t>
             </a:r>
           </a:p>
           <a:p>
             <a:pPr lvl="1"/>
             <a:r>
-              <a:rPr lang="en-US" smtClean="0"/>
+              <a:rPr lang="en-US"/>
               <a:t>Second level</a:t>
             </a:r>
           </a:p>
           <a:p>
             <a:pPr lvl="2"/>
             <a:r>
-              <a:rPr lang="en-US" smtClean="0"/>
+              <a:rPr lang="en-US"/>
               <a:t>Third level</a:t>
             </a:r>
           </a:p>
           <a:p>
             <a:pPr lvl="3"/>
             <a:r>
-              <a:rPr lang="en-US" smtClean="0"/>
+              <a:rPr lang="en-US"/>
               <a:t>Fourth level</a:t>
             </a:r>
           </a:p>
           <a:p>
             <a:pPr lvl="4"/>
             <a:r>
-              <a:rPr lang="en-US" smtClean="0"/>
+              <a:rPr lang="en-US"/>
               <a:t>Fifth level</a:t>
             </a:r>
-            <a:endParaRPr lang="en-US"/>
           </a:p>
         </p:txBody>
       </p:sp>
@@ -9759,38 +9699,37 @@
           <a:p>
             <a:pPr lvl="0"/>
             <a:r>
-              <a:rPr lang="en-US" smtClean="0"/>
+              <a:rPr lang="en-US"/>
               <a:t>Click to edit Master text styles</a:t>
             </a:r>
           </a:p>
           <a:p>
             <a:pPr lvl="1"/>
             <a:r>
-              <a:rPr lang="en-US" smtClean="0"/>
+              <a:rPr lang="en-US"/>
               <a:t>Second level</a:t>
             </a:r>
           </a:p>
           <a:p>
             <a:pPr lvl="2"/>
             <a:r>
-              <a:rPr lang="en-US" smtClean="0"/>
+              <a:rPr lang="en-US"/>
               <a:t>Third level</a:t>
             </a:r>
           </a:p>
           <a:p>
             <a:pPr lvl="3"/>
             <a:r>
-              <a:rPr lang="en-US" smtClean="0"/>
+              <a:rPr lang="en-US"/>
               <a:t>Fourth level</a:t>
             </a:r>
           </a:p>
           <a:p>
             <a:pPr lvl="4"/>
             <a:r>
-              <a:rPr lang="en-US" smtClean="0"/>
+              <a:rPr lang="en-US"/>
               <a:t>Fifth level</a:t>
             </a:r>
-            <a:endParaRPr lang="en-US"/>
           </a:p>
         </p:txBody>
       </p:sp>
@@ -9930,10 +9869,9 @@
           </a:lstStyle>
           <a:p>
             <a:r>
-              <a:rPr lang="en-US" smtClean="0"/>
+              <a:rPr lang="en-US"/>
               <a:t>Click to edit Master title style</a:t>
             </a:r>
-            <a:endParaRPr lang="en-US"/>
           </a:p>
         </p:txBody>
       </p:sp>
@@ -9996,7 +9934,7 @@
           <a:p>
             <a:pPr lvl="0"/>
             <a:r>
-              <a:rPr lang="en-US" smtClean="0"/>
+              <a:rPr lang="en-US"/>
               <a:t>Click to edit Master text styles</a:t>
             </a:r>
           </a:p>
@@ -10048,10 +9986,9 @@
           <a:lstStyle/>
           <a:p>
             <a:r>
-              <a:rPr lang="en-US" smtClean="0"/>
+              <a:rPr lang="en-US"/>
               <a:t>Click to edit Master title style</a:t>
             </a:r>
-            <a:endParaRPr lang="en-US"/>
           </a:p>
         </p:txBody>
       </p:sp>
@@ -10105,38 +10042,37 @@
           <a:p>
             <a:pPr lvl="0"/>
             <a:r>
-              <a:rPr lang="en-US" smtClean="0"/>
+              <a:rPr lang="en-US"/>
               <a:t>Click to edit Master text styles</a:t>
             </a:r>
           </a:p>
           <a:p>
             <a:pPr lvl="1"/>
             <a:r>
-              <a:rPr lang="en-US" smtClean="0"/>
+              <a:rPr lang="en-US"/>
               <a:t>Second level</a:t>
             </a:r>
           </a:p>
           <a:p>
             <a:pPr lvl="2"/>
             <a:r>
-              <a:rPr lang="en-US" smtClean="0"/>
+              <a:rPr lang="en-US"/>
               <a:t>Third level</a:t>
             </a:r>
           </a:p>
           <a:p>
             <a:pPr lvl="3"/>
             <a:r>
-              <a:rPr lang="en-US" smtClean="0"/>
+              <a:rPr lang="en-US"/>
               <a:t>Fourth level</a:t>
             </a:r>
           </a:p>
           <a:p>
             <a:pPr lvl="4"/>
             <a:r>
-              <a:rPr lang="en-US" smtClean="0"/>
+              <a:rPr lang="en-US"/>
               <a:t>Fifth level</a:t>
             </a:r>
-            <a:endParaRPr lang="en-US"/>
           </a:p>
         </p:txBody>
       </p:sp>
@@ -10190,38 +10126,37 @@
           <a:p>
             <a:pPr lvl="0"/>
             <a:r>
-              <a:rPr lang="en-US" smtClean="0"/>
+              <a:rPr lang="en-US"/>
               <a:t>Click to edit Master text styles</a:t>
             </a:r>
           </a:p>
           <a:p>
             <a:pPr lvl="1"/>
             <a:r>
-              <a:rPr lang="en-US" smtClean="0"/>
+              <a:rPr lang="en-US"/>
               <a:t>Second level</a:t>
             </a:r>
           </a:p>
           <a:p>
             <a:pPr lvl="2"/>
             <a:r>
-              <a:rPr lang="en-US" smtClean="0"/>
+              <a:rPr lang="en-US"/>
               <a:t>Third level</a:t>
             </a:r>
           </a:p>
           <a:p>
             <a:pPr lvl="3"/>
             <a:r>
-              <a:rPr lang="en-US" smtClean="0"/>
+              <a:rPr lang="en-US"/>
               <a:t>Fourth level</a:t>
             </a:r>
           </a:p>
           <a:p>
             <a:pPr lvl="4"/>
             <a:r>
-              <a:rPr lang="en-US" smtClean="0"/>
+              <a:rPr lang="en-US"/>
               <a:t>Fifth level</a:t>
             </a:r>
-            <a:endParaRPr lang="en-US"/>
           </a:p>
         </p:txBody>
       </p:sp>
@@ -10280,10 +10215,9 @@
           </a:lstStyle>
           <a:p>
             <a:r>
-              <a:rPr lang="en-US" smtClean="0"/>
+              <a:rPr lang="en-US"/>
               <a:t>Click to edit Master title style</a:t>
             </a:r>
-            <a:endParaRPr lang="en-US"/>
           </a:p>
         </p:txBody>
       </p:sp>
@@ -10346,7 +10280,7 @@
           <a:p>
             <a:pPr lvl="0"/>
             <a:r>
-              <a:rPr lang="en-US" smtClean="0"/>
+              <a:rPr lang="en-US"/>
               <a:t>Click to edit Master text styles</a:t>
             </a:r>
           </a:p>
@@ -10402,38 +10336,37 @@
           <a:p>
             <a:pPr lvl="0"/>
             <a:r>
-              <a:rPr lang="en-US" smtClean="0"/>
+              <a:rPr lang="en-US"/>
               <a:t>Click to edit Master text styles</a:t>
             </a:r>
           </a:p>
           <a:p>
             <a:pPr lvl="1"/>
             <a:r>
-              <a:rPr lang="en-US" smtClean="0"/>
+              <a:rPr lang="en-US"/>
               <a:t>Second level</a:t>
             </a:r>
           </a:p>
           <a:p>
             <a:pPr lvl="2"/>
             <a:r>
-              <a:rPr lang="en-US" smtClean="0"/>
+              <a:rPr lang="en-US"/>
               <a:t>Third level</a:t>
             </a:r>
           </a:p>
           <a:p>
             <a:pPr lvl="3"/>
             <a:r>
-              <a:rPr lang="en-US" smtClean="0"/>
+              <a:rPr lang="en-US"/>
               <a:t>Fourth level</a:t>
             </a:r>
           </a:p>
           <a:p>
             <a:pPr lvl="4"/>
             <a:r>
-              <a:rPr lang="en-US" smtClean="0"/>
+              <a:rPr lang="en-US"/>
               <a:t>Fifth level</a:t>
             </a:r>
-            <a:endParaRPr lang="en-US"/>
           </a:p>
         </p:txBody>
       </p:sp>
@@ -10496,7 +10429,7 @@
           <a:p>
             <a:pPr lvl="0"/>
             <a:r>
-              <a:rPr lang="en-US" smtClean="0"/>
+              <a:rPr lang="en-US"/>
               <a:t>Click to edit Master text styles</a:t>
             </a:r>
           </a:p>
@@ -10552,38 +10485,37 @@
           <a:p>
             <a:pPr lvl="0"/>
             <a:r>
-              <a:rPr lang="en-US" smtClean="0"/>
+              <a:rPr lang="en-US"/>
               <a:t>Click to edit Master text styles</a:t>
             </a:r>
           </a:p>
           <a:p>
             <a:pPr lvl="1"/>
             <a:r>
-              <a:rPr lang="en-US" smtClean="0"/>
+              <a:rPr lang="en-US"/>
               <a:t>Second level</a:t>
             </a:r>
           </a:p>
           <a:p>
             <a:pPr lvl="2"/>
             <a:r>
-              <a:rPr lang="en-US" smtClean="0"/>
+              <a:rPr lang="en-US"/>
               <a:t>Third level</a:t>
             </a:r>
           </a:p>
           <a:p>
             <a:pPr lvl="3"/>
             <a:r>
-              <a:rPr lang="en-US" smtClean="0"/>
+              <a:rPr lang="en-US"/>
               <a:t>Fourth level</a:t>
             </a:r>
           </a:p>
           <a:p>
             <a:pPr lvl="4"/>
             <a:r>
-              <a:rPr lang="en-US" smtClean="0"/>
+              <a:rPr lang="en-US"/>
               <a:t>Fifth level</a:t>
             </a:r>
-            <a:endParaRPr lang="en-US"/>
           </a:p>
         </p:txBody>
       </p:sp>
@@ -10633,10 +10565,9 @@
           <a:lstStyle/>
           <a:p>
             <a:r>
-              <a:rPr lang="en-US" smtClean="0"/>
+              <a:rPr lang="en-US"/>
               <a:t>Click to edit Master title style</a:t>
             </a:r>
-            <a:endParaRPr lang="en-US"/>
           </a:p>
         </p:txBody>
       </p:sp>
@@ -10725,10 +10656,9 @@
           </a:lstStyle>
           <a:p>
             <a:r>
-              <a:rPr lang="en-US" smtClean="0"/>
+              <a:rPr lang="en-US"/>
               <a:t>Click to edit Master title style</a:t>
             </a:r>
-            <a:endParaRPr lang="en-US"/>
           </a:p>
         </p:txBody>
       </p:sp>
@@ -10782,38 +10712,37 @@
           <a:p>
             <a:pPr lvl="0"/>
             <a:r>
-              <a:rPr lang="en-US" smtClean="0"/>
+              <a:rPr lang="en-US"/>
               <a:t>Click to edit Master text styles</a:t>
             </a:r>
           </a:p>
           <a:p>
             <a:pPr lvl="1"/>
             <a:r>
-              <a:rPr lang="en-US" smtClean="0"/>
+              <a:rPr lang="en-US"/>
               <a:t>Second level</a:t>
             </a:r>
           </a:p>
           <a:p>
             <a:pPr lvl="2"/>
             <a:r>
-              <a:rPr lang="en-US" smtClean="0"/>
+              <a:rPr lang="en-US"/>
               <a:t>Third level</a:t>
             </a:r>
           </a:p>
           <a:p>
             <a:pPr lvl="3"/>
             <a:r>
-              <a:rPr lang="en-US" smtClean="0"/>
+              <a:rPr lang="en-US"/>
               <a:t>Fourth level</a:t>
             </a:r>
           </a:p>
           <a:p>
             <a:pPr lvl="4"/>
             <a:r>
-              <a:rPr lang="en-US" smtClean="0"/>
+              <a:rPr lang="en-US"/>
               <a:t>Fifth level</a:t>
             </a:r>
-            <a:endParaRPr lang="en-US"/>
           </a:p>
         </p:txBody>
       </p:sp>
@@ -10876,7 +10805,7 @@
           <a:p>
             <a:pPr lvl="0"/>
             <a:r>
-              <a:rPr lang="en-US" smtClean="0"/>
+              <a:rPr lang="en-US"/>
               <a:t>Click to edit Master text styles</a:t>
             </a:r>
           </a:p>
@@ -10937,10 +10866,9 @@
           </a:lstStyle>
           <a:p>
             <a:r>
-              <a:rPr lang="en-US" smtClean="0"/>
+              <a:rPr lang="en-US"/>
               <a:t>Click to edit Master title style</a:t>
             </a:r>
-            <a:endParaRPr lang="en-US"/>
           </a:p>
         </p:txBody>
       </p:sp>
@@ -11002,7 +10930,7 @@
           </a:lstStyle>
           <a:p>
             <a:pPr lvl="0"/>
-            <a:endParaRPr lang="en-US" noProof="0" dirty="0" smtClean="0"/>
+            <a:endParaRPr lang="en-US" noProof="0" dirty="0"/>
           </a:p>
         </p:txBody>
       </p:sp>
@@ -11065,7 +10993,7 @@
           <a:p>
             <a:pPr lvl="0"/>
             <a:r>
-              <a:rPr lang="en-US" smtClean="0"/>
+              <a:rPr lang="en-US"/>
               <a:t>Click to edit Master text styles</a:t>
             </a:r>
           </a:p>
@@ -11133,14 +11061,14 @@
           </a:ln>
           <a:extLst>
             <a:ext uri="{909E8E84-426E-40dd-AFC4-6F175D3DCCD1}">
-              <a14:hiddenFill xmlns:a14="http://schemas.microsoft.com/office/drawing/2010/main">
+              <a14:hiddenFill xmlns:a14="http://schemas.microsoft.com/office/drawing/2010/main" xmlns="">
                 <a:solidFill>
                   <a:srgbClr val="FFFFFF"/>
                 </a:solidFill>
               </a14:hiddenFill>
             </a:ext>
             <a:ext uri="{91240B29-F687-4f45-9708-019B960494DF}">
-              <a14:hiddenLine xmlns:a14="http://schemas.microsoft.com/office/drawing/2010/main" w="9525">
+              <a14:hiddenLine xmlns:a14="http://schemas.microsoft.com/office/drawing/2010/main" xmlns="" w="9525">
                 <a:solidFill>
                   <a:srgbClr val="000000"/>
                 </a:solidFill>
@@ -11150,7 +11078,7 @@
               </a14:hiddenLine>
             </a:ext>
             <a:ext uri="{FAA26D3D-D897-4be2-8F04-BA451C77F1D7}">
-              <ma14:placeholderFlag xmlns:ma14="http://schemas.microsoft.com/office/mac/drawingml/2011/main" val="1"/>
+              <ma14:placeholderFlag xmlns:ma14="http://schemas.microsoft.com/office/mac/drawingml/2011/main" xmlns="" val="1"/>
             </a:ext>
           </a:extLst>
         </p:spPr>
@@ -11192,14 +11120,14 @@
           </a:ln>
           <a:extLst>
             <a:ext uri="{909E8E84-426E-40dd-AFC4-6F175D3DCCD1}">
-              <a14:hiddenFill xmlns:a14="http://schemas.microsoft.com/office/drawing/2010/main">
+              <a14:hiddenFill xmlns:a14="http://schemas.microsoft.com/office/drawing/2010/main" xmlns="">
                 <a:solidFill>
                   <a:srgbClr val="FFFFFF"/>
                 </a:solidFill>
               </a14:hiddenFill>
             </a:ext>
             <a:ext uri="{91240B29-F687-4f45-9708-019B960494DF}">
-              <a14:hiddenLine xmlns:a14="http://schemas.microsoft.com/office/drawing/2010/main" w="9525">
+              <a14:hiddenLine xmlns:a14="http://schemas.microsoft.com/office/drawing/2010/main" xmlns="" w="9525">
                 <a:solidFill>
                   <a:srgbClr val="000000"/>
                 </a:solidFill>
@@ -11269,14 +11197,14 @@
           </a:ln>
           <a:extLst>
             <a:ext uri="{909E8E84-426E-40dd-AFC4-6F175D3DCCD1}">
-              <a14:hiddenFill xmlns:a14="http://schemas.microsoft.com/office/drawing/2010/main">
+              <a14:hiddenFill xmlns:a14="http://schemas.microsoft.com/office/drawing/2010/main" xmlns="">
                 <a:solidFill>
                   <a:srgbClr val="FFFFFF"/>
                 </a:solidFill>
               </a14:hiddenFill>
             </a:ext>
             <a:ext uri="{91240B29-F687-4f45-9708-019B960494DF}">
-              <a14:hiddenLine xmlns:a14="http://schemas.microsoft.com/office/drawing/2010/main" w="9525">
+              <a14:hiddenLine xmlns:a14="http://schemas.microsoft.com/office/drawing/2010/main" xmlns="" w="9525">
                 <a:solidFill>
                   <a:srgbClr val="000000"/>
                 </a:solidFill>
@@ -11343,14 +11271,14 @@
           </a:ln>
           <a:extLst>
             <a:ext uri="{909E8E84-426E-40dd-AFC4-6F175D3DCCD1}">
-              <a14:hiddenFill xmlns:a14="http://schemas.microsoft.com/office/drawing/2010/main">
+              <a14:hiddenFill xmlns:a14="http://schemas.microsoft.com/office/drawing/2010/main" xmlns="">
                 <a:solidFill>
                   <a:srgbClr val="FFFFFF"/>
                 </a:solidFill>
               </a14:hiddenFill>
             </a:ext>
             <a:ext uri="{91240B29-F687-4f45-9708-019B960494DF}">
-              <a14:hiddenLine xmlns:a14="http://schemas.microsoft.com/office/drawing/2010/main" w="9525">
+              <a14:hiddenLine xmlns:a14="http://schemas.microsoft.com/office/drawing/2010/main" xmlns="" w="9525">
                 <a:solidFill>
                   <a:srgbClr val="000000"/>
                 </a:solidFill>
@@ -11360,7 +11288,7 @@
               </a14:hiddenLine>
             </a:ext>
             <a:ext uri="{FAA26D3D-D897-4be2-8F04-BA451C77F1D7}">
-              <ma14:placeholderFlag xmlns:ma14="http://schemas.microsoft.com/office/mac/drawingml/2011/main" val="1"/>
+              <ma14:placeholderFlag xmlns:ma14="http://schemas.microsoft.com/office/mac/drawingml/2011/main" xmlns="" val="1"/>
             </a:ext>
           </a:extLst>
         </p:spPr>
@@ -11443,14 +11371,14 @@
           </a:ln>
           <a:extLst>
             <a:ext uri="{909E8E84-426E-40dd-AFC4-6F175D3DCCD1}">
-              <a14:hiddenFill xmlns:a14="http://schemas.microsoft.com/office/drawing/2010/main">
+              <a14:hiddenFill xmlns:a14="http://schemas.microsoft.com/office/drawing/2010/main" xmlns="">
                 <a:solidFill>
                   <a:srgbClr val="FFFFFF"/>
                 </a:solidFill>
               </a14:hiddenFill>
             </a:ext>
             <a:ext uri="{91240B29-F687-4f45-9708-019B960494DF}">
-              <a14:hiddenLine xmlns:a14="http://schemas.microsoft.com/office/drawing/2010/main" w="9525">
+              <a14:hiddenLine xmlns:a14="http://schemas.microsoft.com/office/drawing/2010/main" xmlns="" w="9525">
                 <a:solidFill>
                   <a:srgbClr val="000000"/>
                 </a:solidFill>
@@ -11484,14 +11412,14 @@
           </a:ln>
           <a:extLst>
             <a:ext uri="{909E8E84-426E-40dd-AFC4-6F175D3DCCD1}">
-              <a14:hiddenFill xmlns:a14="http://schemas.microsoft.com/office/drawing/2010/main">
+              <a14:hiddenFill xmlns:a14="http://schemas.microsoft.com/office/drawing/2010/main" xmlns="">
                 <a:solidFill>
                   <a:srgbClr val="FFFFFF"/>
                 </a:solidFill>
               </a14:hiddenFill>
             </a:ext>
             <a:ext uri="{91240B29-F687-4f45-9708-019B960494DF}">
-              <a14:hiddenLine xmlns:a14="http://schemas.microsoft.com/office/drawing/2010/main" w="9525">
+              <a14:hiddenLine xmlns:a14="http://schemas.microsoft.com/office/drawing/2010/main" xmlns="" w="9525">
                 <a:solidFill>
                   <a:srgbClr val="000000"/>
                 </a:solidFill>
@@ -11546,14 +11474,14 @@
           </a:ln>
           <a:extLst>
             <a:ext uri="{909E8E84-426E-40dd-AFC4-6F175D3DCCD1}">
-              <a14:hiddenFill xmlns:a14="http://schemas.microsoft.com/office/drawing/2010/main">
+              <a14:hiddenFill xmlns:a14="http://schemas.microsoft.com/office/drawing/2010/main" xmlns="">
                 <a:solidFill>
                   <a:srgbClr val="FFFFFF"/>
                 </a:solidFill>
               </a14:hiddenFill>
             </a:ext>
             <a:ext uri="{91240B29-F687-4f45-9708-019B960494DF}">
-              <a14:hiddenLine xmlns:a14="http://schemas.microsoft.com/office/drawing/2010/main" w="9525">
+              <a14:hiddenLine xmlns:a14="http://schemas.microsoft.com/office/drawing/2010/main" xmlns="" w="9525">
                 <a:solidFill>
                   <a:srgbClr val="000000"/>
                 </a:solidFill>
@@ -11603,13 +11531,6 @@
     <p:sldLayoutId id="2147484043" r:id="rId11"/>
     <p:sldLayoutId id="2147484044" r:id="rId12"/>
   </p:sldLayoutIdLst>
-  <p:timing>
-    <p:tnLst>
-      <p:par>
-        <p:cTn xmlns:p14="http://schemas.microsoft.com/office/powerpoint/2010/main" id="1" dur="indefinite" restart="never" nodeType="tmRoot"/>
-      </p:par>
-    </p:tnLst>
-  </p:timing>
   <p:txStyles>
     <p:titleStyle>
       <a:lvl1pPr algn="l" defTabSz="814388" rtl="0" eaLnBrk="0" fontAlgn="base" hangingPunct="0">
@@ -12114,14 +12035,14 @@
           </a:ln>
           <a:extLst>
             <a:ext uri="{909E8E84-426E-40dd-AFC4-6F175D3DCCD1}">
-              <a14:hiddenFill xmlns:a14="http://schemas.microsoft.com/office/drawing/2010/main">
+              <a14:hiddenFill xmlns:a14="http://schemas.microsoft.com/office/drawing/2010/main" xmlns="">
                 <a:solidFill>
                   <a:srgbClr val="FFFFFF"/>
                 </a:solidFill>
               </a14:hiddenFill>
             </a:ext>
             <a:ext uri="{91240B29-F687-4f45-9708-019B960494DF}">
-              <a14:hiddenLine xmlns:a14="http://schemas.microsoft.com/office/drawing/2010/main" w="9525">
+              <a14:hiddenLine xmlns:a14="http://schemas.microsoft.com/office/drawing/2010/main" xmlns="" w="9525">
                 <a:solidFill>
                   <a:srgbClr val="000000"/>
                 </a:solidFill>
@@ -12131,7 +12052,7 @@
               </a14:hiddenLine>
             </a:ext>
             <a:ext uri="{FAA26D3D-D897-4be2-8F04-BA451C77F1D7}">
-              <ma14:placeholderFlag xmlns:ma14="http://schemas.microsoft.com/office/mac/drawingml/2011/main" val="1"/>
+              <ma14:placeholderFlag xmlns:ma14="http://schemas.microsoft.com/office/mac/drawingml/2011/main" xmlns="" val="1"/>
             </a:ext>
           </a:extLst>
         </p:spPr>
@@ -12173,14 +12094,14 @@
           </a:ln>
           <a:extLst>
             <a:ext uri="{909E8E84-426E-40dd-AFC4-6F175D3DCCD1}">
-              <a14:hiddenFill xmlns:a14="http://schemas.microsoft.com/office/drawing/2010/main">
+              <a14:hiddenFill xmlns:a14="http://schemas.microsoft.com/office/drawing/2010/main" xmlns="">
                 <a:solidFill>
                   <a:srgbClr val="FFFFFF"/>
                 </a:solidFill>
               </a14:hiddenFill>
             </a:ext>
             <a:ext uri="{91240B29-F687-4f45-9708-019B960494DF}">
-              <a14:hiddenLine xmlns:a14="http://schemas.microsoft.com/office/drawing/2010/main" w="9525">
+              <a14:hiddenLine xmlns:a14="http://schemas.microsoft.com/office/drawing/2010/main" xmlns="" w="9525">
                 <a:solidFill>
                   <a:srgbClr val="000000"/>
                 </a:solidFill>
@@ -12235,14 +12156,14 @@
           </a:ln>
           <a:extLst>
             <a:ext uri="{909E8E84-426E-40dd-AFC4-6F175D3DCCD1}">
-              <a14:hiddenFill xmlns:a14="http://schemas.microsoft.com/office/drawing/2010/main">
+              <a14:hiddenFill xmlns:a14="http://schemas.microsoft.com/office/drawing/2010/main" xmlns="">
                 <a:solidFill>
                   <a:srgbClr val="FFFFFF"/>
                 </a:solidFill>
               </a14:hiddenFill>
             </a:ext>
             <a:ext uri="{91240B29-F687-4f45-9708-019B960494DF}">
-              <a14:hiddenLine xmlns:a14="http://schemas.microsoft.com/office/drawing/2010/main" w="9525">
+              <a14:hiddenLine xmlns:a14="http://schemas.microsoft.com/office/drawing/2010/main" xmlns="" w="9525">
                 <a:solidFill>
                   <a:srgbClr val="000000"/>
                 </a:solidFill>
@@ -12309,14 +12230,14 @@
           </a:ln>
           <a:extLst>
             <a:ext uri="{909E8E84-426E-40dd-AFC4-6F175D3DCCD1}">
-              <a14:hiddenFill xmlns:a14="http://schemas.microsoft.com/office/drawing/2010/main">
+              <a14:hiddenFill xmlns:a14="http://schemas.microsoft.com/office/drawing/2010/main" xmlns="">
                 <a:solidFill>
                   <a:srgbClr val="FFFFFF"/>
                 </a:solidFill>
               </a14:hiddenFill>
             </a:ext>
             <a:ext uri="{91240B29-F687-4f45-9708-019B960494DF}">
-              <a14:hiddenLine xmlns:a14="http://schemas.microsoft.com/office/drawing/2010/main" w="9525">
+              <a14:hiddenLine xmlns:a14="http://schemas.microsoft.com/office/drawing/2010/main" xmlns="" w="9525">
                 <a:solidFill>
                   <a:srgbClr val="000000"/>
                 </a:solidFill>
@@ -12326,7 +12247,7 @@
               </a14:hiddenLine>
             </a:ext>
             <a:ext uri="{FAA26D3D-D897-4be2-8F04-BA451C77F1D7}">
-              <ma14:placeholderFlag xmlns:ma14="http://schemas.microsoft.com/office/mac/drawingml/2011/main" val="1"/>
+              <ma14:placeholderFlag xmlns:ma14="http://schemas.microsoft.com/office/mac/drawingml/2011/main" xmlns="" val="1"/>
             </a:ext>
           </a:extLst>
         </p:spPr>
@@ -12396,14 +12317,14 @@
           </a:ln>
           <a:extLst>
             <a:ext uri="{909E8E84-426E-40dd-AFC4-6F175D3DCCD1}">
-              <a14:hiddenFill xmlns:a14="http://schemas.microsoft.com/office/drawing/2010/main">
+              <a14:hiddenFill xmlns:a14="http://schemas.microsoft.com/office/drawing/2010/main" xmlns="">
                 <a:solidFill>
                   <a:srgbClr val="FFFFFF"/>
                 </a:solidFill>
               </a14:hiddenFill>
             </a:ext>
             <a:ext uri="{91240B29-F687-4f45-9708-019B960494DF}">
-              <a14:hiddenLine xmlns:a14="http://schemas.microsoft.com/office/drawing/2010/main" w="9525">
+              <a14:hiddenLine xmlns:a14="http://schemas.microsoft.com/office/drawing/2010/main" xmlns="" w="9525">
                 <a:solidFill>
                   <a:srgbClr val="000000"/>
                 </a:solidFill>
@@ -12458,14 +12379,14 @@
           </a:ln>
           <a:extLst>
             <a:ext uri="{909E8E84-426E-40dd-AFC4-6F175D3DCCD1}">
-              <a14:hiddenFill xmlns:a14="http://schemas.microsoft.com/office/drawing/2010/main">
+              <a14:hiddenFill xmlns:a14="http://schemas.microsoft.com/office/drawing/2010/main" xmlns="">
                 <a:solidFill>
                   <a:srgbClr val="FFFFFF"/>
                 </a:solidFill>
               </a14:hiddenFill>
             </a:ext>
             <a:ext uri="{91240B29-F687-4f45-9708-019B960494DF}">
-              <a14:hiddenLine xmlns:a14="http://schemas.microsoft.com/office/drawing/2010/main" w="9525">
+              <a14:hiddenLine xmlns:a14="http://schemas.microsoft.com/office/drawing/2010/main" xmlns="" w="9525">
                 <a:solidFill>
                   <a:srgbClr val="000000"/>
                 </a:solidFill>
@@ -12533,14 +12454,14 @@
           </a:ln>
           <a:extLst>
             <a:ext uri="{909E8E84-426E-40dd-AFC4-6F175D3DCCD1}">
-              <a14:hiddenFill xmlns:a14="http://schemas.microsoft.com/office/drawing/2010/main">
+              <a14:hiddenFill xmlns:a14="http://schemas.microsoft.com/office/drawing/2010/main" xmlns="">
                 <a:solidFill>
                   <a:srgbClr val="FFFFFF"/>
                 </a:solidFill>
               </a14:hiddenFill>
             </a:ext>
             <a:ext uri="{91240B29-F687-4f45-9708-019B960494DF}">
-              <a14:hiddenLine xmlns:a14="http://schemas.microsoft.com/office/drawing/2010/main" w="9525">
+              <a14:hiddenLine xmlns:a14="http://schemas.microsoft.com/office/drawing/2010/main" xmlns="" w="9525">
                 <a:solidFill>
                   <a:srgbClr val="000000"/>
                 </a:solidFill>
@@ -12569,13 +12490,6 @@
     <p:sldLayoutId id="2147484054" r:id="rId11"/>
     <p:sldLayoutId id="2147484057" r:id="rId12"/>
   </p:sldLayoutIdLst>
-  <p:timing>
-    <p:tnLst>
-      <p:par>
-        <p:cTn xmlns:p14="http://schemas.microsoft.com/office/powerpoint/2010/main" id="1" dur="indefinite" restart="never" nodeType="tmRoot"/>
-      </p:par>
-    </p:tnLst>
-  </p:timing>
   <p:txStyles>
     <p:titleStyle>
       <a:lvl1pPr algn="l" defTabSz="814388" rtl="0" eaLnBrk="0" fontAlgn="base" hangingPunct="0">
@@ -13070,19 +12984,15 @@
           <a:p>
             <a:pPr algn="ctr" eaLnBrk="1" hangingPunct="1"/>
             <a:r>
-              <a:rPr lang="en-US" sz="2100" dirty="0" smtClean="0"/>
+              <a:rPr lang="en-US" sz="2100" dirty="0"/>
               <a:t>  Chapter 1: </a:t>
             </a:r>
             <a:br>
-              <a:rPr lang="en-US" sz="2100" dirty="0" smtClean="0"/>
+              <a:rPr lang="en-US" sz="2100" dirty="0"/>
             </a:br>
             <a:r>
-              <a:rPr lang="en-US" sz="2100" dirty="0" smtClean="0"/>
-              <a:t>LANs</a:t>
-            </a:r>
-            <a:r>
               <a:rPr lang="en-US" sz="2100" dirty="0"/>
-              <a:t>, WANs, and the Internet </a:t>
+              <a:t>LANs, WANs, and the Internet </a:t>
             </a:r>
           </a:p>
         </p:txBody>
@@ -13109,13 +13019,6 @@
       </p:transition>
     </mc:Fallback>
   </mc:AlternateContent>
-  <p:timing>
-    <p:tnLst>
-      <p:par>
-        <p:cTn xmlns:p14="http://schemas.microsoft.com/office/powerpoint/2010/main" id="1" dur="indefinite" restart="never" nodeType="tmRoot"/>
-      </p:par>
-    </p:tnLst>
-  </p:timing>
 </p:sld>
 </file>
 
@@ -13158,7 +13061,7 @@
           <a:p>
             <a:pPr eaLnBrk="1" hangingPunct="1"/>
             <a:r>
-              <a:rPr lang="en-US" sz="3600" dirty="0" smtClean="0">
+              <a:rPr lang="en-US" sz="3600" dirty="0">
                 <a:latin typeface="Arial" charset="0"/>
               </a:rPr>
               <a:t>Network Representations</a:t>
@@ -13215,13 +13118,6 @@
       </p:transition>
     </mc:Fallback>
   </mc:AlternateContent>
-  <p:timing>
-    <p:tnLst>
-      <p:par>
-        <p:cTn xmlns:p14="http://schemas.microsoft.com/office/powerpoint/2010/main" id="1" dur="indefinite" restart="never" nodeType="tmRoot"/>
-      </p:par>
-    </p:tnLst>
-  </p:timing>
 </p:sld>
 </file>
 
@@ -13267,38 +13163,38 @@
               <a:t>H</a:t>
             </a:r>
             <a:r>
-              <a:rPr lang="en-MY" sz="2400" dirty="0" smtClean="0"/>
+              <a:rPr lang="en-MY" sz="2400" dirty="0"/>
               <a:t>ow each of these devices and media connect to each other.</a:t>
             </a:r>
-            <a:endParaRPr lang="en-MY" sz="2400" b="1" dirty="0" smtClean="0"/>
-          </a:p>
-          <a:p>
-            <a:r>
-              <a:rPr lang="en-MY" sz="2400" b="1" dirty="0" smtClean="0"/>
+            <a:endParaRPr lang="en-MY" sz="2400" b="1" dirty="0"/>
+          </a:p>
+          <a:p>
+            <a:r>
+              <a:rPr lang="en-MY" sz="2400" b="1" dirty="0"/>
               <a:t>Network Interface Card </a:t>
             </a:r>
             <a:r>
-              <a:rPr lang="en-MY" sz="2400" dirty="0" smtClean="0"/>
+              <a:rPr lang="en-MY" sz="2400" dirty="0"/>
               <a:t>- A NIC, or LAN adapter, provides the physical connection to the network at the PC or other host device. The media plug into the NIC to connect the PC to the network</a:t>
             </a:r>
           </a:p>
           <a:p>
             <a:r>
-              <a:rPr lang="en-MY" sz="2400" b="1" dirty="0" smtClean="0"/>
+              <a:rPr lang="en-MY" sz="2400" b="1" dirty="0"/>
               <a:t>Physical Port </a:t>
             </a:r>
             <a:r>
-              <a:rPr lang="en-MY" sz="2400" dirty="0" smtClean="0"/>
+              <a:rPr lang="en-MY" sz="2400" dirty="0"/>
               <a:t>- A connector or outlet on a networking device where the media is connected to a host or other networking device.</a:t>
             </a:r>
           </a:p>
           <a:p>
             <a:r>
-              <a:rPr lang="en-MY" sz="2400" b="1" dirty="0" smtClean="0"/>
+              <a:rPr lang="en-MY" sz="2400" b="1" dirty="0"/>
               <a:t>Interface </a:t>
             </a:r>
             <a:r>
-              <a:rPr lang="en-MY" sz="2400" dirty="0" smtClean="0"/>
+              <a:rPr lang="en-MY" sz="2400" dirty="0"/>
               <a:t>- Specialized ports on an internetworking device that connect to individual networks. Because routers are used to interconnect networks, the ports on a router are referred to network interfaces.</a:t>
             </a:r>
           </a:p>
@@ -13331,7 +13227,7 @@
           <a:p>
             <a:pPr eaLnBrk="1" hangingPunct="1"/>
             <a:r>
-              <a:rPr lang="en-US" sz="3600" dirty="0" smtClean="0">
+              <a:rPr lang="en-US" sz="3600" dirty="0">
                 <a:latin typeface="Arial" charset="0"/>
               </a:rPr>
               <a:t>Network Representations</a:t>
@@ -13364,13 +13260,6 @@
       </p:transition>
     </mc:Fallback>
   </mc:AlternateContent>
-  <p:timing>
-    <p:tnLst>
-      <p:par>
-        <p:cTn xmlns:p14="http://schemas.microsoft.com/office/powerpoint/2010/main" id="1" dur="indefinite" restart="never" nodeType="tmRoot"/>
-      </p:par>
-    </p:tnLst>
-  </p:timing>
 </p:sld>
 </file>
 
@@ -13413,16 +13302,10 @@
           <a:p>
             <a:pPr eaLnBrk="1" hangingPunct="1"/>
             <a:r>
-              <a:rPr lang="en-US" sz="3200" dirty="0" smtClean="0">
-                <a:latin typeface="Arial" charset="0"/>
-              </a:rPr>
-              <a:t>Topology </a:t>
-            </a:r>
-            <a:r>
               <a:rPr lang="en-US" sz="3200" dirty="0">
                 <a:latin typeface="Arial" charset="0"/>
               </a:rPr>
-              <a:t>Diagrams</a:t>
+              <a:t>Topology Diagrams</a:t>
             </a:r>
             <a:endParaRPr lang="en-US" dirty="0">
               <a:latin typeface="Arial" charset="0"/>
@@ -13463,7 +13346,7 @@
         <p:spPr>
           <a:xfrm>
             <a:off x="428596" y="1214422"/>
-            <a:ext cx="8454683" cy="1126462"/>
+            <a:ext cx="8454683" cy="1255728"/>
           </a:xfrm>
           <a:prstGeom prst="rect">
             <a:avLst/>
@@ -13478,18 +13361,37 @@
           <a:p>
             <a:pPr algn="l"/>
             <a:r>
-              <a:rPr lang="en-MY" sz="2800" b="1" dirty="0" smtClean="0"/>
-              <a:t>Physical topology diagrams</a:t>
-            </a:r>
-            <a:r>
-              <a:rPr lang="en-MY" b="1" dirty="0" smtClean="0"/>
+              <a:rPr lang="en-MY" sz="2800" b="1" dirty="0">
+                <a:highlight>
+                  <a:srgbClr val="FFFF00"/>
+                </a:highlight>
+              </a:rPr>
+              <a:t>Physical topology</a:t>
+            </a:r>
+            <a:r>
+              <a:rPr lang="en-MY" sz="2800" b="1" dirty="0"/>
+              <a:t> diagrams</a:t>
+            </a:r>
+            <a:r>
+              <a:rPr lang="en-MY" b="1" dirty="0"/>
               <a:t> </a:t>
             </a:r>
             <a:r>
-              <a:rPr lang="en-MY" sz="2800" b="0" dirty="0" smtClean="0"/>
-              <a:t>- Identify the physical location of intermediary devices, configured ports, and cable installation.</a:t>
-            </a:r>
-            <a:endParaRPr lang="en-MY" sz="2800" b="0" dirty="0"/>
+              <a:rPr lang="en-MY" sz="2800" b="0" dirty="0"/>
+              <a:t>- Identify the </a:t>
+            </a:r>
+            <a:r>
+              <a:rPr lang="en-MY" sz="2800" b="0" dirty="0">
+                <a:highlight>
+                  <a:srgbClr val="FFFF00"/>
+                </a:highlight>
+              </a:rPr>
+              <a:t>physical location of intermediary devices, configured ports, and cable installation</a:t>
+            </a:r>
+            <a:r>
+              <a:rPr lang="en-MY" sz="2800" b="0" dirty="0"/>
+              <a:t>.</a:t>
+            </a:r>
           </a:p>
         </p:txBody>
       </p:sp>
@@ -13515,13 +13417,6 @@
       </p:transition>
     </mc:Fallback>
   </mc:AlternateContent>
-  <p:timing>
-    <p:tnLst>
-      <p:par>
-        <p:cTn xmlns:p14="http://schemas.microsoft.com/office/powerpoint/2010/main" id="1" dur="indefinite" restart="never" nodeType="tmRoot"/>
-      </p:par>
-    </p:tnLst>
-  </p:timing>
 </p:sld>
 </file>
 
@@ -13566,16 +13461,10 @@
           <a:p>
             <a:pPr eaLnBrk="1" hangingPunct="1"/>
             <a:r>
-              <a:rPr lang="en-US" sz="3600" dirty="0" smtClean="0">
-                <a:latin typeface="Arial" charset="0"/>
-              </a:rPr>
-              <a:t>Topology </a:t>
-            </a:r>
-            <a:r>
               <a:rPr lang="en-US" sz="3600" dirty="0">
                 <a:latin typeface="Arial" charset="0"/>
               </a:rPr>
-              <a:t>Diagrams</a:t>
+              <a:t>Topology Diagrams</a:t>
             </a:r>
             <a:endParaRPr lang="en-US" dirty="0">
               <a:latin typeface="Arial" charset="0"/>
@@ -13616,7 +13505,7 @@
         <p:spPr>
           <a:xfrm>
             <a:off x="309489" y="1175568"/>
-            <a:ext cx="8398413" cy="1181862"/>
+            <a:ext cx="8398413" cy="867930"/>
           </a:xfrm>
           <a:prstGeom prst="rect">
             <a:avLst/>
@@ -13631,21 +13520,38 @@
           <a:p>
             <a:pPr algn="l"/>
             <a:r>
-              <a:rPr lang="en-MY" sz="2800" b="1" dirty="0" smtClean="0"/>
-              <a:t>Logical topology diagrams</a:t>
-            </a:r>
-            <a:r>
-              <a:rPr lang="en-MY" b="1" dirty="0" smtClean="0"/>
+              <a:rPr lang="en-MY" sz="2800" b="1" dirty="0">
+                <a:highlight>
+                  <a:srgbClr val="FFFF00"/>
+                </a:highlight>
+              </a:rPr>
+              <a:t>Logical topology</a:t>
+            </a:r>
+            <a:r>
+              <a:rPr lang="en-MY" sz="2800" b="1" dirty="0"/>
+              <a:t> diagrams</a:t>
+            </a:r>
+            <a:r>
+              <a:rPr lang="en-MY" b="1" dirty="0"/>
               <a:t> </a:t>
             </a:r>
             <a:r>
-              <a:rPr lang="en-MY" sz="2800" b="0" dirty="0" smtClean="0"/>
-              <a:t>- Identify devices, ports, and IP addressing scheme.</a:t>
-            </a:r>
-            <a:endParaRPr lang="en-MY" b="0" dirty="0" smtClean="0"/>
-          </a:p>
-          <a:p>
-            <a:endParaRPr lang="en-MY" dirty="0"/>
+              <a:rPr lang="en-MY" sz="2800" b="0" dirty="0"/>
+              <a:t>- Identify </a:t>
+            </a:r>
+            <a:r>
+              <a:rPr lang="en-MY" sz="2800" b="0" dirty="0">
+                <a:highlight>
+                  <a:srgbClr val="FFFF00"/>
+                </a:highlight>
+              </a:rPr>
+              <a:t>devices, ports, and IP addressing scheme</a:t>
+            </a:r>
+            <a:r>
+              <a:rPr lang="en-MY" sz="2800" b="0" dirty="0"/>
+              <a:t>.</a:t>
+            </a:r>
+            <a:endParaRPr lang="en-MY" b="0" dirty="0"/>
           </a:p>
         </p:txBody>
       </p:sp>
@@ -13671,13 +13577,6 @@
       </p:transition>
     </mc:Fallback>
   </mc:AlternateContent>
-  <p:timing>
-    <p:tnLst>
-      <p:par>
-        <p:cTn xmlns:p14="http://schemas.microsoft.com/office/powerpoint/2010/main" id="1" dur="indefinite" restart="never" nodeType="tmRoot"/>
-      </p:par>
-    </p:tnLst>
-  </p:timing>
 </p:sld>
 </file>
 
@@ -13722,16 +13621,10 @@
           <a:p>
             <a:pPr eaLnBrk="1" hangingPunct="1"/>
             <a:r>
-              <a:rPr lang="en-US" sz="3600" dirty="0" smtClean="0">
-                <a:latin typeface="Arial" charset="0"/>
-              </a:rPr>
-              <a:t>Types </a:t>
-            </a:r>
-            <a:r>
               <a:rPr lang="en-US" sz="3600" dirty="0">
                 <a:latin typeface="Arial" charset="0"/>
               </a:rPr>
-              <a:t>of Networks</a:t>
+              <a:t>Types of Networks</a:t>
             </a:r>
             <a:endParaRPr lang="en-US" dirty="0">
               <a:latin typeface="Arial" charset="0"/>
@@ -13758,19 +13651,19 @@
               <a:buNone/>
             </a:pPr>
             <a:r>
-              <a:rPr lang="en-US" dirty="0" smtClean="0"/>
+              <a:rPr lang="en-US" dirty="0"/>
               <a:t>The two most common types of network infrastructures are:</a:t>
             </a:r>
           </a:p>
           <a:p>
             <a:r>
-              <a:rPr lang="en-US" dirty="0" smtClean="0"/>
+              <a:rPr lang="en-US" dirty="0"/>
               <a:t>Local Area Network (LAN)</a:t>
             </a:r>
           </a:p>
           <a:p>
             <a:r>
-              <a:rPr lang="en-US" dirty="0" smtClean="0"/>
+              <a:rPr lang="en-US" dirty="0"/>
               <a:t>Wide Area Network (WAN).</a:t>
             </a:r>
           </a:p>
@@ -13778,35 +13671,34 @@
             <a:pPr marL="0" indent="0">
               <a:buNone/>
             </a:pPr>
-            <a:endParaRPr lang="en-US" dirty="0" smtClean="0"/>
+            <a:endParaRPr lang="en-US" dirty="0"/>
           </a:p>
           <a:p>
             <a:pPr marL="0" indent="0">
               <a:buNone/>
             </a:pPr>
             <a:r>
-              <a:rPr lang="en-US" dirty="0" smtClean="0"/>
+              <a:rPr lang="en-US" dirty="0"/>
               <a:t>Other types of networks include:</a:t>
             </a:r>
           </a:p>
           <a:p>
             <a:r>
-              <a:rPr lang="en-US" dirty="0" smtClean="0"/>
+              <a:rPr lang="en-US" dirty="0"/>
               <a:t>Metropolitan Area Network (MAN) </a:t>
             </a:r>
           </a:p>
           <a:p>
             <a:r>
-              <a:rPr lang="en-US" dirty="0" smtClean="0"/>
+              <a:rPr lang="en-US" dirty="0"/>
               <a:t>Wireless LAN (WLAN) </a:t>
             </a:r>
           </a:p>
           <a:p>
             <a:r>
-              <a:rPr lang="en-US" dirty="0" smtClean="0"/>
+              <a:rPr lang="en-US" dirty="0"/>
               <a:t>Storage Area Network (SAN)</a:t>
             </a:r>
-            <a:endParaRPr lang="en-US" dirty="0"/>
           </a:p>
         </p:txBody>
       </p:sp>
@@ -13847,18 +13739,13 @@
           <a:lstStyle/>
           <a:p>
             <a:r>
-              <a:rPr lang="en-MY" dirty="0" smtClean="0">
+              <a:rPr lang="en-MY" dirty="0">
                 <a:solidFill>
                   <a:schemeClr val="tx1"/>
                 </a:solidFill>
               </a:rPr>
               <a:t>Networks are categorised according to size </a:t>
             </a:r>
-            <a:endParaRPr lang="en-MY" dirty="0">
-              <a:solidFill>
-                <a:schemeClr val="tx1"/>
-              </a:solidFill>
-            </a:endParaRPr>
           </a:p>
         </p:txBody>
       </p:sp>
@@ -13872,16 +13759,9 @@
   <p:clrMapOvr>
     <a:masterClrMapping/>
   </p:clrMapOvr>
-  <p:transition xmlns:p14="http://schemas.microsoft.com/office/powerpoint/2010/main" spd="med">
+  <p:transition spd="med">
     <p:wipe dir="r"/>
   </p:transition>
-  <p:timing>
-    <p:tnLst>
-      <p:par>
-        <p:cTn xmlns:p14="http://schemas.microsoft.com/office/powerpoint/2010/main" id="1" dur="indefinite" restart="never" nodeType="tmRoot"/>
-      </p:par>
-    </p:tnLst>
-  </p:timing>
 </p:sld>
 </file>
 
@@ -13926,16 +13806,10 @@
           <a:p>
             <a:pPr eaLnBrk="1" hangingPunct="1"/>
             <a:r>
-              <a:rPr lang="en-US" sz="3600" dirty="0" smtClean="0">
-                <a:latin typeface="Arial" charset="0"/>
-              </a:rPr>
-              <a:t>Local </a:t>
-            </a:r>
-            <a:r>
               <a:rPr lang="en-US" sz="3600" dirty="0">
                 <a:latin typeface="Arial" charset="0"/>
               </a:rPr>
-              <a:t>Area Networks (LAN)</a:t>
+              <a:t>Local Area Networks (LAN)</a:t>
             </a:r>
             <a:endParaRPr lang="en-US" dirty="0">
               <a:latin typeface="Arial" charset="0"/>
@@ -13999,10 +13873,13 @@
           <a:p>
             <a:pPr algn="l"/>
             <a:r>
-              <a:rPr lang="en-MY" sz="3200" b="0" dirty="0" smtClean="0"/>
+              <a:rPr lang="en-MY" sz="3200" b="0" dirty="0">
+                <a:highlight>
+                  <a:srgbClr val="FFFF00"/>
+                </a:highlight>
+              </a:rPr>
               <a:t>Covers a small geographical area.</a:t>
             </a:r>
-            <a:endParaRPr lang="en-MY" sz="3200" b="0" dirty="0"/>
           </a:p>
         </p:txBody>
       </p:sp>
@@ -14028,13 +13905,6 @@
       </p:transition>
     </mc:Fallback>
   </mc:AlternateContent>
-  <p:timing>
-    <p:tnLst>
-      <p:par>
-        <p:cTn xmlns:p14="http://schemas.microsoft.com/office/powerpoint/2010/main" id="1" dur="indefinite" restart="never" nodeType="tmRoot"/>
-      </p:par>
-    </p:tnLst>
-  </p:timing>
 </p:sld>
 </file>
 
@@ -14113,11 +13983,27 @@
             </a:r>
             <a:r>
               <a:rPr lang="en-MY" sz="2800" dirty="0"/>
-              <a:t> that interconnects computers within a limited </a:t>
+              <a:t> that </a:t>
+            </a:r>
+            <a:r>
+              <a:rPr lang="en-MY" sz="2800" dirty="0">
+                <a:highlight>
+                  <a:srgbClr val="FFFF00"/>
+                </a:highlight>
+              </a:rPr>
+              <a:t>interconnects computers within a limited </a:t>
+            </a:r>
+            <a:r>
+              <a:rPr lang="en-MY" sz="2800" b="1" dirty="0">
+                <a:highlight>
+                  <a:srgbClr val="FFFF00"/>
+                </a:highlight>
+              </a:rPr>
+              <a:t>area</a:t>
             </a:r>
             <a:r>
               <a:rPr lang="en-MY" sz="2800" b="1" dirty="0"/>
-              <a:t>area </a:t>
+              <a:t> </a:t>
             </a:r>
             <a:r>
               <a:rPr lang="en-MY" sz="2800" dirty="0"/>
@@ -14126,12 +14012,20 @@
           </a:p>
           <a:p>
             <a:r>
-              <a:rPr lang="en-MY" sz="2800"/>
-              <a:t> </a:t>
-            </a:r>
-            <a:r>
-              <a:rPr lang="en-MY" sz="2800"/>
-              <a:t>LANs provide high speed bandwidth to internal end devices and intermediary devices. </a:t>
+              <a:rPr lang="en-MY" sz="2800" dirty="0"/>
+              <a:t> LANs provide </a:t>
+            </a:r>
+            <a:r>
+              <a:rPr lang="en-MY" sz="2800" dirty="0">
+                <a:highlight>
+                  <a:srgbClr val="FFFF00"/>
+                </a:highlight>
+              </a:rPr>
+              <a:t>high speed bandwidth</a:t>
+            </a:r>
+            <a:r>
+              <a:rPr lang="en-MY" sz="2800" dirty="0"/>
+              <a:t> to internal end devices and intermediary devices. </a:t>
             </a:r>
             <a:endParaRPr lang="en-MY" sz="3000" dirty="0"/>
           </a:p>
@@ -14158,28 +14052,16 @@
           <a:lstStyle/>
           <a:p>
             <a:pPr eaLnBrk="1" hangingPunct="1"/>
-            <a:r>
-              <a:rPr lang="en-US" dirty="0">
-                <a:latin typeface="Arial" charset="0"/>
-              </a:rPr>
-              <a:t/>
-            </a:r>
             <a:br>
               <a:rPr lang="en-US" dirty="0">
                 <a:latin typeface="Arial" charset="0"/>
               </a:rPr>
             </a:br>
             <a:r>
-              <a:rPr lang="en-US" sz="3600" dirty="0" smtClean="0">
-                <a:latin typeface="Arial" charset="0"/>
-              </a:rPr>
-              <a:t>Local </a:t>
-            </a:r>
-            <a:r>
               <a:rPr lang="en-US" sz="3600" dirty="0">
                 <a:latin typeface="Arial" charset="0"/>
               </a:rPr>
-              <a:t>Area Networks (LAN)</a:t>
+              <a:t>Local Area Networks (LAN)</a:t>
             </a:r>
             <a:endParaRPr lang="en-US" dirty="0">
               <a:latin typeface="Arial" charset="0"/>
@@ -14209,13 +14091,6 @@
       </p:transition>
     </mc:Fallback>
   </mc:AlternateContent>
-  <p:timing>
-    <p:tnLst>
-      <p:par>
-        <p:cTn xmlns:p14="http://schemas.microsoft.com/office/powerpoint/2010/main" id="1" dur="indefinite" restart="never" nodeType="tmRoot"/>
-      </p:par>
-    </p:tnLst>
-  </p:timing>
 </p:sld>
 </file>
 
@@ -14260,16 +14135,10 @@
           <a:p>
             <a:pPr eaLnBrk="1" hangingPunct="1"/>
             <a:r>
-              <a:rPr lang="en-US" sz="3600" dirty="0" smtClean="0">
-                <a:latin typeface="Arial" charset="0"/>
-              </a:rPr>
-              <a:t>Wide </a:t>
-            </a:r>
-            <a:r>
               <a:rPr lang="en-US" sz="3600" dirty="0">
                 <a:latin typeface="Arial" charset="0"/>
               </a:rPr>
-              <a:t>Area Networks (WAN)</a:t>
+              <a:t>Wide Area Networks (WAN)</a:t>
             </a:r>
             <a:endParaRPr lang="en-US" dirty="0">
               <a:latin typeface="Arial" charset="0"/>
@@ -14298,8 +14167,20 @@
           <a:lstStyle/>
           <a:p>
             <a:r>
-              <a:rPr lang="en-MY" dirty="0" smtClean="0"/>
-              <a:t>A network infrastructure that provides access to other networks over a wide geographical area.</a:t>
+              <a:rPr lang="en-MY" dirty="0"/>
+              <a:t>A network infrastructure that provides access to other networks over a </a:t>
+            </a:r>
+            <a:r>
+              <a:rPr lang="en-MY" dirty="0">
+                <a:highlight>
+                  <a:srgbClr val="FFFF00"/>
+                </a:highlight>
+              </a:rPr>
+              <a:t>wide geographical area</a:t>
+            </a:r>
+            <a:r>
+              <a:rPr lang="en-MY" dirty="0"/>
+              <a:t>.</a:t>
             </a:r>
           </a:p>
           <a:p>
@@ -14343,14 +14224,14 @@
           <a:effectLst/>
           <a:extLst>
             <a:ext uri="{909E8E84-426E-40dd-AFC4-6F175D3DCCD1}">
-              <a14:hiddenFill xmlns:a14="http://schemas.microsoft.com/office/drawing/2010/main">
+              <a14:hiddenFill xmlns:a14="http://schemas.microsoft.com/office/drawing/2010/main" xmlns="">
                 <a:solidFill>
                   <a:schemeClr val="accent1"/>
                 </a:solidFill>
               </a14:hiddenFill>
             </a:ext>
             <a:ext uri="{91240B29-F687-4f45-9708-019B960494DF}">
-              <a14:hiddenLine xmlns:a14="http://schemas.microsoft.com/office/drawing/2010/main" w="9525">
+              <a14:hiddenLine xmlns:a14="http://schemas.microsoft.com/office/drawing/2010/main" xmlns="" w="9525">
                 <a:solidFill>
                   <a:schemeClr val="tx1"/>
                 </a:solidFill>
@@ -14360,7 +14241,7 @@
               </a14:hiddenLine>
             </a:ext>
             <a:ext uri="{AF507438-7753-43e0-B8FC-AC1667EBCBE1}">
-              <a14:hiddenEffects xmlns:a14="http://schemas.microsoft.com/office/drawing/2010/main">
+              <a14:hiddenEffects xmlns:a14="http://schemas.microsoft.com/office/drawing/2010/main" xmlns="">
                 <a:effectLst>
                   <a:outerShdw dist="35921" dir="2700000" algn="ctr" rotWithShape="0">
                     <a:schemeClr val="bg2"/>
@@ -14393,13 +14274,6 @@
       </p:transition>
     </mc:Fallback>
   </mc:AlternateContent>
-  <p:timing>
-    <p:tnLst>
-      <p:par>
-        <p:cTn xmlns:p14="http://schemas.microsoft.com/office/powerpoint/2010/main" id="1" dur="indefinite" restart="never" nodeType="tmRoot"/>
-      </p:par>
-    </p:tnLst>
-  </p:timing>
 </p:sld>
 </file>
 
@@ -14441,32 +14315,56 @@
           <a:lstStyle/>
           <a:p>
             <a:r>
-              <a:rPr lang="en-MY" dirty="0" smtClean="0"/>
+              <a:rPr lang="en-MY" dirty="0"/>
               <a:t>Wide Area Networks (WANs) are a network infrastructure that spans a wide geographical area. WANs are typically managed by service providers (SP) or Internet Service Providers (ISP).</a:t>
             </a:r>
           </a:p>
           <a:p>
             <a:r>
-              <a:rPr lang="en-MY" dirty="0" smtClean="0"/>
+              <a:rPr lang="en-MY" dirty="0"/>
               <a:t>Specific features of WANs include:</a:t>
             </a:r>
           </a:p>
           <a:p>
             <a:r>
-              <a:rPr lang="en-MY" dirty="0" smtClean="0"/>
-              <a:t>WANs interconnect LANs over wide geographical areas such as between cities, states, provinces, countries, or continents.</a:t>
-            </a:r>
-          </a:p>
-          <a:p>
-            <a:r>
-              <a:rPr lang="en-MY" dirty="0" smtClean="0"/>
+              <a:rPr lang="en-MY" dirty="0"/>
+              <a:t>WANs interconnect LANs over wide geographical areas such as </a:t>
+            </a:r>
+            <a:r>
+              <a:rPr lang="en-MY" dirty="0">
+                <a:highlight>
+                  <a:srgbClr val="FFFF00"/>
+                </a:highlight>
+              </a:rPr>
+              <a:t>between cities, states</a:t>
+            </a:r>
+            <a:r>
+              <a:rPr lang="en-MY" dirty="0"/>
+              <a:t>, provinces, countries, or continents.</a:t>
+            </a:r>
+          </a:p>
+          <a:p>
+            <a:r>
+              <a:rPr lang="en-MY" dirty="0"/>
               <a:t>WANs are usually administered by multiple service providers.</a:t>
             </a:r>
           </a:p>
           <a:p>
             <a:r>
-              <a:rPr lang="en-MY" dirty="0" smtClean="0"/>
-              <a:t>WANs typically provide slower speed links between LANs.</a:t>
+              <a:rPr lang="en-MY" dirty="0"/>
+              <a:t>WANs typically provide </a:t>
+            </a:r>
+            <a:r>
+              <a:rPr lang="en-MY" dirty="0">
+                <a:highlight>
+                  <a:srgbClr val="FFFF00"/>
+                </a:highlight>
+              </a:rPr>
+              <a:t>slower speed links between LANs</a:t>
+            </a:r>
+            <a:r>
+              <a:rPr lang="en-MY" dirty="0"/>
+              <a:t>.</a:t>
             </a:r>
           </a:p>
           <a:p>
@@ -14497,28 +14395,16 @@
           <a:lstStyle/>
           <a:p>
             <a:pPr eaLnBrk="1" hangingPunct="1"/>
-            <a:r>
-              <a:rPr lang="en-US" dirty="0">
-                <a:latin typeface="Arial" charset="0"/>
-              </a:rPr>
-              <a:t/>
-            </a:r>
             <a:br>
               <a:rPr lang="en-US" dirty="0">
                 <a:latin typeface="Arial" charset="0"/>
               </a:rPr>
             </a:br>
             <a:r>
-              <a:rPr lang="en-US" sz="3600" dirty="0" smtClean="0">
-                <a:latin typeface="Arial" charset="0"/>
-              </a:rPr>
-              <a:t>Wide </a:t>
-            </a:r>
-            <a:r>
               <a:rPr lang="en-US" sz="3600" dirty="0">
                 <a:latin typeface="Arial" charset="0"/>
               </a:rPr>
-              <a:t>Area Networks (WAN)</a:t>
+              <a:t>Wide Area Networks (WAN)</a:t>
             </a:r>
             <a:endParaRPr lang="en-US" dirty="0">
               <a:latin typeface="Arial" charset="0"/>
@@ -14548,13 +14434,6 @@
       </p:transition>
     </mc:Fallback>
   </mc:AlternateContent>
-  <p:timing>
-    <p:tnLst>
-      <p:par>
-        <p:cTn xmlns:p14="http://schemas.microsoft.com/office/powerpoint/2010/main" id="1" dur="indefinite" restart="never" nodeType="tmRoot"/>
-      </p:par>
-    </p:tnLst>
-  </p:timing>
 </p:sld>
 </file>
 
@@ -14598,39 +14477,39 @@
           <a:lstStyle/>
           <a:p>
             <a:r>
-              <a:rPr lang="en-MY" b="1" dirty="0" smtClean="0"/>
+              <a:rPr lang="en-MY" b="1" dirty="0"/>
               <a:t>Metropolitan Area Network (MAN) </a:t>
             </a:r>
             <a:r>
-              <a:rPr lang="en-MY" dirty="0" smtClean="0"/>
+              <a:rPr lang="en-MY" dirty="0"/>
               <a:t>- A network infrastructure that spans a physical area larger than a LAN but smaller than a WAN (e.g., a city). MANs are typically operated by a single entity such as a large organization.</a:t>
             </a:r>
           </a:p>
           <a:p>
             <a:r>
-              <a:rPr lang="en-MY" b="1" dirty="0" smtClean="0"/>
+              <a:rPr lang="en-MY" b="1" dirty="0"/>
               <a:t>Wireless LAN</a:t>
             </a:r>
             <a:r>
-              <a:rPr lang="en-MY" dirty="0" smtClean="0"/>
+              <a:rPr lang="en-MY" dirty="0"/>
               <a:t> </a:t>
             </a:r>
             <a:r>
-              <a:rPr lang="en-MY" b="1" dirty="0" smtClean="0"/>
+              <a:rPr lang="en-MY" b="1" dirty="0"/>
               <a:t>(WLAN) </a:t>
             </a:r>
             <a:r>
-              <a:rPr lang="en-MY" dirty="0" smtClean="0"/>
+              <a:rPr lang="en-MY" dirty="0"/>
               <a:t>- Similar to a LAN but wirelessly interconnects users and end points in a small geographical area.</a:t>
             </a:r>
           </a:p>
           <a:p>
             <a:r>
-              <a:rPr lang="en-MY" b="1" dirty="0" smtClean="0"/>
+              <a:rPr lang="en-MY" b="1" dirty="0"/>
               <a:t>Storage Area Network (SAN) </a:t>
             </a:r>
             <a:r>
-              <a:rPr lang="en-MY" dirty="0" smtClean="0"/>
+              <a:rPr lang="en-MY" dirty="0"/>
               <a:t>- A network infrastructure designed to support file servers and provide data storage, retrieval, and replication. It involves high-end servers, multiple disk arrays (called blocks), and Fibre Channel interconnection technology.</a:t>
             </a:r>
           </a:p>
@@ -14661,13 +14540,6 @@
       </p:transition>
     </mc:Fallback>
   </mc:AlternateContent>
-  <p:timing>
-    <p:tnLst>
-      <p:par>
-        <p:cTn xmlns:p14="http://schemas.microsoft.com/office/powerpoint/2010/main" id="1" dur="indefinite" restart="never" nodeType="tmRoot"/>
-      </p:par>
-    </p:tnLst>
-  </p:timing>
 </p:sld>
 </file>
 
@@ -14710,16 +14582,10 @@
           <a:p>
             <a:pPr eaLnBrk="1" hangingPunct="1"/>
             <a:r>
-              <a:rPr lang="en-US" sz="3600" dirty="0" smtClean="0">
-                <a:latin typeface="Arial" charset="0"/>
-              </a:rPr>
-              <a:t>Components </a:t>
-            </a:r>
-            <a:r>
               <a:rPr lang="en-US" sz="3600" dirty="0">
                 <a:latin typeface="Arial" charset="0"/>
               </a:rPr>
-              <a:t>of a Network</a:t>
+              <a:t>Components of a Network</a:t>
             </a:r>
             <a:endParaRPr lang="en-US" dirty="0">
               <a:latin typeface="Arial" charset="0"/>
@@ -14751,7 +14617,7 @@
               <a:buNone/>
             </a:pPr>
             <a:r>
-              <a:rPr lang="en-US" dirty="0" smtClean="0"/>
+              <a:rPr lang="en-US" dirty="0"/>
               <a:t>There are three categories of network components:</a:t>
             </a:r>
           </a:p>
@@ -14763,25 +14629,17 @@
                   <a:srgbClr val="C00000"/>
                 </a:solidFill>
               </a:rPr>
-              <a:t>D</a:t>
-            </a:r>
-            <a:r>
-              <a:rPr lang="en-US" dirty="0" smtClean="0">
-                <a:solidFill>
-                  <a:srgbClr val="C00000"/>
-                </a:solidFill>
-              </a:rPr>
-              <a:t>evices</a:t>
-            </a:r>
-            <a:r>
-              <a:rPr lang="en-US" dirty="0" smtClean="0"/>
+              <a:t>Devices</a:t>
+            </a:r>
+            <a:r>
+              <a:rPr lang="en-US" dirty="0"/>
               <a:t> (End Devices, Network Infrastructure devices)</a:t>
             </a:r>
           </a:p>
           <a:p>
             <a:pPr lvl="1"/>
             <a:r>
-              <a:rPr lang="en-US" dirty="0" smtClean="0">
+              <a:rPr lang="en-US" dirty="0">
                 <a:solidFill>
                   <a:srgbClr val="C00000"/>
                 </a:solidFill>
@@ -14789,14 +14647,14 @@
               <a:t>Media</a:t>
             </a:r>
             <a:r>
-              <a:rPr lang="en-US" dirty="0" smtClean="0"/>
+              <a:rPr lang="en-US" dirty="0"/>
               <a:t> (Cable or wireless) </a:t>
             </a:r>
           </a:p>
           <a:p>
             <a:pPr lvl="1"/>
             <a:r>
-              <a:rPr lang="en-US" dirty="0" smtClean="0">
+              <a:rPr lang="en-US" dirty="0">
                 <a:solidFill>
                   <a:srgbClr val="C00000"/>
                 </a:solidFill>
@@ -14804,7 +14662,7 @@
               <a:t>Services</a:t>
             </a:r>
             <a:r>
-              <a:rPr lang="en-US" dirty="0" smtClean="0"/>
+              <a:rPr lang="en-US" dirty="0"/>
               <a:t> (Software run on networked devices)</a:t>
             </a:r>
           </a:p>
@@ -14853,18 +14711,9 @@
               <a:buNone/>
             </a:pPr>
             <a:r>
-              <a:rPr lang="en-US" dirty="0" smtClean="0"/>
-              <a:t> </a:t>
-            </a:r>
-            <a:r>
               <a:rPr lang="en-US" dirty="0"/>
-              <a:t>End device – familiar network </a:t>
-            </a:r>
-            <a:r>
-              <a:rPr lang="en-US" dirty="0" smtClean="0"/>
-              <a:t>devices</a:t>
-            </a:r>
-            <a:endParaRPr lang="en-US" dirty="0"/>
+              <a:t> End device – familiar network devices</a:t>
+            </a:r>
           </a:p>
           <a:p>
             <a:pPr>
@@ -14876,15 +14725,7 @@
             </a:pPr>
             <a:r>
               <a:rPr lang="en-US" dirty="0"/>
-              <a:t>- </a:t>
-            </a:r>
-            <a:r>
-              <a:rPr lang="en-US" dirty="0" smtClean="0"/>
-              <a:t>Interfaces </a:t>
-            </a:r>
-            <a:r>
-              <a:rPr lang="en-US" dirty="0"/>
-              <a:t>between users and the network</a:t>
+              <a:t>- Interfaces between users and the network</a:t>
             </a:r>
           </a:p>
           <a:p>
@@ -14902,16 +14743,9 @@
   <p:clrMapOvr>
     <a:masterClrMapping/>
   </p:clrMapOvr>
-  <p:transition xmlns:p14="http://schemas.microsoft.com/office/powerpoint/2010/main" spd="med">
+  <p:transition spd="med">
     <p:wipe dir="r"/>
   </p:transition>
-  <p:timing>
-    <p:tnLst>
-      <p:par>
-        <p:cTn xmlns:p14="http://schemas.microsoft.com/office/powerpoint/2010/main" id="1" dur="indefinite" restart="never" nodeType="tmRoot"/>
-      </p:par>
-    </p:tnLst>
-  </p:timing>
 </p:sld>
 </file>
 
@@ -14956,16 +14790,10 @@
           <a:p>
             <a:pPr eaLnBrk="1" hangingPunct="1"/>
             <a:r>
-              <a:rPr lang="en-US" sz="3600" dirty="0" smtClean="0">
-                <a:latin typeface="Arial" charset="0"/>
-              </a:rPr>
-              <a:t>The </a:t>
-            </a:r>
-            <a:r>
               <a:rPr lang="en-US" sz="3600" dirty="0">
                 <a:latin typeface="Arial" charset="0"/>
               </a:rPr>
-              <a:t>Internet</a:t>
+              <a:t>The Internet</a:t>
             </a:r>
             <a:endParaRPr lang="en-US" dirty="0">
               <a:latin typeface="Arial" charset="0"/>
@@ -15009,14 +14837,14 @@
           <a:effectLst/>
           <a:extLst>
             <a:ext uri="{909E8E84-426E-40dd-AFC4-6F175D3DCCD1}">
-              <a14:hiddenFill xmlns:a14="http://schemas.microsoft.com/office/drawing/2010/main">
+              <a14:hiddenFill xmlns:a14="http://schemas.microsoft.com/office/drawing/2010/main" xmlns="">
                 <a:solidFill>
                   <a:schemeClr val="accent1"/>
                 </a:solidFill>
               </a14:hiddenFill>
             </a:ext>
             <a:ext uri="{91240B29-F687-4f45-9708-019B960494DF}">
-              <a14:hiddenLine xmlns:a14="http://schemas.microsoft.com/office/drawing/2010/main" w="9525">
+              <a14:hiddenLine xmlns:a14="http://schemas.microsoft.com/office/drawing/2010/main" xmlns="" w="9525">
                 <a:solidFill>
                   <a:schemeClr val="tx1"/>
                 </a:solidFill>
@@ -15026,7 +14854,7 @@
               </a14:hiddenLine>
             </a:ext>
             <a:ext uri="{AF507438-7753-43e0-B8FC-AC1667EBCBE1}">
-              <a14:hiddenEffects xmlns:a14="http://schemas.microsoft.com/office/drawing/2010/main">
+              <a14:hiddenEffects xmlns:a14="http://schemas.microsoft.com/office/drawing/2010/main" xmlns="">
                 <a:effectLst>
                   <a:outerShdw dist="35921" dir="2700000" algn="ctr" rotWithShape="0">
                     <a:schemeClr val="bg2"/>
@@ -15058,21 +14886,57 @@
           <a:lstStyle/>
           <a:p>
             <a:r>
-              <a:rPr lang="en-MY" sz="2400" dirty="0" smtClean="0"/>
-              <a:t>The Internet is a worldwide collection of interconnected networks (internetworks or internet for short), cooperating with each other to exchange information using common standards. </a:t>
-            </a:r>
-          </a:p>
-          <a:p>
-            <a:r>
-              <a:rPr lang="en-MY" sz="2400" dirty="0" smtClean="0"/>
+              <a:rPr lang="en-MY" sz="2400" dirty="0"/>
+              <a:t>The Internet is </a:t>
+            </a:r>
+            <a:r>
+              <a:rPr lang="en-MY" sz="2400" dirty="0">
+                <a:highlight>
+                  <a:srgbClr val="FFFF00"/>
+                </a:highlight>
+              </a:rPr>
+              <a:t>a worldwide collection of interconnected networks</a:t>
+            </a:r>
+            <a:r>
+              <a:rPr lang="en-MY" sz="2400" dirty="0"/>
+              <a:t> (internetworks or internet for short), </a:t>
+            </a:r>
+            <a:r>
+              <a:rPr lang="en-MY" sz="2400" dirty="0">
+                <a:highlight>
+                  <a:srgbClr val="FFFF00"/>
+                </a:highlight>
+              </a:rPr>
+              <a:t>cooperating with each other</a:t>
+            </a:r>
+            <a:r>
+              <a:rPr lang="en-MY" sz="2400" dirty="0"/>
+              <a:t> to exchange information </a:t>
+            </a:r>
+            <a:r>
+              <a:rPr lang="en-MY" sz="2400" dirty="0">
+                <a:highlight>
+                  <a:srgbClr val="FFFF00"/>
+                </a:highlight>
+              </a:rPr>
+              <a:t>using common standards</a:t>
+            </a:r>
+            <a:r>
+              <a:rPr lang="en-MY" sz="2400" dirty="0"/>
+              <a:t>. </a:t>
+            </a:r>
+          </a:p>
+          <a:p>
+            <a:r>
+              <a:rPr lang="en-MY" sz="2400" dirty="0"/>
               <a:t>Through telephone wires, </a:t>
             </a:r>
             <a:r>
-              <a:rPr lang="en-MY" sz="2400" dirty="0" err="1" smtClean="0"/>
+              <a:rPr lang="en-MY" sz="2400" dirty="0" err="1"/>
               <a:t>fiber</a:t>
             </a:r>
             <a:r>
-              <a:rPr lang="en-MY" sz="2400" dirty="0" smtClean="0"/>
+              <a:rPr lang="en-MY" sz="2400" dirty="0"/>
               <a:t> optic cables, wireless transmissions, and satellite links, Internet users can exchange information in a variety of forms.</a:t>
             </a:r>
           </a:p>
@@ -15091,16 +14955,9 @@
   <p:clrMapOvr>
     <a:masterClrMapping/>
   </p:clrMapOvr>
-  <p:transition xmlns:p14="http://schemas.microsoft.com/office/powerpoint/2010/main" spd="med">
+  <p:transition spd="med">
     <p:wipe dir="r"/>
   </p:transition>
-  <p:timing>
-    <p:tnLst>
-      <p:par>
-        <p:cTn xmlns:p14="http://schemas.microsoft.com/office/powerpoint/2010/main" id="1" dur="indefinite" restart="never" nodeType="tmRoot"/>
-      </p:par>
-    </p:tnLst>
-  </p:timing>
 </p:sld>
 </file>
 
@@ -15140,16 +14997,10 @@
           <a:p>
             <a:pPr eaLnBrk="1" hangingPunct="1"/>
             <a:r>
-              <a:rPr lang="en-US" sz="4000" dirty="0" smtClean="0">
-                <a:latin typeface="Arial" charset="0"/>
-              </a:rPr>
-              <a:t>Intranet </a:t>
-            </a:r>
-            <a:r>
               <a:rPr lang="en-US" sz="4000" dirty="0">
                 <a:latin typeface="Arial" charset="0"/>
               </a:rPr>
-              <a:t>and Extranet</a:t>
+              <a:t>Intranet and Extranet</a:t>
             </a:r>
             <a:endParaRPr lang="en-US" dirty="0">
               <a:latin typeface="Arial" charset="0"/>
@@ -15193,14 +15044,14 @@
           <a:effectLst/>
           <a:extLst>
             <a:ext uri="{909E8E84-426E-40dd-AFC4-6F175D3DCCD1}">
-              <a14:hiddenFill xmlns:a14="http://schemas.microsoft.com/office/drawing/2010/main">
+              <a14:hiddenFill xmlns:a14="http://schemas.microsoft.com/office/drawing/2010/main" xmlns="">
                 <a:solidFill>
                   <a:schemeClr val="accent1"/>
                 </a:solidFill>
               </a14:hiddenFill>
             </a:ext>
             <a:ext uri="{91240B29-F687-4f45-9708-019B960494DF}">
-              <a14:hiddenLine xmlns:a14="http://schemas.microsoft.com/office/drawing/2010/main" w="9525">
+              <a14:hiddenLine xmlns:a14="http://schemas.microsoft.com/office/drawing/2010/main" xmlns="" w="9525">
                 <a:solidFill>
                   <a:schemeClr val="tx1"/>
                 </a:solidFill>
@@ -15210,7 +15061,7 @@
               </a14:hiddenLine>
             </a:ext>
             <a:ext uri="{AF507438-7753-43e0-B8FC-AC1667EBCBE1}">
-              <a14:hiddenEffects xmlns:a14="http://schemas.microsoft.com/office/drawing/2010/main">
+              <a14:hiddenEffects xmlns:a14="http://schemas.microsoft.com/office/drawing/2010/main" xmlns="">
                 <a:effectLst>
                   <a:outerShdw dist="35921" dir="2700000" algn="ctr" rotWithShape="0">
                     <a:schemeClr val="bg2"/>
@@ -15243,13 +15094,6 @@
       </p:transition>
     </mc:Fallback>
   </mc:AlternateContent>
-  <p:timing>
-    <p:tnLst>
-      <p:par>
-        <p:cTn xmlns:p14="http://schemas.microsoft.com/office/powerpoint/2010/main" id="1" dur="indefinite" restart="never" nodeType="tmRoot"/>
-      </p:par>
-    </p:tnLst>
-  </p:timing>
 </p:sld>
 </file>
 
@@ -15291,13 +15135,69 @@
           <a:lstStyle/>
           <a:p>
             <a:r>
-              <a:rPr lang="en-MY" dirty="0" smtClean="0"/>
-              <a:t>Intranet is a term often used to refer to a private connection of LANs and WANs that belongs to an organization, and is designed to be accessible only by the organization's members, employees, or others with authorization. </a:t>
-            </a:r>
-          </a:p>
-          <a:p>
-            <a:r>
-              <a:rPr lang="en-MY" dirty="0" smtClean="0"/>
+              <a:rPr lang="en-MY" dirty="0">
+                <a:highlight>
+                  <a:srgbClr val="FFFF00"/>
+                </a:highlight>
+              </a:rPr>
+              <a:t>Intranet</a:t>
+            </a:r>
+            <a:r>
+              <a:rPr lang="en-MY" dirty="0"/>
+              <a:t> is a term often used to refer to a </a:t>
+            </a:r>
+            <a:r>
+              <a:rPr lang="en-MY" dirty="0">
+                <a:highlight>
+                  <a:srgbClr val="FFFF00"/>
+                </a:highlight>
+              </a:rPr>
+              <a:t>private connection</a:t>
+            </a:r>
+            <a:r>
+              <a:rPr lang="en-MY" dirty="0"/>
+              <a:t> of LANs and WANs that </a:t>
+            </a:r>
+            <a:r>
+              <a:rPr lang="en-MY" dirty="0">
+                <a:highlight>
+                  <a:srgbClr val="FFFF00"/>
+                </a:highlight>
+              </a:rPr>
+              <a:t>belongs to an organization</a:t>
+            </a:r>
+            <a:r>
+              <a:rPr lang="en-MY" dirty="0"/>
+              <a:t>, and is designed to be </a:t>
+            </a:r>
+            <a:r>
+              <a:rPr lang="en-MY" dirty="0">
+                <a:highlight>
+                  <a:srgbClr val="FFFF00"/>
+                </a:highlight>
+              </a:rPr>
+              <a:t>accessible</a:t>
+            </a:r>
+            <a:r>
+              <a:rPr lang="en-MY" dirty="0"/>
+              <a:t> only by the </a:t>
+            </a:r>
+            <a:r>
+              <a:rPr lang="en-MY" dirty="0">
+                <a:highlight>
+                  <a:srgbClr val="FFFF00"/>
+                </a:highlight>
+              </a:rPr>
+              <a:t>organization's members</a:t>
+            </a:r>
+            <a:r>
+              <a:rPr lang="en-MY" dirty="0"/>
+              <a:t>, employees, or others with authorization. </a:t>
+            </a:r>
+          </a:p>
+          <a:p>
+            <a:r>
+              <a:rPr lang="en-MY" dirty="0"/>
               <a:t>Intranets are basically an internet which is usually only accessible from within the organization.</a:t>
             </a:r>
           </a:p>
@@ -15327,7 +15227,7 @@
           <a:p>
             <a:pPr eaLnBrk="1" hangingPunct="1"/>
             <a:r>
-              <a:rPr lang="en-US" sz="4000" dirty="0" smtClean="0">
+              <a:rPr lang="en-US" sz="4000" dirty="0">
                 <a:latin typeface="Arial" charset="0"/>
               </a:rPr>
               <a:t>Intranet</a:t>
@@ -15374,7 +15274,7 @@
           <a:lstStyle/>
           <a:p>
             <a:r>
-              <a:rPr lang="en-MY" dirty="0" smtClean="0"/>
+              <a:rPr lang="en-MY" dirty="0"/>
               <a:t>Intranet – only accessible by employees</a:t>
             </a:r>
           </a:p>
@@ -15384,7 +15284,7 @@
               <a:buChar char="-"/>
             </a:pPr>
             <a:r>
-              <a:rPr lang="en-MY" dirty="0" smtClean="0"/>
+              <a:rPr lang="en-MY" dirty="0"/>
               <a:t>From within the company</a:t>
             </a:r>
           </a:p>
@@ -15394,10 +15294,9 @@
               <a:buChar char="-"/>
             </a:pPr>
             <a:r>
-              <a:rPr lang="en-MY" dirty="0" smtClean="0"/>
+              <a:rPr lang="en-MY" dirty="0"/>
               <a:t>From home or outside the company</a:t>
             </a:r>
-            <a:endParaRPr lang="en-MY" dirty="0"/>
           </a:p>
         </p:txBody>
       </p:sp>
@@ -15423,13 +15322,6 @@
       </p:transition>
     </mc:Fallback>
   </mc:AlternateContent>
-  <p:timing>
-    <p:tnLst>
-      <p:par>
-        <p:cTn xmlns:p14="http://schemas.microsoft.com/office/powerpoint/2010/main" id="1" dur="indefinite" restart="never" nodeType="tmRoot"/>
-      </p:par>
-    </p:tnLst>
-  </p:timing>
 </p:sld>
 </file>
 
@@ -15473,25 +15365,69 @@
           <a:lstStyle/>
           <a:p>
             <a:r>
-              <a:rPr lang="en-MY" dirty="0" smtClean="0"/>
-              <a:t>An organization may use an extranet to provide secure and safe access to individuals who work for a different organizations, but require company data. Examples of extranets include:</a:t>
-            </a:r>
-          </a:p>
-          <a:p>
-            <a:r>
-              <a:rPr lang="en-MY" dirty="0" smtClean="0"/>
+              <a:rPr lang="en-MY" dirty="0">
+                <a:highlight>
+                  <a:srgbClr val="FFFF00"/>
+                </a:highlight>
+              </a:rPr>
+              <a:t>An organization </a:t>
+            </a:r>
+            <a:r>
+              <a:rPr lang="en-MY" dirty="0"/>
+              <a:t>may use an </a:t>
+            </a:r>
+            <a:r>
+              <a:rPr lang="en-MY" dirty="0">
+                <a:highlight>
+                  <a:srgbClr val="FFFF00"/>
+                </a:highlight>
+              </a:rPr>
+              <a:t>extranet</a:t>
+            </a:r>
+            <a:r>
+              <a:rPr lang="en-MY" dirty="0"/>
+              <a:t> to </a:t>
+            </a:r>
+            <a:r>
+              <a:rPr lang="en-MY" dirty="0">
+                <a:highlight>
+                  <a:srgbClr val="FFFF00"/>
+                </a:highlight>
+              </a:rPr>
+              <a:t>provide secure and safe access</a:t>
+            </a:r>
+            <a:r>
+              <a:rPr lang="en-MY" dirty="0"/>
+              <a:t> to </a:t>
+            </a:r>
+            <a:r>
+              <a:rPr lang="en-MY" dirty="0">
+                <a:highlight>
+                  <a:srgbClr val="FFFF00"/>
+                </a:highlight>
+              </a:rPr>
+              <a:t>individuals who work for a different organizations, but require company data</a:t>
+            </a:r>
+            <a:r>
+              <a:rPr lang="en-MY" dirty="0"/>
+              <a:t>. Examples of extranets include:</a:t>
+            </a:r>
+          </a:p>
+          <a:p>
+            <a:r>
+              <a:rPr lang="en-MY" dirty="0"/>
               <a:t>A company providing access to outside suppliers/contractors.</a:t>
             </a:r>
           </a:p>
           <a:p>
             <a:r>
-              <a:rPr lang="en-MY" dirty="0" smtClean="0"/>
+              <a:rPr lang="en-MY" dirty="0"/>
               <a:t>A hospital providing a booking system to doctors so they can make appointments for their patients.</a:t>
             </a:r>
           </a:p>
           <a:p>
             <a:r>
-              <a:rPr lang="en-MY" dirty="0" smtClean="0"/>
+              <a:rPr lang="en-MY" dirty="0"/>
               <a:t>A local office of education providing budget and personnel information to the schools in its district.</a:t>
             </a:r>
           </a:p>
@@ -15499,7 +15435,7 @@
             <a:endParaRPr lang="en-MY" dirty="0"/>
           </a:p>
           <a:p>
-            <a:endParaRPr lang="en-MY" dirty="0" smtClean="0"/>
+            <a:endParaRPr lang="en-MY" dirty="0"/>
           </a:p>
           <a:p>
             <a:endParaRPr lang="en-MY" dirty="0"/>
@@ -15528,7 +15464,7 @@
           <a:p>
             <a:pPr eaLnBrk="1" hangingPunct="1"/>
             <a:r>
-              <a:rPr lang="en-US" sz="4000" dirty="0" smtClean="0">
+              <a:rPr lang="en-US" sz="4000" dirty="0">
                 <a:latin typeface="Arial" charset="0"/>
               </a:rPr>
               <a:t>Extranet</a:t>
@@ -15575,10 +15511,9 @@
           <a:lstStyle/>
           <a:p>
             <a:r>
-              <a:rPr lang="en-MY" dirty="0" smtClean="0"/>
+              <a:rPr lang="en-MY" dirty="0"/>
               <a:t>Extranet – allow third party to access</a:t>
             </a:r>
-            <a:endParaRPr lang="en-MY" dirty="0"/>
           </a:p>
         </p:txBody>
       </p:sp>
@@ -15604,13 +15539,6 @@
       </p:transition>
     </mc:Fallback>
   </mc:AlternateContent>
-  <p:timing>
-    <p:tnLst>
-      <p:par>
-        <p:cTn xmlns:p14="http://schemas.microsoft.com/office/powerpoint/2010/main" id="1" dur="indefinite" restart="never" nodeType="tmRoot"/>
-      </p:par>
-    </p:tnLst>
-  </p:timing>
 </p:sld>
 </file>
 
@@ -15681,13 +15609,6 @@
       </p:transition>
     </mc:Fallback>
   </mc:AlternateContent>
-  <p:timing>
-    <p:tnLst>
-      <p:par>
-        <p:cTn xmlns:p14="http://schemas.microsoft.com/office/powerpoint/2010/main" id="1" dur="indefinite" restart="never" nodeType="tmRoot"/>
-      </p:par>
-    </p:tnLst>
-  </p:timing>
 </p:sld>
 </file>
 
@@ -15730,14 +15651,11 @@
           <a:p>
             <a:pPr eaLnBrk="1" hangingPunct="1"/>
             <a:r>
-              <a:rPr lang="en-US" dirty="0" smtClean="0">
+              <a:rPr lang="en-US" dirty="0">
                 <a:latin typeface="Arial" charset="0"/>
               </a:rPr>
               <a:t>The Converging Network</a:t>
             </a:r>
-            <a:endParaRPr lang="en-US" dirty="0">
-              <a:latin typeface="Arial" charset="0"/>
-            </a:endParaRPr>
           </a:p>
         </p:txBody>
       </p:sp>
@@ -15771,16 +15689,9 @@
   <p:clrMapOvr>
     <a:masterClrMapping/>
   </p:clrMapOvr>
-  <p:transition xmlns:p14="http://schemas.microsoft.com/office/powerpoint/2010/main" spd="med">
+  <p:transition spd="med">
     <p:wipe dir="r"/>
   </p:transition>
-  <p:timing>
-    <p:tnLst>
-      <p:par>
-        <p:cTn xmlns:p14="http://schemas.microsoft.com/office/powerpoint/2010/main" id="1" dur="indefinite" restart="never" nodeType="tmRoot"/>
-      </p:par>
-    </p:tnLst>
-  </p:timing>
 </p:sld>
 </file>
 
@@ -15849,14 +15760,11 @@
           <a:p>
             <a:pPr eaLnBrk="1" hangingPunct="1"/>
             <a:r>
-              <a:rPr lang="en-US" dirty="0" smtClean="0">
+              <a:rPr lang="en-US" dirty="0">
                 <a:latin typeface="Arial" charset="0"/>
               </a:rPr>
               <a:t>The Converging Network</a:t>
             </a:r>
-            <a:endParaRPr lang="en-US" dirty="0">
-              <a:latin typeface="Arial" charset="0"/>
-            </a:endParaRPr>
           </a:p>
         </p:txBody>
       </p:sp>
@@ -15882,13 +15790,6 @@
       </p:transition>
     </mc:Fallback>
   </mc:AlternateContent>
-  <p:timing>
-    <p:tnLst>
-      <p:par>
-        <p:cTn xmlns:p14="http://schemas.microsoft.com/office/powerpoint/2010/main" id="1" dur="indefinite" restart="never" nodeType="tmRoot"/>
-      </p:par>
-    </p:tnLst>
-  </p:timing>
 </p:sld>
 </file>
 
@@ -15932,13 +15833,8 @@
             <a:pPr eaLnBrk="1" hangingPunct="1"/>
             <a:r>
               <a:rPr lang="en-US" sz="1800" dirty="0"/>
-              <a:t>1.4  </a:t>
-            </a:r>
-            <a:r>
-              <a:rPr lang="en-US" sz="1800" dirty="0" smtClean="0"/>
-              <a:t>Trends of Computer Networking</a:t>
-            </a:r>
-            <a:endParaRPr lang="en-US" sz="1800" dirty="0"/>
+              <a:t>1.4  Trends of Computer Networking</a:t>
+            </a:r>
           </a:p>
         </p:txBody>
       </p:sp>
@@ -15964,13 +15860,6 @@
       </p:transition>
     </mc:Fallback>
   </mc:AlternateContent>
-  <p:timing>
-    <p:tnLst>
-      <p:par>
-        <p:cTn xmlns:p14="http://schemas.microsoft.com/office/powerpoint/2010/main" id="1" dur="indefinite" restart="never" nodeType="tmRoot"/>
-      </p:par>
-    </p:tnLst>
-  </p:timing>
 </p:sld>
 </file>
 
@@ -16013,16 +15902,10 @@
           <a:p>
             <a:pPr eaLnBrk="1" hangingPunct="1"/>
             <a:r>
-              <a:rPr lang="en-US" dirty="0" smtClean="0">
-                <a:latin typeface="Arial" charset="0"/>
-              </a:rPr>
-              <a:t>New </a:t>
-            </a:r>
-            <a:r>
               <a:rPr lang="en-US" dirty="0">
                 <a:latin typeface="Arial" charset="0"/>
               </a:rPr>
-              <a:t>trends</a:t>
+              <a:t>New trends</a:t>
             </a:r>
           </a:p>
         </p:txBody>
@@ -16046,31 +15929,31 @@
               <a:buNone/>
             </a:pPr>
             <a:r>
-              <a:rPr lang="en-US" sz="2000" dirty="0" smtClean="0"/>
+              <a:rPr lang="en-US" sz="2000" dirty="0"/>
               <a:t>Some of the top trends include:</a:t>
             </a:r>
           </a:p>
           <a:p>
             <a:r>
-              <a:rPr lang="en-US" sz="2000" dirty="0" smtClean="0"/>
+              <a:rPr lang="en-US" sz="2000" dirty="0"/>
               <a:t>Bring Your Own Device (BYOD)</a:t>
             </a:r>
           </a:p>
           <a:p>
             <a:r>
-              <a:rPr lang="en-US" sz="2000" dirty="0" smtClean="0"/>
+              <a:rPr lang="en-US" sz="2000" dirty="0"/>
               <a:t>Online collaboration</a:t>
             </a:r>
           </a:p>
           <a:p>
             <a:r>
-              <a:rPr lang="en-US" sz="2000" dirty="0" smtClean="0"/>
+              <a:rPr lang="en-US" sz="2000" dirty="0"/>
               <a:t>Video</a:t>
             </a:r>
           </a:p>
           <a:p>
             <a:r>
-              <a:rPr lang="en-US" sz="2000" dirty="0" smtClean="0"/>
+              <a:rPr lang="en-US" sz="2000" dirty="0"/>
               <a:t>Cloud computing</a:t>
             </a:r>
           </a:p>
@@ -16096,13 +15979,6 @@
       </p:transition>
     </mc:Fallback>
   </mc:AlternateContent>
-  <p:timing>
-    <p:tnLst>
-      <p:par>
-        <p:cTn xmlns:p14="http://schemas.microsoft.com/office/powerpoint/2010/main" id="1" dur="indefinite" restart="never" nodeType="tmRoot"/>
-      </p:par>
-    </p:tnLst>
-  </p:timing>
 </p:sld>
 </file>
 
@@ -16145,16 +16021,10 @@
           <a:p>
             <a:pPr eaLnBrk="1" hangingPunct="1"/>
             <a:r>
-              <a:rPr lang="en-US" dirty="0" smtClean="0">
-                <a:latin typeface="Arial" charset="0"/>
-              </a:rPr>
-              <a:t>Bring </a:t>
-            </a:r>
-            <a:r>
               <a:rPr lang="en-US" dirty="0">
                 <a:latin typeface="Arial" charset="0"/>
               </a:rPr>
-              <a:t>Your Own Device (BYOD)</a:t>
+              <a:t>Bring Your Own Device (BYOD)</a:t>
             </a:r>
           </a:p>
         </p:txBody>
@@ -16195,14 +16065,14 @@
           <a:effectLst/>
           <a:extLst>
             <a:ext uri="{909E8E84-426E-40dd-AFC4-6F175D3DCCD1}">
-              <a14:hiddenFill xmlns:a14="http://schemas.microsoft.com/office/drawing/2010/main">
+              <a14:hiddenFill xmlns:a14="http://schemas.microsoft.com/office/drawing/2010/main" xmlns="">
                 <a:solidFill>
                   <a:schemeClr val="accent1"/>
                 </a:solidFill>
               </a14:hiddenFill>
             </a:ext>
             <a:ext uri="{91240B29-F687-4f45-9708-019B960494DF}">
-              <a14:hiddenLine xmlns:a14="http://schemas.microsoft.com/office/drawing/2010/main" w="9525">
+              <a14:hiddenLine xmlns:a14="http://schemas.microsoft.com/office/drawing/2010/main" xmlns="" w="9525">
                 <a:solidFill>
                   <a:schemeClr val="tx1"/>
                 </a:solidFill>
@@ -16212,7 +16082,7 @@
               </a14:hiddenLine>
             </a:ext>
             <a:ext uri="{AF507438-7753-43e0-B8FC-AC1667EBCBE1}">
-              <a14:hiddenEffects xmlns:a14="http://schemas.microsoft.com/office/drawing/2010/main">
+              <a14:hiddenEffects xmlns:a14="http://schemas.microsoft.com/office/drawing/2010/main" xmlns="">
                 <a:effectLst>
                   <a:outerShdw dist="35921" dir="2700000" algn="ctr" rotWithShape="0">
                     <a:schemeClr val="bg2"/>
@@ -16245,12 +16115,8 @@
           <a:lstStyle/>
           <a:p>
             <a:r>
-              <a:rPr lang="en-US" sz="2000" strike="sngStrike" dirty="0" smtClean="0"/>
-              <a:t>The concept </a:t>
-            </a:r>
-            <a:r>
               <a:rPr lang="en-US" sz="2000" strike="sngStrike" dirty="0"/>
-              <a:t>of any device, to any content, in anyway is a major global trend that requires significant changes to the way devices are used</a:t>
+              <a:t>The concept of any device, to any content, in anyway is a major global trend that requires significant changes to the way devices are used</a:t>
             </a:r>
             <a:r>
               <a:rPr lang="en-US" sz="2000" dirty="0"/>
@@ -16295,7 +16161,7 @@
           <a:lstStyle/>
           <a:p>
             <a:r>
-              <a:rPr lang="en-MY" dirty="0" smtClean="0"/>
+              <a:rPr lang="en-MY" dirty="0"/>
               <a:t>Employee provide the devices to connect to the  network.</a:t>
             </a:r>
           </a:p>
@@ -16304,14 +16170,13 @@
           </a:p>
           <a:p>
             <a:r>
-              <a:rPr lang="en-MY" dirty="0" err="1" smtClean="0"/>
+              <a:rPr lang="en-MY" dirty="0" err="1"/>
               <a:t>Ie</a:t>
             </a:r>
             <a:r>
-              <a:rPr lang="en-MY" dirty="0" smtClean="0"/>
+              <a:rPr lang="en-MY" dirty="0"/>
               <a:t>. Own laptop, tablet</a:t>
             </a:r>
-            <a:endParaRPr lang="en-MY" dirty="0"/>
           </a:p>
         </p:txBody>
       </p:sp>
@@ -16332,13 +16197,6 @@
       </p:transition>
     </mc:Fallback>
   </mc:AlternateContent>
-  <p:timing>
-    <p:tnLst>
-      <p:par>
-        <p:cTn xmlns:p14="http://schemas.microsoft.com/office/powerpoint/2010/main" id="1" dur="indefinite" restart="never" nodeType="tmRoot"/>
-      </p:par>
-    </p:tnLst>
-  </p:timing>
 </p:sld>
 </file>
 
@@ -16419,33 +16277,20 @@
               <a:rPr lang="en-US" dirty="0"/>
               <a:t>The network devices that people are most familiar with are called </a:t>
             </a:r>
-            <a:endParaRPr lang="en-US" dirty="0" smtClean="0"/>
           </a:p>
           <a:p>
             <a:pPr algn="just"/>
             <a:r>
-              <a:rPr lang="en-US" b="1" dirty="0" smtClean="0">
+              <a:rPr lang="en-US" b="1" dirty="0">
                 <a:solidFill>
                   <a:srgbClr val="0000FF"/>
                 </a:solidFill>
               </a:rPr>
-              <a:t>end </a:t>
-            </a:r>
-            <a:r>
-              <a:rPr lang="en-US" b="1" dirty="0">
-                <a:solidFill>
-                  <a:srgbClr val="0000FF"/>
-                </a:solidFill>
-              </a:rPr>
-              <a:t>devices</a:t>
+              <a:t>end devices</a:t>
             </a:r>
             <a:r>
               <a:rPr lang="en-US" dirty="0"/>
-              <a:t>, </a:t>
-            </a:r>
-            <a:r>
-              <a:rPr lang="en-US" dirty="0" smtClean="0"/>
-              <a:t>or </a:t>
+              <a:t>, or </a:t>
             </a:r>
             <a:r>
               <a:rPr lang="en-US" b="1" dirty="0">
@@ -16457,38 +16302,14 @@
             </a:r>
             <a:r>
               <a:rPr lang="en-US" dirty="0"/>
-              <a:t>. </a:t>
-            </a:r>
-            <a:r>
-              <a:rPr lang="en-US" dirty="0" smtClean="0"/>
-              <a:t>These </a:t>
-            </a:r>
+              <a:t>. These devices form the interface between</a:t>
+            </a:r>
+          </a:p>
+          <a:p>
+            <a:pPr algn="just"/>
             <a:r>
               <a:rPr lang="en-US" dirty="0"/>
-              <a:t>devices form the interface </a:t>
-            </a:r>
-            <a:r>
-              <a:rPr lang="en-US" dirty="0" smtClean="0"/>
-              <a:t>between</a:t>
-            </a:r>
-          </a:p>
-          <a:p>
-            <a:pPr algn="just"/>
-            <a:r>
-              <a:rPr lang="en-US" dirty="0" smtClean="0"/>
-              <a:t>users </a:t>
-            </a:r>
-            <a:r>
-              <a:rPr lang="en-US" dirty="0"/>
-              <a:t>and the underlying </a:t>
-            </a:r>
-            <a:r>
-              <a:rPr lang="en-US" dirty="0" smtClean="0"/>
-              <a:t>communication </a:t>
-            </a:r>
-            <a:r>
-              <a:rPr lang="en-US" dirty="0"/>
-              <a:t>network. </a:t>
+              <a:t>users and the underlying communication network. </a:t>
             </a:r>
           </a:p>
         </p:txBody>
@@ -16536,18 +16357,9 @@
               <a:buNone/>
             </a:pPr>
             <a:r>
-              <a:rPr lang="en-US" dirty="0" smtClean="0"/>
-              <a:t> </a:t>
-            </a:r>
-            <a:r>
               <a:rPr lang="en-US" dirty="0"/>
-              <a:t>End device – familiar network </a:t>
-            </a:r>
-            <a:r>
-              <a:rPr lang="en-US" dirty="0" smtClean="0"/>
-              <a:t>devices</a:t>
-            </a:r>
-            <a:endParaRPr lang="en-US" dirty="0"/>
+              <a:t> End device – familiar network devices</a:t>
+            </a:r>
           </a:p>
           <a:p>
             <a:pPr>
@@ -16559,15 +16371,7 @@
             </a:pPr>
             <a:r>
               <a:rPr lang="en-US" dirty="0"/>
-              <a:t>- </a:t>
-            </a:r>
-            <a:r>
-              <a:rPr lang="en-US" dirty="0" smtClean="0"/>
-              <a:t>Interfaces </a:t>
-            </a:r>
-            <a:r>
-              <a:rPr lang="en-US" dirty="0"/>
-              <a:t>between users and the network</a:t>
+              <a:t>- Interfaces between users and the network</a:t>
             </a:r>
           </a:p>
           <a:p>
@@ -16597,13 +16401,6 @@
       </p:transition>
     </mc:Fallback>
   </mc:AlternateContent>
-  <p:timing>
-    <p:tnLst>
-      <p:par>
-        <p:cTn xmlns:p14="http://schemas.microsoft.com/office/powerpoint/2010/main" id="1" dur="indefinite" restart="never" nodeType="tmRoot"/>
-      </p:par>
-    </p:tnLst>
-  </p:timing>
 </p:sld>
 </file>
 
@@ -16646,16 +16443,10 @@
           <a:p>
             <a:pPr eaLnBrk="1" hangingPunct="1"/>
             <a:r>
-              <a:rPr lang="en-US" dirty="0" smtClean="0">
-                <a:latin typeface="Arial" charset="0"/>
-              </a:rPr>
-              <a:t>Cloud </a:t>
-            </a:r>
-            <a:r>
               <a:rPr lang="en-US" dirty="0">
                 <a:latin typeface="Arial" charset="0"/>
               </a:rPr>
-              <a:t>Computing</a:t>
+              <a:t>Cloud Computing</a:t>
             </a:r>
           </a:p>
         </p:txBody>
@@ -16685,61 +16476,40 @@
           </a:p>
           <a:p>
             <a:r>
-              <a:rPr lang="en-US" sz="2000" dirty="0" smtClean="0"/>
+              <a:rPr lang="en-US" sz="2000" dirty="0"/>
               <a:t>Organizational flexibility</a:t>
             </a:r>
-            <a:endParaRPr lang="en-US" sz="2000" dirty="0"/>
           </a:p>
           <a:p>
             <a:r>
               <a:rPr lang="en-US" sz="2000" dirty="0"/>
               <a:t>Agility and rapid deployment </a:t>
             </a:r>
-            <a:endParaRPr lang="en-US" sz="2000" dirty="0" smtClean="0"/>
-          </a:p>
-          <a:p>
-            <a:r>
-              <a:rPr lang="en-US" sz="2000" dirty="0" smtClean="0"/>
-              <a:t>Reduced </a:t>
-            </a:r>
+          </a:p>
+          <a:p>
             <a:r>
               <a:rPr lang="en-US" sz="2000" dirty="0"/>
-              <a:t>cost of </a:t>
-            </a:r>
-            <a:r>
-              <a:rPr lang="en-US" sz="2000" dirty="0" smtClean="0"/>
-              <a:t>infrastructure</a:t>
-            </a:r>
-            <a:endParaRPr lang="en-US" sz="2000" dirty="0"/>
+              <a:t>Reduced cost of infrastructure</a:t>
+            </a:r>
           </a:p>
           <a:p>
             <a:r>
               <a:rPr lang="en-US" sz="2000" dirty="0"/>
-              <a:t>Refocus of IT </a:t>
-            </a:r>
-            <a:r>
-              <a:rPr lang="en-US" sz="2000" dirty="0" smtClean="0"/>
-              <a:t>resources</a:t>
-            </a:r>
-            <a:endParaRPr lang="en-US" sz="2000" dirty="0"/>
+              <a:t>Refocus of IT resources</a:t>
+            </a:r>
           </a:p>
           <a:p>
             <a:r>
               <a:rPr lang="en-US" sz="2000" dirty="0"/>
               <a:t>Creation of new business </a:t>
             </a:r>
-            <a:r>
-              <a:rPr lang="en-US" sz="2000" dirty="0" smtClean="0"/>
-              <a:t/>
-            </a:r>
             <a:br>
-              <a:rPr lang="en-US" sz="2000" dirty="0" smtClean="0"/>
+              <a:rPr lang="en-US" sz="2000" dirty="0"/>
             </a:br>
             <a:r>
-              <a:rPr lang="en-US" sz="2000" dirty="0" smtClean="0"/>
+              <a:rPr lang="en-US" sz="2000" dirty="0"/>
               <a:t>models</a:t>
             </a:r>
-            <a:endParaRPr lang="en-US" sz="2000" dirty="0"/>
           </a:p>
         </p:txBody>
       </p:sp>
@@ -16779,14 +16549,14 @@
           <a:effectLst/>
           <a:extLst>
             <a:ext uri="{909E8E84-426E-40dd-AFC4-6F175D3DCCD1}">
-              <a14:hiddenFill xmlns:a14="http://schemas.microsoft.com/office/drawing/2010/main">
+              <a14:hiddenFill xmlns:a14="http://schemas.microsoft.com/office/drawing/2010/main" xmlns="">
                 <a:solidFill>
                   <a:schemeClr val="accent1"/>
                 </a:solidFill>
               </a14:hiddenFill>
             </a:ext>
             <a:ext uri="{91240B29-F687-4f45-9708-019B960494DF}">
-              <a14:hiddenLine xmlns:a14="http://schemas.microsoft.com/office/drawing/2010/main" w="9525">
+              <a14:hiddenLine xmlns:a14="http://schemas.microsoft.com/office/drawing/2010/main" xmlns="" w="9525">
                 <a:solidFill>
                   <a:schemeClr val="tx1"/>
                 </a:solidFill>
@@ -16796,7 +16566,7 @@
               </a14:hiddenLine>
             </a:ext>
             <a:ext uri="{AF507438-7753-43e0-B8FC-AC1667EBCBE1}">
-              <a14:hiddenEffects xmlns:a14="http://schemas.microsoft.com/office/drawing/2010/main">
+              <a14:hiddenEffects xmlns:a14="http://schemas.microsoft.com/office/drawing/2010/main" xmlns="">
                 <a:effectLst>
                   <a:outerShdw dist="35921" dir="2700000" algn="ctr" rotWithShape="0">
                     <a:schemeClr val="bg2"/>
@@ -16843,16 +16613,15 @@
           <a:lstStyle/>
           <a:p>
             <a:r>
-              <a:rPr lang="en-MY" dirty="0" smtClean="0"/>
+              <a:rPr lang="en-MY" dirty="0"/>
               <a:t>Definition – Storage of data in the internet,</a:t>
             </a:r>
           </a:p>
           <a:p>
             <a:r>
-              <a:rPr lang="en-MY" dirty="0" smtClean="0"/>
+              <a:rPr lang="en-MY" dirty="0"/>
               <a:t>Services or applications that are housed in  the internet</a:t>
             </a:r>
-            <a:endParaRPr lang="en-MY" dirty="0"/>
           </a:p>
         </p:txBody>
       </p:sp>
@@ -16873,13 +16642,6 @@
       </p:transition>
     </mc:Fallback>
   </mc:AlternateContent>
-  <p:timing>
-    <p:tnLst>
-      <p:par>
-        <p:cTn xmlns:p14="http://schemas.microsoft.com/office/powerpoint/2010/main" id="1" dur="indefinite" restart="never" nodeType="tmRoot"/>
-      </p:par>
-    </p:tnLst>
-  </p:timing>
 </p:sld>
 </file>
 
@@ -16917,7 +16679,7 @@
         </p:nvGraphicFramePr>
         <p:xfrm>
           <a:off x="226237" y="418546"/>
-          <a:ext cx="8734426" cy="6131559"/>
+          <a:ext cx="8734426" cy="6131560"/>
         </p:xfrm>
         <a:graphic>
           <a:graphicData uri="http://schemas.openxmlformats.org/drawingml/2006/table">
@@ -16926,8 +16688,20 @@
                 <a:tableStyleId>{5C22544A-7EE6-4342-B048-85BDC9FD1C3A}</a:tableStyleId>
               </a:tblPr>
               <a:tblGrid>
-                <a:gridCol w="2138300"/>
-                <a:gridCol w="6596126"/>
+                <a:gridCol w="2138300">
+                  <a:extLst>
+                    <a:ext uri="{9D8B030D-6E8A-4147-A177-3AD203B41FA5}">
+                      <a16:colId xmlns:a16="http://schemas.microsoft.com/office/drawing/2014/main" val="20000"/>
+                    </a:ext>
+                  </a:extLst>
+                </a:gridCol>
+                <a:gridCol w="6596126">
+                  <a:extLst>
+                    <a:ext uri="{9D8B030D-6E8A-4147-A177-3AD203B41FA5}">
+                      <a16:colId xmlns:a16="http://schemas.microsoft.com/office/drawing/2014/main" val="20001"/>
+                    </a:ext>
+                  </a:extLst>
+                </a:gridCol>
               </a:tblGrid>
               <a:tr h="370840">
                 <a:tc>
@@ -16937,10 +16711,9 @@
                     <a:p>
                       <a:pPr algn="ctr"/>
                       <a:r>
-                        <a:rPr lang="en-US" sz="2400" dirty="0" smtClean="0"/>
+                        <a:rPr lang="en-US" sz="2400" dirty="0"/>
                         <a:t>Term</a:t>
                       </a:r>
-                      <a:endParaRPr lang="en-US" sz="2400" dirty="0"/>
                     </a:p>
                   </a:txBody>
                   <a:tcPr/>
@@ -16952,14 +16725,18 @@
                     <a:p>
                       <a:pPr algn="ctr"/>
                       <a:r>
-                        <a:rPr lang="en-US" sz="2400" dirty="0" smtClean="0"/>
+                        <a:rPr lang="en-US" sz="2400" dirty="0"/>
                         <a:t>Explanation</a:t>
                       </a:r>
-                      <a:endParaRPr lang="en-US" sz="2400" dirty="0"/>
                     </a:p>
                   </a:txBody>
                   <a:tcPr/>
                 </a:tc>
+                <a:extLst>
+                  <a:ext uri="{0D108BD9-81ED-4DB2-BD59-A6C34878D82A}">
+                    <a16:rowId xmlns:a16="http://schemas.microsoft.com/office/drawing/2014/main" val="10000"/>
+                  </a:ext>
+                </a:extLst>
               </a:tr>
               <a:tr h="370840">
                 <a:tc>
@@ -16968,7 +16745,7 @@
                     <a:lstStyle/>
                     <a:p>
                       <a:r>
-                        <a:rPr lang="en-US" sz="1800" b="0" i="0" kern="1200" dirty="0" smtClean="0">
+                        <a:rPr lang="en-US" sz="1800" b="0" i="0" kern="1200" dirty="0">
                           <a:solidFill>
                             <a:schemeClr val="dk1"/>
                           </a:solidFill>
@@ -17007,7 +16784,7 @@
                         <a:defRPr/>
                       </a:pPr>
                       <a:r>
-                        <a:rPr lang="en-US" sz="1800" b="0" i="0" kern="1200" dirty="0" smtClean="0">
+                        <a:rPr lang="en-US" sz="1800" b="0" i="0" kern="1200" dirty="0">
                           <a:solidFill>
                             <a:schemeClr val="dk1"/>
                           </a:solidFill>
@@ -17023,6 +16800,11 @@
                   </a:txBody>
                   <a:tcPr/>
                 </a:tc>
+                <a:extLst>
+                  <a:ext uri="{0D108BD9-81ED-4DB2-BD59-A6C34878D82A}">
+                    <a16:rowId xmlns:a16="http://schemas.microsoft.com/office/drawing/2014/main" val="10001"/>
+                  </a:ext>
+                </a:extLst>
               </a:tr>
               <a:tr h="370840">
                 <a:tc>
@@ -17031,7 +16813,7 @@
                     <a:lstStyle/>
                     <a:p>
                       <a:r>
-                        <a:rPr lang="en-US" sz="1800" b="0" i="0" kern="1200" dirty="0" smtClean="0">
+                        <a:rPr lang="en-US" sz="1800" b="0" i="0" kern="1200" dirty="0">
                           <a:solidFill>
                             <a:schemeClr val="dk1"/>
                           </a:solidFill>
@@ -17070,7 +16852,7 @@
                         <a:defRPr/>
                       </a:pPr>
                       <a:r>
-                        <a:rPr lang="en-US" sz="1800" b="0" i="0" kern="1200" dirty="0" smtClean="0">
+                        <a:rPr lang="en-US" sz="1800" b="0" i="0" kern="1200" dirty="0">
                           <a:solidFill>
                             <a:schemeClr val="dk1"/>
                           </a:solidFill>
@@ -17086,6 +16868,11 @@
                   </a:txBody>
                   <a:tcPr/>
                 </a:tc>
+                <a:extLst>
+                  <a:ext uri="{0D108BD9-81ED-4DB2-BD59-A6C34878D82A}">
+                    <a16:rowId xmlns:a16="http://schemas.microsoft.com/office/drawing/2014/main" val="10002"/>
+                  </a:ext>
+                </a:extLst>
               </a:tr>
               <a:tr h="370840">
                 <a:tc>
@@ -17094,11 +16881,11 @@
                     <a:lstStyle/>
                     <a:p>
                       <a:r>
-                        <a:rPr lang="en-US" dirty="0" smtClean="0"/>
+                        <a:rPr lang="en-US" dirty="0"/>
                         <a:t>Dialup</a:t>
                       </a:r>
                       <a:r>
-                        <a:rPr lang="en-US" baseline="0" dirty="0" smtClean="0"/>
+                        <a:rPr lang="en-US" baseline="0" dirty="0"/>
                         <a:t> telephone</a:t>
                       </a:r>
                       <a:endParaRPr lang="en-US" dirty="0"/>
@@ -17129,7 +16916,7 @@
                         <a:defRPr/>
                       </a:pPr>
                       <a:r>
-                        <a:rPr lang="en-US" sz="1800" b="0" i="0" kern="1200" dirty="0" smtClean="0">
+                        <a:rPr lang="en-US" sz="1800" b="0" i="0" kern="1200" dirty="0">
                           <a:solidFill>
                             <a:schemeClr val="dk1"/>
                           </a:solidFill>
@@ -17140,11 +16927,16 @@
                         </a:rPr>
                         <a:t>is much slower than either DSL or cable, but is the least expensive option for home users because it can use any telephone line and a simple modem. </a:t>
                       </a:r>
-                      <a:endParaRPr lang="en-US" dirty="0" smtClean="0"/>
+                      <a:endParaRPr lang="en-US" dirty="0"/>
                     </a:p>
                   </a:txBody>
                   <a:tcPr/>
                 </a:tc>
+                <a:extLst>
+                  <a:ext uri="{0D108BD9-81ED-4DB2-BD59-A6C34878D82A}">
+                    <a16:rowId xmlns:a16="http://schemas.microsoft.com/office/drawing/2014/main" val="10003"/>
+                  </a:ext>
+                </a:extLst>
               </a:tr>
               <a:tr h="370840">
                 <a:tc>
@@ -17153,10 +16945,9 @@
                     <a:lstStyle/>
                     <a:p>
                       <a:r>
-                        <a:rPr lang="en-US" dirty="0" smtClean="0"/>
+                        <a:rPr lang="en-US" dirty="0"/>
                         <a:t>satellite</a:t>
                       </a:r>
-                      <a:endParaRPr lang="en-US" dirty="0"/>
                     </a:p>
                   </a:txBody>
                   <a:tcPr/>
@@ -17184,7 +16975,7 @@
                         <a:defRPr/>
                       </a:pPr>
                       <a:r>
-                        <a:rPr lang="en-US" sz="1800" b="0" i="0" kern="1200" dirty="0" smtClean="0">
+                        <a:rPr lang="en-US" sz="1800" b="0" i="0" kern="1200" dirty="0">
                           <a:solidFill>
                             <a:schemeClr val="dk1"/>
                           </a:solidFill>
@@ -17195,11 +16986,16 @@
                         </a:rPr>
                         <a:t>Satellite requires a clear line of sight and is affected by trees and other obstructions. </a:t>
                       </a:r>
-                      <a:endParaRPr lang="en-US" dirty="0" smtClean="0"/>
+                      <a:endParaRPr lang="en-US" dirty="0"/>
                     </a:p>
                   </a:txBody>
                   <a:tcPr/>
                 </a:tc>
+                <a:extLst>
+                  <a:ext uri="{0D108BD9-81ED-4DB2-BD59-A6C34878D82A}">
+                    <a16:rowId xmlns:a16="http://schemas.microsoft.com/office/drawing/2014/main" val="10004"/>
+                  </a:ext>
+                </a:extLst>
               </a:tr>
               <a:tr h="370840">
                 <a:tc>
@@ -17208,10 +17004,9 @@
                     <a:lstStyle/>
                     <a:p>
                       <a:r>
-                        <a:rPr lang="en-US" dirty="0" smtClean="0"/>
+                        <a:rPr lang="en-US" dirty="0"/>
                         <a:t>cable</a:t>
                       </a:r>
-                      <a:endParaRPr lang="en-US" dirty="0"/>
                     </a:p>
                   </a:txBody>
                   <a:tcPr/>
@@ -17239,7 +17034,7 @@
                         <a:defRPr/>
                       </a:pPr>
                       <a:r>
-                        <a:rPr lang="en-US" sz="1800" b="0" i="0" kern="1200" dirty="0" smtClean="0">
+                        <a:rPr lang="en-US" sz="1800" b="0" i="0" kern="1200" dirty="0">
                           <a:solidFill>
                             <a:schemeClr val="dk1"/>
                           </a:solidFill>
@@ -17250,11 +17045,16 @@
                         </a:rPr>
                         <a:t>Cable uses the same coaxial cable that carries television signals into the home to provide Internet access. </a:t>
                       </a:r>
-                      <a:endParaRPr lang="en-US" dirty="0" smtClean="0"/>
+                      <a:endParaRPr lang="en-US" dirty="0"/>
                     </a:p>
                   </a:txBody>
                   <a:tcPr/>
                 </a:tc>
+                <a:extLst>
+                  <a:ext uri="{0D108BD9-81ED-4DB2-BD59-A6C34878D82A}">
+                    <a16:rowId xmlns:a16="http://schemas.microsoft.com/office/drawing/2014/main" val="10005"/>
+                  </a:ext>
+                </a:extLst>
               </a:tr>
               <a:tr h="370840">
                 <a:tc>
@@ -17263,7 +17063,7 @@
                     <a:lstStyle/>
                     <a:p>
                       <a:r>
-                        <a:rPr lang="en-US" sz="1800" b="0" i="0" kern="1200" dirty="0" smtClean="0">
+                        <a:rPr lang="en-US" sz="1800" b="0" i="0" kern="1200" dirty="0">
                           <a:solidFill>
                             <a:schemeClr val="dk1"/>
                           </a:solidFill>
@@ -17302,7 +17102,7 @@
                         <a:defRPr/>
                       </a:pPr>
                       <a:r>
-                        <a:rPr lang="en-US" sz="1800" b="0" i="0" kern="1200" dirty="0" smtClean="0">
+                        <a:rPr lang="en-US" sz="1800" b="0" i="0" kern="1200" dirty="0">
                           <a:solidFill>
                             <a:schemeClr val="dk1"/>
                           </a:solidFill>
@@ -17314,11 +17114,11 @@
                         <a:t>is used to provide Internet connection for a home or an organization.</a:t>
                       </a:r>
                       <a:r>
-                        <a:rPr lang="en-US" dirty="0" smtClean="0"/>
+                        <a:rPr lang="en-US" dirty="0"/>
                         <a:t> </a:t>
                       </a:r>
                       <a:r>
-                        <a:rPr lang="en-US" sz="1800" b="0" i="0" kern="1200" dirty="0" smtClean="0">
+                        <a:rPr lang="en-US" sz="1800" b="0" i="0" kern="1200" dirty="0">
                           <a:solidFill>
                             <a:schemeClr val="dk1"/>
                           </a:solidFill>
@@ -17329,11 +17129,16 @@
                         </a:rPr>
                         <a:t>DSL uses a high-speed modem to split the existing telephone line into voice, download, and upload signal channels. </a:t>
                       </a:r>
-                      <a:endParaRPr lang="en-US" dirty="0" smtClean="0"/>
+                      <a:endParaRPr lang="en-US" dirty="0"/>
                     </a:p>
                   </a:txBody>
                   <a:tcPr/>
                 </a:tc>
+                <a:extLst>
+                  <a:ext uri="{0D108BD9-81ED-4DB2-BD59-A6C34878D82A}">
+                    <a16:rowId xmlns:a16="http://schemas.microsoft.com/office/drawing/2014/main" val="10006"/>
+                  </a:ext>
+                </a:extLst>
               </a:tr>
               <a:tr h="370840">
                 <a:tc>
@@ -17342,7 +17147,7 @@
                     <a:lstStyle/>
                     <a:p>
                       <a:r>
-                        <a:rPr lang="en-US" sz="1800" b="0" i="0" kern="1200" dirty="0" smtClean="0">
+                        <a:rPr lang="en-US" sz="1800" b="0" i="0" kern="1200" dirty="0">
                           <a:solidFill>
                             <a:schemeClr val="dk1"/>
                           </a:solidFill>
@@ -17364,7 +17169,7 @@
                     <a:lstStyle/>
                     <a:p>
                       <a:r>
-                        <a:rPr lang="en-US" sz="1800" b="0" i="0" kern="1200" dirty="0" smtClean="0">
+                        <a:rPr lang="en-US" sz="1800" b="0" i="0" kern="1200" dirty="0">
                           <a:solidFill>
                             <a:schemeClr val="dk1"/>
                           </a:solidFill>
@@ -17380,6 +17185,11 @@
                   </a:txBody>
                   <a:tcPr/>
                 </a:tc>
+                <a:extLst>
+                  <a:ext uri="{0D108BD9-81ED-4DB2-BD59-A6C34878D82A}">
+                    <a16:rowId xmlns:a16="http://schemas.microsoft.com/office/drawing/2014/main" val="10007"/>
+                  </a:ext>
+                </a:extLst>
               </a:tr>
               <a:tr h="370840">
                 <a:tc>
@@ -17388,7 +17198,7 @@
                     <a:lstStyle/>
                     <a:p>
                       <a:r>
-                        <a:rPr lang="en-US" sz="1800" b="0" i="0" kern="1200" dirty="0" smtClean="0">
+                        <a:rPr lang="en-US" sz="1800" b="0" i="0" kern="1200" dirty="0">
                           <a:solidFill>
                             <a:schemeClr val="dk1"/>
                           </a:solidFill>
@@ -17427,7 +17237,7 @@
                         <a:defRPr/>
                       </a:pPr>
                       <a:r>
-                        <a:rPr lang="en-US" sz="1800" b="0" i="0" kern="1200" dirty="0" smtClean="0">
+                        <a:rPr lang="en-US" sz="1800" b="0" i="0" kern="1200" dirty="0">
                           <a:solidFill>
                             <a:schemeClr val="dk1"/>
                           </a:solidFill>
@@ -17443,6 +17253,11 @@
                   </a:txBody>
                   <a:tcPr/>
                 </a:tc>
+                <a:extLst>
+                  <a:ext uri="{0D108BD9-81ED-4DB2-BD59-A6C34878D82A}">
+                    <a16:rowId xmlns:a16="http://schemas.microsoft.com/office/drawing/2014/main" val="10008"/>
+                  </a:ext>
+                </a:extLst>
               </a:tr>
             </a:tbl>
           </a:graphicData>
@@ -17458,13 +17273,6 @@
   <p:clrMapOvr>
     <a:masterClrMapping/>
   </p:clrMapOvr>
-  <p:timing>
-    <p:tnLst>
-      <p:par>
-        <p:cTn xmlns:p14="http://schemas.microsoft.com/office/powerpoint/2010/main" id="1" dur="indefinite" restart="never" nodeType="tmRoot"/>
-      </p:par>
-    </p:tnLst>
-  </p:timing>
 </p:sld>
 </file>
 
@@ -17502,7 +17310,7 @@
         </p:nvGraphicFramePr>
         <p:xfrm>
           <a:off x="226237" y="418546"/>
-          <a:ext cx="8734426" cy="5394959"/>
+          <a:ext cx="8734426" cy="5394960"/>
         </p:xfrm>
         <a:graphic>
           <a:graphicData uri="http://schemas.openxmlformats.org/drawingml/2006/table">
@@ -17511,8 +17319,20 @@
                 <a:tableStyleId>{5C22544A-7EE6-4342-B048-85BDC9FD1C3A}</a:tableStyleId>
               </a:tblPr>
               <a:tblGrid>
-                <a:gridCol w="2138300"/>
-                <a:gridCol w="6596126"/>
+                <a:gridCol w="2138300">
+                  <a:extLst>
+                    <a:ext uri="{9D8B030D-6E8A-4147-A177-3AD203B41FA5}">
+                      <a16:colId xmlns:a16="http://schemas.microsoft.com/office/drawing/2014/main" val="20000"/>
+                    </a:ext>
+                  </a:extLst>
+                </a:gridCol>
+                <a:gridCol w="6596126">
+                  <a:extLst>
+                    <a:ext uri="{9D8B030D-6E8A-4147-A177-3AD203B41FA5}">
+                      <a16:colId xmlns:a16="http://schemas.microsoft.com/office/drawing/2014/main" val="20001"/>
+                    </a:ext>
+                  </a:extLst>
+                </a:gridCol>
               </a:tblGrid>
               <a:tr h="370840">
                 <a:tc>
@@ -17522,10 +17342,9 @@
                     <a:p>
                       <a:pPr algn="ctr"/>
                       <a:r>
-                        <a:rPr lang="en-US" sz="2400" dirty="0" smtClean="0"/>
+                        <a:rPr lang="en-US" sz="2400" dirty="0"/>
                         <a:t>Term</a:t>
                       </a:r>
-                      <a:endParaRPr lang="en-US" sz="2400" dirty="0"/>
                     </a:p>
                   </a:txBody>
                   <a:tcPr/>
@@ -17537,14 +17356,18 @@
                     <a:p>
                       <a:pPr algn="ctr"/>
                       <a:r>
-                        <a:rPr lang="en-US" sz="2400" dirty="0" smtClean="0"/>
+                        <a:rPr lang="en-US" sz="2400" dirty="0"/>
                         <a:t>Explanation</a:t>
                       </a:r>
-                      <a:endParaRPr lang="en-US" sz="2400" dirty="0"/>
                     </a:p>
                   </a:txBody>
                   <a:tcPr/>
                 </a:tc>
+                <a:extLst>
+                  <a:ext uri="{0D108BD9-81ED-4DB2-BD59-A6C34878D82A}">
+                    <a16:rowId xmlns:a16="http://schemas.microsoft.com/office/drawing/2014/main" val="10000"/>
+                  </a:ext>
+                </a:extLst>
               </a:tr>
               <a:tr h="370840">
                 <a:tc>
@@ -17553,10 +17376,9 @@
                     <a:lstStyle/>
                     <a:p>
                       <a:r>
-                        <a:rPr lang="en-US" dirty="0" smtClean="0"/>
+                        <a:rPr lang="en-US" dirty="0"/>
                         <a:t>cable</a:t>
                       </a:r>
-                      <a:endParaRPr lang="en-US" dirty="0"/>
                     </a:p>
                   </a:txBody>
                   <a:tcPr/>
@@ -17584,7 +17406,7 @@
                         <a:defRPr/>
                       </a:pPr>
                       <a:r>
-                        <a:rPr lang="en-US" sz="1800" b="0" i="0" kern="1200" dirty="0" smtClean="0">
+                        <a:rPr lang="en-US" sz="1800" b="0" i="0" kern="1200" dirty="0">
                           <a:solidFill>
                             <a:schemeClr val="dk1"/>
                           </a:solidFill>
@@ -17595,11 +17417,16 @@
                         </a:rPr>
                         <a:t>Cable uses the same coaxial cable that carries television signals into the home to provide Internet access. </a:t>
                       </a:r>
-                      <a:endParaRPr lang="en-US" dirty="0" smtClean="0"/>
+                      <a:endParaRPr lang="en-US" dirty="0"/>
                     </a:p>
                   </a:txBody>
                   <a:tcPr/>
                 </a:tc>
+                <a:extLst>
+                  <a:ext uri="{0D108BD9-81ED-4DB2-BD59-A6C34878D82A}">
+                    <a16:rowId xmlns:a16="http://schemas.microsoft.com/office/drawing/2014/main" val="10001"/>
+                  </a:ext>
+                </a:extLst>
               </a:tr>
               <a:tr h="370840">
                 <a:tc>
@@ -17608,7 +17435,7 @@
                     <a:lstStyle/>
                     <a:p>
                       <a:r>
-                        <a:rPr lang="en-US" sz="1800" b="0" i="0" kern="1200" dirty="0" smtClean="0">
+                        <a:rPr lang="en-US" sz="1800" b="0" i="0" kern="1200" dirty="0">
                           <a:solidFill>
                             <a:schemeClr val="dk1"/>
                           </a:solidFill>
@@ -17647,7 +17474,7 @@
                         <a:defRPr/>
                       </a:pPr>
                       <a:r>
-                        <a:rPr lang="en-US" sz="1800" b="0" i="0" kern="1200" dirty="0" smtClean="0">
+                        <a:rPr lang="en-US" sz="1800" b="0" i="0" kern="1200" dirty="0">
                           <a:solidFill>
                             <a:schemeClr val="dk1"/>
                           </a:solidFill>
@@ -17659,11 +17486,11 @@
                         <a:t>is used to provide Internet connection for a home or an organization.</a:t>
                       </a:r>
                       <a:r>
-                        <a:rPr lang="en-US" dirty="0" smtClean="0"/>
+                        <a:rPr lang="en-US" dirty="0"/>
                         <a:t> </a:t>
                       </a:r>
                       <a:r>
-                        <a:rPr lang="en-US" sz="1800" b="0" i="0" kern="1200" dirty="0" smtClean="0">
+                        <a:rPr lang="en-US" sz="1800" b="0" i="0" kern="1200" dirty="0">
                           <a:solidFill>
                             <a:schemeClr val="dk1"/>
                           </a:solidFill>
@@ -17674,11 +17501,16 @@
                         </a:rPr>
                         <a:t>DSL uses a high-speed modem to split the existing telephone line into voice, download, and upload signal channels. </a:t>
                       </a:r>
-                      <a:endParaRPr lang="en-US" dirty="0" smtClean="0"/>
+                      <a:endParaRPr lang="en-US" dirty="0"/>
                     </a:p>
                   </a:txBody>
                   <a:tcPr/>
                 </a:tc>
+                <a:extLst>
+                  <a:ext uri="{0D108BD9-81ED-4DB2-BD59-A6C34878D82A}">
+                    <a16:rowId xmlns:a16="http://schemas.microsoft.com/office/drawing/2014/main" val="10002"/>
+                  </a:ext>
+                </a:extLst>
               </a:tr>
               <a:tr h="370840">
                 <a:tc>
@@ -17687,7 +17519,7 @@
                     <a:lstStyle/>
                     <a:p>
                       <a:r>
-                        <a:rPr lang="en-US" sz="1800" b="0" i="0" kern="1200" dirty="0" smtClean="0">
+                        <a:rPr lang="en-US" sz="1800" b="0" i="0" kern="1200" dirty="0">
                           <a:solidFill>
                             <a:schemeClr val="dk1"/>
                           </a:solidFill>
@@ -17699,7 +17531,7 @@
                         <a:t>Dial</a:t>
                       </a:r>
                       <a:r>
-                        <a:rPr lang="en-US" sz="1800" b="0" i="0" kern="1200" baseline="0" dirty="0" smtClean="0">
+                        <a:rPr lang="en-US" sz="1800" b="0" i="0" kern="1200" baseline="0" dirty="0">
                           <a:solidFill>
                             <a:schemeClr val="dk1"/>
                           </a:solidFill>
@@ -17721,7 +17553,7 @@
                     <a:lstStyle/>
                     <a:p>
                       <a:r>
-                        <a:rPr lang="en-US" sz="1800" b="0" i="0" kern="1200" dirty="0" smtClean="0">
+                        <a:rPr lang="en-US" sz="1800" b="0" i="0" kern="1200" dirty="0">
                           <a:solidFill>
                             <a:schemeClr val="dk1"/>
                           </a:solidFill>
@@ -17733,14 +17565,18 @@
                         <a:t>much slower than either DSL or cable, but is the least expensive option for home users because it can use any telephone line and a simple modem.</a:t>
                       </a:r>
                       <a:r>
-                        <a:rPr lang="en-US" dirty="0" smtClean="0"/>
+                        <a:rPr lang="en-US" dirty="0"/>
                         <a:t> </a:t>
                       </a:r>
-                      <a:endParaRPr lang="en-US" dirty="0"/>
                     </a:p>
                   </a:txBody>
                   <a:tcPr/>
                 </a:tc>
+                <a:extLst>
+                  <a:ext uri="{0D108BD9-81ED-4DB2-BD59-A6C34878D82A}">
+                    <a16:rowId xmlns:a16="http://schemas.microsoft.com/office/drawing/2014/main" val="10003"/>
+                  </a:ext>
+                </a:extLst>
               </a:tr>
               <a:tr h="370840">
                 <a:tc>
@@ -17749,7 +17585,7 @@
                     <a:lstStyle/>
                     <a:p>
                       <a:r>
-                        <a:rPr lang="en-US" sz="1800" b="0" i="0" kern="1200" dirty="0" smtClean="0">
+                        <a:rPr lang="en-US" sz="1800" b="0" i="0" kern="1200" dirty="0">
                           <a:solidFill>
                             <a:schemeClr val="dk1"/>
                           </a:solidFill>
@@ -17788,7 +17624,7 @@
                         <a:defRPr/>
                       </a:pPr>
                       <a:r>
-                        <a:rPr lang="en-US" sz="1800" b="0" i="0" kern="1200" dirty="0" smtClean="0">
+                        <a:rPr lang="en-US" sz="1800" b="0" i="0" kern="1200" dirty="0">
                           <a:solidFill>
                             <a:schemeClr val="dk1"/>
                           </a:solidFill>
@@ -17804,6 +17640,11 @@
                   </a:txBody>
                   <a:tcPr/>
                 </a:tc>
+                <a:extLst>
+                  <a:ext uri="{0D108BD9-81ED-4DB2-BD59-A6C34878D82A}">
+                    <a16:rowId xmlns:a16="http://schemas.microsoft.com/office/drawing/2014/main" val="10004"/>
+                  </a:ext>
+                </a:extLst>
               </a:tr>
               <a:tr h="370840">
                 <a:tc>
@@ -17812,7 +17653,7 @@
                     <a:lstStyle/>
                     <a:p>
                       <a:r>
-                        <a:rPr lang="en-US" sz="1800" b="0" i="0" kern="1200" dirty="0" smtClean="0">
+                        <a:rPr lang="en-US" sz="1800" b="0" i="0" kern="1200" dirty="0">
                           <a:solidFill>
                             <a:schemeClr val="dk1"/>
                           </a:solidFill>
@@ -17851,7 +17692,7 @@
                         <a:defRPr/>
                       </a:pPr>
                       <a:r>
-                        <a:rPr lang="en-US" sz="1800" b="0" i="0" kern="1200" dirty="0" smtClean="0">
+                        <a:rPr lang="en-US" sz="1800" b="0" i="0" kern="1200" dirty="0">
                           <a:solidFill>
                             <a:schemeClr val="dk1"/>
                           </a:solidFill>
@@ -17863,13 +17704,18 @@
                         <a:t>is most likely used by the tablet and smartphone. A wireless WAN would more likely be used by college students to access their cell provider network.</a:t>
                       </a:r>
                       <a:r>
-                        <a:rPr lang="en-US" dirty="0" smtClean="0"/>
+                        <a:rPr lang="en-US" dirty="0"/>
                         <a:t> </a:t>
                       </a:r>
                     </a:p>
                   </a:txBody>
                   <a:tcPr/>
                 </a:tc>
+                <a:extLst>
+                  <a:ext uri="{0D108BD9-81ED-4DB2-BD59-A6C34878D82A}">
+                    <a16:rowId xmlns:a16="http://schemas.microsoft.com/office/drawing/2014/main" val="10005"/>
+                  </a:ext>
+                </a:extLst>
               </a:tr>
               <a:tr h="370840">
                 <a:tc>
@@ -17878,7 +17724,7 @@
                     <a:lstStyle/>
                     <a:p>
                       <a:r>
-                        <a:rPr lang="en-US" sz="1800" b="0" i="0" kern="1200" dirty="0" smtClean="0">
+                        <a:rPr lang="en-US" sz="1800" b="0" i="0" kern="1200" dirty="0">
                           <a:solidFill>
                             <a:schemeClr val="dk1"/>
                           </a:solidFill>
@@ -17900,7 +17746,7 @@
                     <a:lstStyle/>
                     <a:p>
                       <a:r>
-                        <a:rPr lang="en-US" sz="1800" b="0" i="0" kern="1200" dirty="0" smtClean="0">
+                        <a:rPr lang="en-US" sz="1800" b="0" i="0" kern="1200" dirty="0">
                           <a:solidFill>
                             <a:schemeClr val="dk1"/>
                           </a:solidFill>
@@ -17912,14 +17758,18 @@
                         <a:t> such as T1/E1 and T3/E3.</a:t>
                       </a:r>
                       <a:r>
-                        <a:rPr lang="en-US" dirty="0" smtClean="0"/>
+                        <a:rPr lang="en-US" dirty="0"/>
                         <a:t> </a:t>
                       </a:r>
-                      <a:endParaRPr lang="en-US" dirty="0"/>
                     </a:p>
                   </a:txBody>
                   <a:tcPr/>
                 </a:tc>
+                <a:extLst>
+                  <a:ext uri="{0D108BD9-81ED-4DB2-BD59-A6C34878D82A}">
+                    <a16:rowId xmlns:a16="http://schemas.microsoft.com/office/drawing/2014/main" val="10006"/>
+                  </a:ext>
+                </a:extLst>
               </a:tr>
             </a:tbl>
           </a:graphicData>
@@ -17947,13 +17797,6 @@
       </p:transition>
     </mc:Fallback>
   </mc:AlternateContent>
-  <p:timing>
-    <p:tnLst>
-      <p:par>
-        <p:cTn xmlns:p14="http://schemas.microsoft.com/office/powerpoint/2010/main" id="1" dur="indefinite" restart="never" nodeType="tmRoot"/>
-      </p:par>
-    </p:tnLst>
-  </p:timing>
 </p:sld>
 </file>
 
@@ -18010,7 +17853,7 @@
         </p:nvGraphicFramePr>
         <p:xfrm>
           <a:off x="212725" y="445566"/>
-          <a:ext cx="8734426" cy="4937759"/>
+          <a:ext cx="8734426" cy="4937760"/>
         </p:xfrm>
         <a:graphic>
           <a:graphicData uri="http://schemas.openxmlformats.org/drawingml/2006/table">
@@ -18019,8 +17862,20 @@
                 <a:tableStyleId>{5C22544A-7EE6-4342-B048-85BDC9FD1C3A}</a:tableStyleId>
               </a:tblPr>
               <a:tblGrid>
-                <a:gridCol w="2138300"/>
-                <a:gridCol w="6596126"/>
+                <a:gridCol w="2138300">
+                  <a:extLst>
+                    <a:ext uri="{9D8B030D-6E8A-4147-A177-3AD203B41FA5}">
+                      <a16:colId xmlns:a16="http://schemas.microsoft.com/office/drawing/2014/main" val="20000"/>
+                    </a:ext>
+                  </a:extLst>
+                </a:gridCol>
+                <a:gridCol w="6596126">
+                  <a:extLst>
+                    <a:ext uri="{9D8B030D-6E8A-4147-A177-3AD203B41FA5}">
+                      <a16:colId xmlns:a16="http://schemas.microsoft.com/office/drawing/2014/main" val="20001"/>
+                    </a:ext>
+                  </a:extLst>
+                </a:gridCol>
               </a:tblGrid>
               <a:tr h="370840">
                 <a:tc>
@@ -18030,10 +17885,9 @@
                     <a:p>
                       <a:pPr algn="ctr"/>
                       <a:r>
-                        <a:rPr lang="en-US" sz="2400" dirty="0" smtClean="0"/>
+                        <a:rPr lang="en-US" sz="2400" dirty="0"/>
                         <a:t>Term</a:t>
                       </a:r>
-                      <a:endParaRPr lang="en-US" sz="2400" dirty="0"/>
                     </a:p>
                   </a:txBody>
                   <a:tcPr/>
@@ -18045,14 +17899,18 @@
                     <a:p>
                       <a:pPr algn="ctr"/>
                       <a:r>
-                        <a:rPr lang="en-US" sz="2400" dirty="0" smtClean="0"/>
+                        <a:rPr lang="en-US" sz="2400" dirty="0"/>
                         <a:t>Explanation</a:t>
                       </a:r>
-                      <a:endParaRPr lang="en-US" sz="2400" dirty="0"/>
                     </a:p>
                   </a:txBody>
                   <a:tcPr/>
                 </a:tc>
+                <a:extLst>
+                  <a:ext uri="{0D108BD9-81ED-4DB2-BD59-A6C34878D82A}">
+                    <a16:rowId xmlns:a16="http://schemas.microsoft.com/office/drawing/2014/main" val="10000"/>
+                  </a:ext>
+                </a:extLst>
               </a:tr>
               <a:tr h="370840">
                 <a:tc>
@@ -18061,7 +17919,7 @@
                     <a:lstStyle/>
                     <a:p>
                       <a:r>
-                        <a:rPr lang="en-US" sz="1800" b="0" i="0" kern="1200" dirty="0" smtClean="0">
+                        <a:rPr lang="en-US" sz="1800" b="0" i="0" kern="1200" dirty="0">
                           <a:solidFill>
                             <a:schemeClr val="dk1"/>
                           </a:solidFill>
@@ -18083,7 +17941,7 @@
                     <a:lstStyle/>
                     <a:p>
                       <a:r>
-                        <a:rPr lang="en-US" sz="1800" b="0" i="0" kern="1200" dirty="0" smtClean="0">
+                        <a:rPr lang="en-US" sz="1800" b="0" i="0" kern="1200" dirty="0">
                           <a:solidFill>
                             <a:schemeClr val="dk1"/>
                           </a:solidFill>
@@ -18095,14 +17953,18 @@
                         <a:t>allows users to access applications, back up and store files, and perform tasks without needing additional software or servers. Cloud users access resources through subscription-based or pay-per-use services, in real time, using nothing more than a web browser.</a:t>
                       </a:r>
                       <a:r>
-                        <a:rPr lang="en-US" dirty="0" smtClean="0"/>
+                        <a:rPr lang="en-US" dirty="0"/>
                         <a:t> </a:t>
                       </a:r>
-                      <a:endParaRPr lang="en-US" dirty="0"/>
                     </a:p>
                   </a:txBody>
                   <a:tcPr/>
                 </a:tc>
+                <a:extLst>
+                  <a:ext uri="{0D108BD9-81ED-4DB2-BD59-A6C34878D82A}">
+                    <a16:rowId xmlns:a16="http://schemas.microsoft.com/office/drawing/2014/main" val="10001"/>
+                  </a:ext>
+                </a:extLst>
               </a:tr>
               <a:tr h="370840">
                 <a:tc>
@@ -18111,7 +17973,7 @@
                     <a:lstStyle/>
                     <a:p>
                       <a:r>
-                        <a:rPr lang="en-US" sz="1800" b="0" i="0" kern="1200" dirty="0" err="1" smtClean="0">
+                        <a:rPr lang="en-US" sz="1800" b="0" i="0" kern="1200" dirty="0" err="1">
                           <a:solidFill>
                             <a:schemeClr val="dk1"/>
                           </a:solidFill>
@@ -18133,7 +17995,7 @@
                     <a:lstStyle/>
                     <a:p>
                       <a:r>
-                        <a:rPr lang="en-US" sz="1800" b="0" i="0" kern="1200" dirty="0" smtClean="0">
+                        <a:rPr lang="en-US" sz="1800" b="0" i="0" kern="1200" dirty="0">
                           <a:solidFill>
                             <a:schemeClr val="dk1"/>
                           </a:solidFill>
@@ -18145,14 +18007,18 @@
                         <a:t>is a technology that provides real-time audio and video conferencing. Although IM is a tool that facilitates real-time communication, it is usually limited to personal or one-to-one conversations. Wikis and weblogs are asynchronous tools.</a:t>
                       </a:r>
                       <a:r>
-                        <a:rPr lang="en-US" dirty="0" smtClean="0"/>
+                        <a:rPr lang="en-US" dirty="0"/>
                         <a:t> </a:t>
                       </a:r>
-                      <a:endParaRPr lang="en-US" dirty="0"/>
                     </a:p>
                   </a:txBody>
                   <a:tcPr/>
                 </a:tc>
+                <a:extLst>
+                  <a:ext uri="{0D108BD9-81ED-4DB2-BD59-A6C34878D82A}">
+                    <a16:rowId xmlns:a16="http://schemas.microsoft.com/office/drawing/2014/main" val="10002"/>
+                  </a:ext>
+                </a:extLst>
               </a:tr>
               <a:tr h="370840">
                 <a:tc>
@@ -18161,7 +18027,7 @@
                     <a:lstStyle/>
                     <a:p>
                       <a:r>
-                        <a:rPr lang="en-US" sz="1800" b="0" i="0" kern="1200" dirty="0" smtClean="0">
+                        <a:rPr lang="en-US" sz="1800" b="0" i="0" kern="1200" dirty="0">
                           <a:solidFill>
                             <a:schemeClr val="dk1"/>
                           </a:solidFill>
@@ -18183,7 +18049,7 @@
                     <a:lstStyle/>
                     <a:p>
                       <a:r>
-                        <a:rPr lang="en-US" sz="1800" b="0" i="0" kern="1200" dirty="0" smtClean="0">
+                        <a:rPr lang="en-US" sz="1800" b="0" i="0" kern="1200" dirty="0">
                           <a:solidFill>
                             <a:schemeClr val="dk1"/>
                           </a:solidFill>
@@ -18195,14 +18061,18 @@
                         <a:t>ensures that only authorized senders and receivers communicate when data is transmitted.</a:t>
                       </a:r>
                       <a:r>
-                        <a:rPr lang="en-US" dirty="0" smtClean="0"/>
+                        <a:rPr lang="en-US" dirty="0"/>
                         <a:t> </a:t>
                       </a:r>
-                      <a:endParaRPr lang="en-US" dirty="0"/>
                     </a:p>
                   </a:txBody>
                   <a:tcPr/>
                 </a:tc>
+                <a:extLst>
+                  <a:ext uri="{0D108BD9-81ED-4DB2-BD59-A6C34878D82A}">
+                    <a16:rowId xmlns:a16="http://schemas.microsoft.com/office/drawing/2014/main" val="10003"/>
+                  </a:ext>
+                </a:extLst>
               </a:tr>
               <a:tr h="370840">
                 <a:tc>
@@ -18211,7 +18081,7 @@
                     <a:lstStyle/>
                     <a:p>
                       <a:r>
-                        <a:rPr lang="en-US" sz="1800" b="0" i="0" kern="1200" dirty="0" err="1" smtClean="0">
+                        <a:rPr lang="en-US" sz="1800" b="0" i="0" kern="1200" dirty="0" err="1">
                           <a:solidFill>
                             <a:schemeClr val="dk1"/>
                           </a:solidFill>
@@ -18250,7 +18120,7 @@
                         <a:defRPr/>
                       </a:pPr>
                       <a:r>
-                        <a:rPr lang="en-US" sz="1800" b="0" i="0" kern="1200" dirty="0" smtClean="0">
+                        <a:rPr lang="en-US" sz="1800" b="0" i="0" kern="1200" dirty="0">
                           <a:solidFill>
                             <a:schemeClr val="dk1"/>
                           </a:solidFill>
@@ -18262,7 +18132,7 @@
                         <a:t>means that the network can deliver services in a predictable, measurable, and, if necessary, guaranteed manner. </a:t>
                       </a:r>
                       <a:r>
-                        <a:rPr lang="en-US" sz="1800" b="0" i="0" kern="1200" dirty="0" err="1" smtClean="0">
+                        <a:rPr lang="en-US" sz="1800" b="0" i="0" kern="1200" dirty="0" err="1">
                           <a:solidFill>
                             <a:schemeClr val="dk1"/>
                           </a:solidFill>
@@ -18274,7 +18144,7 @@
                         <a:t>QoS</a:t>
                       </a:r>
                       <a:r>
-                        <a:rPr lang="en-US" sz="1800" b="0" i="0" kern="1200" dirty="0" smtClean="0">
+                        <a:rPr lang="en-US" sz="1800" b="0" i="0" kern="1200" dirty="0">
                           <a:solidFill>
                             <a:schemeClr val="dk1"/>
                           </a:solidFill>
@@ -18286,14 +18156,18 @@
                         <a:t> uses classification and queuing to manage the delivery of data, minimizing delay and packet loss.</a:t>
                       </a:r>
                       <a:r>
-                        <a:rPr lang="en-US" dirty="0" smtClean="0"/>
+                        <a:rPr lang="en-US" dirty="0"/>
                         <a:t> </a:t>
                       </a:r>
-                      <a:endParaRPr lang="en-US" dirty="0"/>
                     </a:p>
                   </a:txBody>
                   <a:tcPr/>
                 </a:tc>
+                <a:extLst>
+                  <a:ext uri="{0D108BD9-81ED-4DB2-BD59-A6C34878D82A}">
+                    <a16:rowId xmlns:a16="http://schemas.microsoft.com/office/drawing/2014/main" val="10004"/>
+                  </a:ext>
+                </a:extLst>
               </a:tr>
             </a:tbl>
           </a:graphicData>
@@ -18321,13 +18195,6 @@
       </p:transition>
     </mc:Fallback>
   </mc:AlternateContent>
-  <p:timing>
-    <p:tnLst>
-      <p:par>
-        <p:cTn xmlns:p14="http://schemas.microsoft.com/office/powerpoint/2010/main" id="1" dur="indefinite" restart="never" nodeType="tmRoot"/>
-      </p:par>
-    </p:tnLst>
-  </p:timing>
 </p:sld>
 </file>
 
@@ -18384,7 +18251,7 @@
         </p:nvGraphicFramePr>
         <p:xfrm>
           <a:off x="212725" y="445566"/>
-          <a:ext cx="8734426" cy="5029199"/>
+          <a:ext cx="8734426" cy="5029200"/>
         </p:xfrm>
         <a:graphic>
           <a:graphicData uri="http://schemas.openxmlformats.org/drawingml/2006/table">
@@ -18393,8 +18260,20 @@
                 <a:tableStyleId>{5C22544A-7EE6-4342-B048-85BDC9FD1C3A}</a:tableStyleId>
               </a:tblPr>
               <a:tblGrid>
-                <a:gridCol w="2138300"/>
-                <a:gridCol w="6596126"/>
+                <a:gridCol w="2138300">
+                  <a:extLst>
+                    <a:ext uri="{9D8B030D-6E8A-4147-A177-3AD203B41FA5}">
+                      <a16:colId xmlns:a16="http://schemas.microsoft.com/office/drawing/2014/main" val="20000"/>
+                    </a:ext>
+                  </a:extLst>
+                </a:gridCol>
+                <a:gridCol w="6596126">
+                  <a:extLst>
+                    <a:ext uri="{9D8B030D-6E8A-4147-A177-3AD203B41FA5}">
+                      <a16:colId xmlns:a16="http://schemas.microsoft.com/office/drawing/2014/main" val="20001"/>
+                    </a:ext>
+                  </a:extLst>
+                </a:gridCol>
               </a:tblGrid>
               <a:tr h="370840">
                 <a:tc>
@@ -18404,10 +18283,9 @@
                     <a:p>
                       <a:pPr algn="ctr"/>
                       <a:r>
-                        <a:rPr lang="en-US" sz="2400" dirty="0" smtClean="0"/>
+                        <a:rPr lang="en-US" sz="2400" dirty="0"/>
                         <a:t>Term</a:t>
                       </a:r>
-                      <a:endParaRPr lang="en-US" sz="2400" dirty="0"/>
                     </a:p>
                   </a:txBody>
                   <a:tcPr/>
@@ -18419,14 +18297,18 @@
                     <a:p>
                       <a:pPr algn="ctr"/>
                       <a:r>
-                        <a:rPr lang="en-US" sz="2400" dirty="0" smtClean="0"/>
+                        <a:rPr lang="en-US" sz="2400" dirty="0"/>
                         <a:t>Explanation</a:t>
                       </a:r>
-                      <a:endParaRPr lang="en-US" sz="2400" dirty="0"/>
                     </a:p>
                   </a:txBody>
                   <a:tcPr/>
                 </a:tc>
+                <a:extLst>
+                  <a:ext uri="{0D108BD9-81ED-4DB2-BD59-A6C34878D82A}">
+                    <a16:rowId xmlns:a16="http://schemas.microsoft.com/office/drawing/2014/main" val="10000"/>
+                  </a:ext>
+                </a:extLst>
               </a:tr>
               <a:tr h="370840">
                 <a:tc>
@@ -18435,7 +18317,7 @@
                     <a:lstStyle/>
                     <a:p>
                       <a:r>
-                        <a:rPr lang="en-US" sz="1800" b="0" i="0" kern="1200" dirty="0" smtClean="0">
+                        <a:rPr lang="en-US" sz="1800" b="0" i="0" kern="1200" dirty="0">
                           <a:solidFill>
                             <a:schemeClr val="dk1"/>
                           </a:solidFill>
@@ -18474,7 +18356,7 @@
                         <a:defRPr/>
                       </a:pPr>
                       <a:r>
-                        <a:rPr lang="en-US" sz="1800" b="0" i="0" kern="1200" dirty="0" smtClean="0">
+                        <a:rPr lang="en-US" sz="1800" b="0" i="0" kern="1200" dirty="0">
                           <a:solidFill>
                             <a:schemeClr val="dk1"/>
                           </a:solidFill>
@@ -18490,6 +18372,11 @@
                   </a:txBody>
                   <a:tcPr/>
                 </a:tc>
+                <a:extLst>
+                  <a:ext uri="{0D108BD9-81ED-4DB2-BD59-A6C34878D82A}">
+                    <a16:rowId xmlns:a16="http://schemas.microsoft.com/office/drawing/2014/main" val="10001"/>
+                  </a:ext>
+                </a:extLst>
               </a:tr>
               <a:tr h="370840">
                 <a:tc>
@@ -18498,7 +18385,7 @@
                     <a:lstStyle/>
                     <a:p>
                       <a:r>
-                        <a:rPr lang="en-US" sz="1800" b="0" i="0" kern="1200" dirty="0" smtClean="0">
+                        <a:rPr lang="en-US" sz="1800" b="0" i="0" kern="1200" dirty="0">
                           <a:solidFill>
                             <a:schemeClr val="dk1"/>
                           </a:solidFill>
@@ -18537,7 +18424,7 @@
                         <a:defRPr/>
                       </a:pPr>
                       <a:r>
-                        <a:rPr lang="en-US" sz="1800" b="0" i="0" kern="1200" dirty="0" smtClean="0">
+                        <a:rPr lang="en-US" sz="1800" b="0" i="0" kern="1200" dirty="0">
                           <a:solidFill>
                             <a:schemeClr val="dk1"/>
                           </a:solidFill>
@@ -18549,14 +18436,18 @@
                         <a:t>is often used where physical cabling is not available outside the home or business.</a:t>
                       </a:r>
                       <a:r>
-                        <a:rPr lang="en-US" dirty="0" smtClean="0"/>
+                        <a:rPr lang="en-US" dirty="0"/>
                         <a:t> </a:t>
                       </a:r>
-                      <a:endParaRPr lang="en-US" dirty="0"/>
                     </a:p>
                   </a:txBody>
                   <a:tcPr/>
                 </a:tc>
+                <a:extLst>
+                  <a:ext uri="{0D108BD9-81ED-4DB2-BD59-A6C34878D82A}">
+                    <a16:rowId xmlns:a16="http://schemas.microsoft.com/office/drawing/2014/main" val="10002"/>
+                  </a:ext>
+                </a:extLst>
               </a:tr>
               <a:tr h="370840">
                 <a:tc>
@@ -18565,7 +18456,7 @@
                     <a:lstStyle/>
                     <a:p>
                       <a:r>
-                        <a:rPr lang="en-US" sz="1800" b="0" i="0" kern="1200" dirty="0" smtClean="0">
+                        <a:rPr lang="en-US" sz="1800" b="0" i="0" kern="1200" dirty="0">
                           <a:solidFill>
                             <a:schemeClr val="dk1"/>
                           </a:solidFill>
@@ -18604,7 +18495,7 @@
                         <a:defRPr/>
                       </a:pPr>
                       <a:r>
-                        <a:rPr lang="en-US" sz="1800" b="0" i="0" kern="1200" dirty="0" smtClean="0">
+                        <a:rPr lang="en-US" sz="1800" b="0" i="0" kern="1200" dirty="0">
                           <a:solidFill>
                             <a:schemeClr val="dk1"/>
                           </a:solidFill>
@@ -18615,11 +18506,16 @@
                         </a:rPr>
                         <a:t>are disparate and their services will not communicate with each other. </a:t>
                       </a:r>
-                      <a:endParaRPr lang="en-US" dirty="0" smtClean="0"/>
+                      <a:endParaRPr lang="en-US" dirty="0"/>
                     </a:p>
                   </a:txBody>
                   <a:tcPr/>
                 </a:tc>
+                <a:extLst>
+                  <a:ext uri="{0D108BD9-81ED-4DB2-BD59-A6C34878D82A}">
+                    <a16:rowId xmlns:a16="http://schemas.microsoft.com/office/drawing/2014/main" val="10003"/>
+                  </a:ext>
+                </a:extLst>
               </a:tr>
               <a:tr h="370840">
                 <a:tc>
@@ -18628,7 +18524,7 @@
                     <a:lstStyle/>
                     <a:p>
                       <a:r>
-                        <a:rPr lang="en-US" sz="1800" b="0" i="0" kern="1200" dirty="0" smtClean="0">
+                        <a:rPr lang="en-US" sz="1800" b="0" i="0" kern="1200" dirty="0">
                           <a:solidFill>
                             <a:schemeClr val="dk1"/>
                           </a:solidFill>
@@ -18667,7 +18563,7 @@
                         <a:defRPr/>
                       </a:pPr>
                       <a:r>
-                        <a:rPr lang="en-US" sz="1800" b="0" i="0" kern="1200" dirty="0" smtClean="0">
+                        <a:rPr lang="en-US" sz="1800" b="0" i="0" kern="1200" dirty="0">
                           <a:solidFill>
                             <a:schemeClr val="dk1"/>
                           </a:solidFill>
@@ -18679,7 +18575,7 @@
                         <a:t>are capable of delivering voice, video, and data on one communication channel at the same time.</a:t>
                       </a:r>
                       <a:r>
-                        <a:rPr lang="en-US" dirty="0" smtClean="0"/>
+                        <a:rPr lang="en-US" dirty="0"/>
                         <a:t> </a:t>
                       </a:r>
                     </a:p>
@@ -18689,6 +18585,11 @@
                   </a:txBody>
                   <a:tcPr/>
                 </a:tc>
+                <a:extLst>
+                  <a:ext uri="{0D108BD9-81ED-4DB2-BD59-A6C34878D82A}">
+                    <a16:rowId xmlns:a16="http://schemas.microsoft.com/office/drawing/2014/main" val="10004"/>
+                  </a:ext>
+                </a:extLst>
               </a:tr>
               <a:tr h="370840">
                 <a:tc>
@@ -18697,7 +18598,7 @@
                     <a:lstStyle/>
                     <a:p>
                       <a:r>
-                        <a:rPr lang="en-US" sz="1800" b="0" i="0" kern="1200" dirty="0" smtClean="0">
+                        <a:rPr lang="en-US" sz="1800" b="0" i="0" kern="1200" dirty="0">
                           <a:solidFill>
                             <a:schemeClr val="dk1"/>
                           </a:solidFill>
@@ -18736,7 +18637,7 @@
                         <a:defRPr/>
                       </a:pPr>
                       <a:r>
-                        <a:rPr lang="en-US" sz="1800" b="0" i="0" kern="1200" dirty="0" smtClean="0">
+                        <a:rPr lang="en-US" sz="1800" b="0" i="0" kern="1200" dirty="0">
                           <a:solidFill>
                             <a:schemeClr val="dk1"/>
                           </a:solidFill>
@@ -18748,14 +18649,18 @@
                         <a:t>networks have a finite capacity to create new circuits. It is possible to occasionally get a message that all circuits are busy and a call cannot be placed. If a circuit fails, a new circuit has to be created to forward the message to its destination. All parts of a single message are transmitted using only one circuit.</a:t>
                       </a:r>
                       <a:r>
-                        <a:rPr lang="en-US" dirty="0" smtClean="0"/>
+                        <a:rPr lang="en-US" dirty="0"/>
                         <a:t> </a:t>
                       </a:r>
-                      <a:endParaRPr lang="en-US" dirty="0"/>
                     </a:p>
                   </a:txBody>
                   <a:tcPr/>
                 </a:tc>
+                <a:extLst>
+                  <a:ext uri="{0D108BD9-81ED-4DB2-BD59-A6C34878D82A}">
+                    <a16:rowId xmlns:a16="http://schemas.microsoft.com/office/drawing/2014/main" val="10005"/>
+                  </a:ext>
+                </a:extLst>
               </a:tr>
             </a:tbl>
           </a:graphicData>
@@ -18783,13 +18688,6 @@
       </p:transition>
     </mc:Fallback>
   </mc:AlternateContent>
-  <p:timing>
-    <p:tnLst>
-      <p:par>
-        <p:cTn xmlns:p14="http://schemas.microsoft.com/office/powerpoint/2010/main" id="1" dur="indefinite" restart="never" nodeType="tmRoot"/>
-      </p:par>
-    </p:tnLst>
-  </p:timing>
 </p:sld>
 </file>
 
@@ -18834,7 +18732,7 @@
               <a:buNone/>
             </a:pPr>
             <a:r>
-              <a:rPr lang="en-US" dirty="0" smtClean="0">
+              <a:rPr lang="en-US" dirty="0">
                 <a:latin typeface="Tahoma" charset="0"/>
                 <a:ea typeface="新細明體" charset="0"/>
               </a:rPr>
@@ -18846,7 +18744,7 @@
               <a:buAutoNum type="arabicParenR"/>
             </a:pPr>
             <a:r>
-              <a:rPr lang="en-US" dirty="0" smtClean="0">
+              <a:rPr lang="en-US" dirty="0">
                 <a:latin typeface="Tahoma" charset="0"/>
                 <a:ea typeface="新細明體" charset="0"/>
               </a:rPr>
@@ -18858,7 +18756,7 @@
               <a:buAutoNum type="arabicParenR"/>
             </a:pPr>
             <a:r>
-              <a:rPr lang="en-US" dirty="0" smtClean="0">
+              <a:rPr lang="en-US" dirty="0">
                 <a:latin typeface="Tahoma" charset="0"/>
                 <a:ea typeface="新細明體" charset="0"/>
               </a:rPr>
@@ -18870,7 +18768,7 @@
               <a:buAutoNum type="arabicParenR"/>
             </a:pPr>
             <a:r>
-              <a:rPr lang="en-US" dirty="0" smtClean="0">
+              <a:rPr lang="en-US" dirty="0">
                 <a:latin typeface="Tahoma" charset="0"/>
                 <a:ea typeface="新細明體" charset="0"/>
               </a:rPr>
@@ -18881,7 +18779,7 @@
             <a:pPr marL="457200" indent="-457200">
               <a:buAutoNum type="arabicParenR"/>
             </a:pPr>
-            <a:endParaRPr lang="en-US" dirty="0" smtClean="0">
+            <a:endParaRPr lang="en-US" dirty="0">
               <a:latin typeface="Tahoma" charset="0"/>
               <a:ea typeface="新細明體" charset="0"/>
             </a:endParaRPr>
@@ -18891,7 +18789,7 @@
               <a:buNone/>
             </a:pPr>
             <a:r>
-              <a:rPr lang="en-US" dirty="0" smtClean="0">
+              <a:rPr lang="en-US" dirty="0">
                 <a:latin typeface="Tahoma" charset="0"/>
                 <a:ea typeface="新細明體" charset="0"/>
               </a:rPr>
@@ -18931,14 +18829,14 @@
           <a:ln/>
           <a:extLst>
             <a:ext uri="{909E8E84-426E-40dd-AFC4-6F175D3DCCD1}">
-              <a14:hiddenFill xmlns:a14="http://schemas.microsoft.com/office/drawing/2010/main">
+              <a14:hiddenFill xmlns:a14="http://schemas.microsoft.com/office/drawing/2010/main" xmlns="">
                 <a:solidFill>
                   <a:srgbClr val="FFFFFF"/>
                 </a:solidFill>
               </a14:hiddenFill>
             </a:ext>
             <a:ext uri="{91240B29-F687-4f45-9708-019B960494DF}">
-              <a14:hiddenLine xmlns:a14="http://schemas.microsoft.com/office/drawing/2010/main" w="9525">
+              <a14:hiddenLine xmlns:a14="http://schemas.microsoft.com/office/drawing/2010/main" xmlns="" w="9525">
                 <a:solidFill>
                   <a:srgbClr val="000000"/>
                 </a:solidFill>
@@ -19154,14 +19052,14 @@
           </a:ln>
           <a:extLst>
             <a:ext uri="{909E8E84-426E-40dd-AFC4-6F175D3DCCD1}">
-              <a14:hiddenFill xmlns:a14="http://schemas.microsoft.com/office/drawing/2010/main">
+              <a14:hiddenFill xmlns:a14="http://schemas.microsoft.com/office/drawing/2010/main" xmlns="">
                 <a:solidFill>
                   <a:srgbClr val="FFFFFF"/>
                 </a:solidFill>
               </a14:hiddenFill>
             </a:ext>
             <a:ext uri="{91240B29-F687-4f45-9708-019B960494DF}">
-              <a14:hiddenLine xmlns:a14="http://schemas.microsoft.com/office/drawing/2010/main" w="9525">
+              <a14:hiddenLine xmlns:a14="http://schemas.microsoft.com/office/drawing/2010/main" xmlns="" w="9525">
                 <a:solidFill>
                   <a:srgbClr val="000000"/>
                 </a:solidFill>
@@ -19195,13 +19093,6 @@
       </p:transition>
     </mc:Fallback>
   </mc:AlternateContent>
-  <p:timing>
-    <p:tnLst>
-      <p:par>
-        <p:cTn xmlns:p14="http://schemas.microsoft.com/office/powerpoint/2010/main" id="1" dur="indefinite" restart="never" nodeType="tmRoot"/>
-      </p:par>
-    </p:tnLst>
-  </p:timing>
 </p:sld>
 </file>
 
@@ -19239,16 +19130,10 @@
           <a:p>
             <a:pPr eaLnBrk="1" hangingPunct="1"/>
             <a:r>
-              <a:rPr lang="en-US" dirty="0" smtClean="0">
-                <a:latin typeface="Arial" charset="0"/>
-              </a:rPr>
-              <a:t>Cisco </a:t>
-            </a:r>
-            <a:r>
               <a:rPr lang="en-US" dirty="0">
                 <a:latin typeface="Arial" charset="0"/>
               </a:rPr>
-              <a:t>Certified Network Associate (CCNA)</a:t>
+              <a:t>Cisco Certified Network Associate (CCNA)</a:t>
             </a:r>
           </a:p>
         </p:txBody>
@@ -19303,14 +19188,14 @@
             <a:effectLst/>
             <a:extLst>
               <a:ext uri="{909E8E84-426E-40dd-AFC4-6F175D3DCCD1}">
-                <a14:hiddenFill xmlns:a14="http://schemas.microsoft.com/office/drawing/2010/main">
+                <a14:hiddenFill xmlns:a14="http://schemas.microsoft.com/office/drawing/2010/main" xmlns="">
                   <a:solidFill>
                     <a:schemeClr val="accent1"/>
                   </a:solidFill>
                 </a14:hiddenFill>
               </a:ext>
               <a:ext uri="{91240B29-F687-4f45-9708-019B960494DF}">
-                <a14:hiddenLine xmlns:a14="http://schemas.microsoft.com/office/drawing/2010/main" w="9525">
+                <a14:hiddenLine xmlns:a14="http://schemas.microsoft.com/office/drawing/2010/main" xmlns="" w="9525">
                   <a:solidFill>
                     <a:schemeClr val="tx1"/>
                   </a:solidFill>
@@ -19320,7 +19205,7 @@
                 </a14:hiddenLine>
               </a:ext>
               <a:ext uri="{AF507438-7753-43e0-B8FC-AC1667EBCBE1}">
-                <a14:hiddenEffects xmlns:a14="http://schemas.microsoft.com/office/drawing/2010/main">
+                <a14:hiddenEffects xmlns:a14="http://schemas.microsoft.com/office/drawing/2010/main" xmlns="">
                   <a:effectLst>
                     <a:outerShdw dist="35921" dir="2700000" algn="ctr" rotWithShape="0">
                       <a:schemeClr val="bg2"/>
@@ -19367,14 +19252,14 @@
             <a:effectLst/>
             <a:extLst>
               <a:ext uri="{909E8E84-426E-40dd-AFC4-6F175D3DCCD1}">
-                <a14:hiddenFill xmlns:a14="http://schemas.microsoft.com/office/drawing/2010/main">
+                <a14:hiddenFill xmlns:a14="http://schemas.microsoft.com/office/drawing/2010/main" xmlns="">
                   <a:solidFill>
                     <a:schemeClr val="accent1"/>
                   </a:solidFill>
                 </a14:hiddenFill>
               </a:ext>
               <a:ext uri="{91240B29-F687-4f45-9708-019B960494DF}">
-                <a14:hiddenLine xmlns:a14="http://schemas.microsoft.com/office/drawing/2010/main" w="9525">
+                <a14:hiddenLine xmlns:a14="http://schemas.microsoft.com/office/drawing/2010/main" xmlns="" w="9525">
                   <a:solidFill>
                     <a:schemeClr val="tx1"/>
                   </a:solidFill>
@@ -19384,7 +19269,7 @@
                 </a14:hiddenLine>
               </a:ext>
               <a:ext uri="{AF507438-7753-43e0-B8FC-AC1667EBCBE1}">
-                <a14:hiddenEffects xmlns:a14="http://schemas.microsoft.com/office/drawing/2010/main">
+                <a14:hiddenEffects xmlns:a14="http://schemas.microsoft.com/office/drawing/2010/main" xmlns="">
                   <a:effectLst>
                     <a:outerShdw dist="35921" dir="2700000" algn="ctr" rotWithShape="0">
                       <a:schemeClr val="bg2"/>
@@ -19413,13 +19298,6 @@
       </p:transition>
     </mc:Fallback>
   </mc:AlternateContent>
-  <p:timing>
-    <p:tnLst>
-      <p:par>
-        <p:cTn xmlns:p14="http://schemas.microsoft.com/office/powerpoint/2010/main" id="1" dur="indefinite" restart="never" nodeType="tmRoot"/>
-      </p:par>
-    </p:tnLst>
-  </p:timing>
 </p:sld>
 </file>
 
@@ -19462,7 +19340,7 @@
           <a:p>
             <a:pPr algn="ctr"/>
             <a:r>
-              <a:rPr lang="en-US" b="0" dirty="0" smtClean="0">
+              <a:rPr lang="en-US" b="0" dirty="0">
                 <a:solidFill>
                   <a:srgbClr val="000000"/>
                 </a:solidFill>
@@ -19470,40 +19348,24 @@
               <a:t>For more comprehensive teaching materials, practical hands on (packet tracer files), exercises, packet tracer installer, please log in to</a:t>
             </a:r>
             <a:r>
-              <a:rPr lang="en-US" dirty="0" smtClean="0"/>
+              <a:rPr lang="en-US" dirty="0"/>
               <a:t> </a:t>
             </a:r>
             <a:r>
-              <a:rPr lang="en-US" b="0" i="1" u="sng" dirty="0" err="1" smtClean="0">
+              <a:rPr lang="en-US" b="0" i="1" u="sng" dirty="0" err="1">
                 <a:solidFill>
                   <a:srgbClr val="0000FF"/>
                 </a:solidFill>
               </a:rPr>
               <a:t>www.netacad.com</a:t>
             </a:r>
-            <a:r>
-              <a:rPr lang="en-US" b="0" i="1" u="sng" dirty="0" smtClean="0">
-                <a:solidFill>
-                  <a:srgbClr val="0000FF"/>
-                </a:solidFill>
-              </a:rPr>
-              <a:t/>
-            </a:r>
             <a:br>
-              <a:rPr lang="en-US" b="0" i="1" u="sng" dirty="0" smtClean="0">
+              <a:rPr lang="en-US" b="0" i="1" u="sng" dirty="0">
                 <a:solidFill>
                   <a:srgbClr val="0000FF"/>
                 </a:solidFill>
               </a:rPr>
             </a:br>
-            <a:r>
-              <a:rPr lang="en-US" b="0" i="1" u="sng" dirty="0">
-                <a:solidFill>
-                  <a:srgbClr val="0000FF"/>
-                </a:solidFill>
-              </a:rPr>
-              <a:t/>
-            </a:r>
             <a:br>
               <a:rPr lang="en-US" b="0" i="1" u="sng" dirty="0">
                 <a:solidFill>
@@ -19511,23 +19373,15 @@
                 </a:solidFill>
               </a:rPr>
             </a:br>
-            <a:r>
-              <a:rPr lang="en-US" b="0" i="1" u="sng" dirty="0" smtClean="0">
-                <a:solidFill>
-                  <a:srgbClr val="0000FF"/>
-                </a:solidFill>
-              </a:rPr>
-              <a:t/>
-            </a:r>
             <a:br>
-              <a:rPr lang="en-US" b="0" i="1" u="sng" dirty="0" smtClean="0">
+              <a:rPr lang="en-US" b="0" i="1" u="sng" dirty="0">
                 <a:solidFill>
                   <a:srgbClr val="0000FF"/>
                 </a:solidFill>
               </a:rPr>
             </a:br>
             <a:r>
-              <a:rPr lang="en-US" b="0" dirty="0" smtClean="0">
+              <a:rPr lang="en-US" b="0" dirty="0">
                 <a:solidFill>
                   <a:schemeClr val="tx1"/>
                 </a:solidFill>
@@ -19535,25 +19389,20 @@
               <a:t>Refer to Form B for the mapping</a:t>
             </a:r>
             <a:br>
-              <a:rPr lang="en-US" b="0" dirty="0" smtClean="0">
+              <a:rPr lang="en-US" b="0" dirty="0">
                 <a:solidFill>
                   <a:schemeClr val="tx1"/>
                 </a:solidFill>
               </a:rPr>
             </a:br>
             <a:r>
-              <a:rPr lang="en-US" b="0" dirty="0" smtClean="0">
+              <a:rPr lang="en-US" b="0" dirty="0">
                 <a:solidFill>
                   <a:schemeClr val="tx1"/>
                 </a:solidFill>
               </a:rPr>
               <a:t>, video files and complete ONE tutorial for each week. </a:t>
             </a:r>
-            <a:endParaRPr lang="en-US" b="0" dirty="0">
-              <a:solidFill>
-                <a:schemeClr val="tx1"/>
-              </a:solidFill>
-            </a:endParaRPr>
           </a:p>
         </p:txBody>
       </p:sp>
@@ -19567,16 +19416,9 @@
   <p:clrMapOvr>
     <a:masterClrMapping/>
   </p:clrMapOvr>
-  <p:transition xmlns:p14="http://schemas.microsoft.com/office/powerpoint/2010/main" spd="slow">
+  <p:transition spd="slow">
     <p:wheel spokes="1"/>
   </p:transition>
-  <p:timing>
-    <p:tnLst>
-      <p:par>
-        <p:cTn xmlns:p14="http://schemas.microsoft.com/office/powerpoint/2010/main" id="1" dur="indefinite" restart="never" nodeType="tmRoot"/>
-      </p:par>
-    </p:tnLst>
-  </p:timing>
 </p:sld>
 </file>
 
@@ -19619,14 +19461,14 @@
           <a:ln/>
           <a:extLst>
             <a:ext uri="{909E8E84-426E-40dd-AFC4-6F175D3DCCD1}">
-              <a14:hiddenFill xmlns:a14="http://schemas.microsoft.com/office/drawing/2010/main">
+              <a14:hiddenFill xmlns:a14="http://schemas.microsoft.com/office/drawing/2010/main" xmlns="">
                 <a:solidFill>
                   <a:srgbClr val="FFFFFF"/>
                 </a:solidFill>
               </a14:hiddenFill>
             </a:ext>
             <a:ext uri="{91240B29-F687-4f45-9708-019B960494DF}">
-              <a14:hiddenLine xmlns:a14="http://schemas.microsoft.com/office/drawing/2010/main" w="9525">
+              <a14:hiddenLine xmlns:a14="http://schemas.microsoft.com/office/drawing/2010/main" xmlns="" w="9525">
                 <a:solidFill>
                   <a:srgbClr val="000000"/>
                 </a:solidFill>
@@ -19826,13 +19668,6 @@
           <a:lstStyle/>
           <a:p>
             <a:pPr eaLnBrk="1" hangingPunct="1"/>
-            <a:r>
-              <a:rPr lang="en-US" dirty="0">
-                <a:latin typeface="Tahoma" charset="0"/>
-                <a:ea typeface="新細明體" charset="0"/>
-              </a:rPr>
-              <a:t/>
-            </a:r>
             <a:br>
               <a:rPr lang="en-US" dirty="0">
                 <a:latin typeface="Tahoma" charset="0"/>
@@ -19883,6 +19718,9 @@
                 <a:solidFill>
                   <a:srgbClr val="FF0000"/>
                 </a:solidFill>
+                <a:highlight>
+                  <a:srgbClr val="FFFF00"/>
+                </a:highlight>
                 <a:latin typeface="Tahoma" charset="0"/>
                 <a:ea typeface="新細明體" charset="0"/>
               </a:rPr>
@@ -19890,6 +19728,9 @@
             </a:r>
             <a:r>
               <a:rPr lang="en-US" sz="1800" dirty="0">
+                <a:highlight>
+                  <a:srgbClr val="FFFF00"/>
+                </a:highlight>
                 <a:latin typeface="Tahoma" charset="0"/>
                 <a:ea typeface="新細明體" charset="0"/>
               </a:rPr>
@@ -19903,18 +19744,11 @@
               </a:lnSpc>
             </a:pPr>
             <a:r>
-              <a:rPr lang="en-US" sz="1800" b="1" dirty="0" smtClean="0">
-                <a:latin typeface="Tahoma" charset="0"/>
-                <a:ea typeface="新細明體" charset="0"/>
-              </a:rPr>
-              <a:t>End </a:t>
-            </a:r>
-            <a:r>
               <a:rPr lang="en-US" sz="1800" b="1" dirty="0">
                 <a:latin typeface="Tahoma" charset="0"/>
                 <a:ea typeface="新細明體" charset="0"/>
               </a:rPr>
-              <a:t>devices</a:t>
+              <a:t>End devices</a:t>
             </a:r>
             <a:r>
               <a:rPr lang="en-US" sz="1800" dirty="0">
@@ -19963,21 +19797,7 @@
                 <a:latin typeface="Tahoma" charset="0"/>
                 <a:ea typeface="新細明體" charset="0"/>
               </a:rPr>
-              <a:t>To </a:t>
-            </a:r>
-            <a:r>
-              <a:rPr lang="en-US" sz="1800" dirty="0" smtClean="0">
-                <a:latin typeface="Tahoma" charset="0"/>
-                <a:ea typeface="新細明體" charset="0"/>
-              </a:rPr>
-              <a:t>uniquely identify one </a:t>
-            </a:r>
-            <a:r>
-              <a:rPr lang="en-US" sz="1800" dirty="0">
-                <a:latin typeface="Tahoma" charset="0"/>
-                <a:ea typeface="新細明體" charset="0"/>
-              </a:rPr>
-              <a:t>host from another, each host on a network is identified by an address. </a:t>
+              <a:t>To uniquely identify one host from another, each host on a network is identified by an address. </a:t>
             </a:r>
           </a:p>
           <a:p>
@@ -19987,18 +19807,11 @@
               </a:lnSpc>
             </a:pPr>
             <a:r>
-              <a:rPr lang="en-US" sz="1800" dirty="0" smtClean="0">
-                <a:latin typeface="Tahoma" charset="0"/>
-                <a:ea typeface="新細明體" charset="0"/>
-              </a:rPr>
-              <a:t>Destination host address specifies </a:t>
-            </a:r>
-            <a:r>
               <a:rPr lang="en-US" sz="1800" dirty="0">
                 <a:latin typeface="Tahoma" charset="0"/>
                 <a:ea typeface="新細明體" charset="0"/>
               </a:rPr>
-              <a:t>where the message should be sent.</a:t>
+              <a:t>Destination host address specifies where the message should be sent.</a:t>
             </a:r>
           </a:p>
           <a:p>
@@ -20126,13 +19939,6 @@
   <p:clrMapOvr>
     <a:masterClrMapping/>
   </p:clrMapOvr>
-  <p:timing>
-    <p:tnLst>
-      <p:par>
-        <p:cTn xmlns:p14="http://schemas.microsoft.com/office/powerpoint/2010/main" id="1" dur="indefinite" restart="never" nodeType="tmRoot"/>
-      </p:par>
-    </p:tnLst>
-  </p:timing>
 </p:sld>
 </file>
 
@@ -20175,7 +19981,7 @@
           <a:p>
             <a:pPr eaLnBrk="1" hangingPunct="1"/>
             <a:r>
-              <a:rPr lang="en-US" sz="3200" dirty="0" smtClean="0">
+              <a:rPr lang="en-US" sz="3200" dirty="0">
                 <a:latin typeface="Arial" charset="0"/>
               </a:rPr>
               <a:t>Intermediary Devices</a:t>
@@ -20219,7 +20025,11 @@
               <a:buChar char="§"/>
             </a:pPr>
             <a:r>
-              <a:rPr lang="en-US" sz="2800" dirty="0" smtClean="0"/>
+              <a:rPr lang="en-US" sz="2800" dirty="0">
+                <a:highlight>
+                  <a:srgbClr val="FFFF00"/>
+                </a:highlight>
+              </a:rPr>
               <a:t>Devices along the way which carries the data to the destination</a:t>
             </a:r>
           </a:p>
@@ -20232,7 +20042,7 @@
               <a:buChar char="§"/>
             </a:pPr>
             <a:r>
-              <a:rPr lang="en-US" sz="2800" dirty="0" smtClean="0"/>
+              <a:rPr lang="en-US" sz="2800" dirty="0"/>
               <a:t>Use alternate pathways when there is a link failure. </a:t>
             </a:r>
           </a:p>
@@ -20245,7 +20055,7 @@
               <a:buChar char="§"/>
             </a:pPr>
             <a:r>
-              <a:rPr lang="en-US" sz="2800" dirty="0" smtClean="0"/>
+              <a:rPr lang="en-US" sz="2800" dirty="0"/>
               <a:t>Filter the flow of data based on security settings. </a:t>
             </a:r>
           </a:p>
@@ -20258,7 +20068,7 @@
               <a:buChar char="§"/>
             </a:pPr>
             <a:r>
-              <a:rPr lang="en-US" sz="2800" dirty="0" smtClean="0"/>
+              <a:rPr lang="en-US" sz="2800" dirty="0"/>
               <a:t>Examples of intermediary network devices are:</a:t>
             </a:r>
           </a:p>
@@ -20271,7 +20081,7 @@
               <a:buChar char="§"/>
             </a:pPr>
             <a:r>
-              <a:rPr lang="en-US" sz="2400" dirty="0" smtClean="0"/>
+              <a:rPr lang="en-US" sz="2400" dirty="0"/>
               <a:t>Network Access Devices (switches, and wireless access points)</a:t>
             </a:r>
           </a:p>
@@ -20284,7 +20094,7 @@
               <a:buChar char="§"/>
             </a:pPr>
             <a:r>
-              <a:rPr lang="en-US" sz="2400" dirty="0" smtClean="0"/>
+              <a:rPr lang="en-US" sz="2400" dirty="0"/>
               <a:t>Internetworking Devices (routers)</a:t>
             </a:r>
           </a:p>
@@ -20297,7 +20107,7 @@
               <a:buChar char="§"/>
             </a:pPr>
             <a:r>
-              <a:rPr lang="en-US" sz="2400" dirty="0" smtClean="0"/>
+              <a:rPr lang="en-US" sz="2400" dirty="0"/>
               <a:t>Security Devices (firewalls)</a:t>
             </a:r>
           </a:p>
@@ -20390,13 +20200,6 @@
       </p:transition>
     </mc:Fallback>
   </mc:AlternateContent>
-  <p:timing>
-    <p:tnLst>
-      <p:par>
-        <p:cTn xmlns:p14="http://schemas.microsoft.com/office/powerpoint/2010/main" id="1" dur="indefinite" restart="never" nodeType="tmRoot"/>
-      </p:par>
-    </p:tnLst>
-  </p:timing>
 </p:sld>
 </file>
 
@@ -20474,62 +20277,57 @@
           <a:p>
             <a:pPr algn="just"/>
             <a:r>
-              <a:rPr lang="en-US" b="1" u="sng" dirty="0"/>
+              <a:rPr lang="en-US" b="1" u="sng" dirty="0">
+                <a:highlight>
+                  <a:srgbClr val="FFFF00"/>
+                </a:highlight>
+              </a:rPr>
               <a:t>A network service </a:t>
             </a:r>
             <a:r>
+              <a:rPr lang="en-US" dirty="0">
+                <a:highlight>
+                  <a:srgbClr val="FFFF00"/>
+                </a:highlight>
+              </a:rPr>
+              <a:t>provides information in response to a request.</a:t>
+            </a:r>
+            <a:r>
               <a:rPr lang="en-US" dirty="0"/>
-              <a:t>provides information in response to a request. </a:t>
-            </a:r>
-            <a:endParaRPr lang="en-US" dirty="0" smtClean="0"/>
+              <a:t> </a:t>
+            </a:r>
           </a:p>
           <a:p>
             <a:pPr algn="just"/>
             <a:r>
-              <a:rPr lang="en-US" dirty="0" smtClean="0"/>
-              <a:t>Services </a:t>
-            </a:r>
-            <a:r>
               <a:rPr lang="en-US" dirty="0"/>
-              <a:t>include many of the </a:t>
-            </a:r>
-            <a:r>
-              <a:rPr lang="en-US" dirty="0" smtClean="0"/>
-              <a:t>common network applications</a:t>
+              <a:t>Services include many of the common network applications</a:t>
             </a:r>
           </a:p>
           <a:p>
             <a:pPr algn="just"/>
             <a:r>
-              <a:rPr lang="en-US" dirty="0" smtClean="0"/>
-              <a:t>people </a:t>
-            </a:r>
-            <a:r>
               <a:rPr lang="en-US" dirty="0"/>
-              <a:t>use every day, like email hosting </a:t>
-            </a:r>
-            <a:r>
-              <a:rPr lang="en-US" dirty="0" smtClean="0"/>
-              <a:t>services </a:t>
-            </a:r>
-            <a:r>
-              <a:rPr lang="en-US" dirty="0"/>
-              <a:t>and web </a:t>
-            </a:r>
-            <a:r>
-              <a:rPr lang="en-US" dirty="0" smtClean="0"/>
-              <a:t>hosting</a:t>
+              <a:t>people use every day, </a:t>
+            </a:r>
+            <a:r>
+              <a:rPr lang="en-US" dirty="0">
+                <a:highlight>
+                  <a:srgbClr val="FFFF00"/>
+                </a:highlight>
+              </a:rPr>
+              <a:t>like email hosting services and web hosting</a:t>
             </a:r>
           </a:p>
           <a:p>
             <a:pPr algn="just"/>
             <a:r>
-              <a:rPr lang="en-US" dirty="0" smtClean="0"/>
-              <a:t> </a:t>
-            </a:r>
-            <a:r>
-              <a:rPr lang="en-US" dirty="0"/>
-              <a:t>services.  </a:t>
+              <a:rPr lang="en-US" dirty="0">
+                <a:highlight>
+                  <a:srgbClr val="FFFF00"/>
+                </a:highlight>
+              </a:rPr>
+              <a:t> services.  </a:t>
             </a:r>
           </a:p>
         </p:txBody>
@@ -20556,13 +20354,6 @@
       </p:transition>
     </mc:Fallback>
   </mc:AlternateContent>
-  <p:timing>
-    <p:tnLst>
-      <p:par>
-        <p:cTn xmlns:p14="http://schemas.microsoft.com/office/powerpoint/2010/main" id="1" dur="indefinite" restart="never" nodeType="tmRoot"/>
-      </p:par>
-    </p:tnLst>
-  </p:timing>
 </p:sld>
 </file>
 
@@ -20606,12 +20397,12 @@
           <a:lstStyle/>
           <a:p>
             <a:r>
-              <a:rPr lang="en-US" sz="4000" dirty="0" smtClean="0">
+              <a:rPr lang="en-US" sz="4000" dirty="0">
                 <a:latin typeface="Arial" charset="0"/>
               </a:rPr>
               <a:t>Services</a:t>
             </a:r>
-            <a:endParaRPr lang="en-US" dirty="0" smtClean="0"/>
+            <a:endParaRPr lang="en-US" dirty="0"/>
           </a:p>
         </p:txBody>
       </p:sp>
@@ -20638,17 +20429,17 @@
           <a:lstStyle/>
           <a:p>
             <a:r>
-              <a:rPr lang="en-MY" dirty="0" smtClean="0"/>
+              <a:rPr lang="en-MY" dirty="0"/>
               <a:t>Network components are used to provide services and processes. </a:t>
             </a:r>
           </a:p>
           <a:p>
             <a:r>
-              <a:rPr lang="en-MY" dirty="0" smtClean="0"/>
+              <a:rPr lang="en-MY" dirty="0"/>
               <a:t>These are the </a:t>
             </a:r>
             <a:r>
-              <a:rPr lang="en-MY" dirty="0" smtClean="0">
+              <a:rPr lang="en-MY" dirty="0">
                 <a:solidFill>
                   <a:srgbClr val="C00000"/>
                 </a:solidFill>
@@ -20656,19 +20447,19 @@
               <a:t>communication programs</a:t>
             </a:r>
             <a:r>
-              <a:rPr lang="en-MY" dirty="0" smtClean="0"/>
+              <a:rPr lang="en-MY" dirty="0"/>
               <a:t>, called software, that run on the networked devices. </a:t>
             </a:r>
           </a:p>
           <a:p>
             <a:r>
-              <a:rPr lang="en-MY" dirty="0" smtClean="0"/>
+              <a:rPr lang="en-MY" dirty="0"/>
               <a:t>A network service provides information in response to a request. </a:t>
             </a:r>
           </a:p>
           <a:p>
             <a:r>
-              <a:rPr lang="en-MY" dirty="0" smtClean="0">
+              <a:rPr lang="en-MY" dirty="0">
                 <a:solidFill>
                   <a:srgbClr val="C00000"/>
                 </a:solidFill>
@@ -20676,11 +20467,11 @@
               <a:t>Services</a:t>
             </a:r>
             <a:r>
-              <a:rPr lang="en-MY" dirty="0" smtClean="0"/>
+              <a:rPr lang="en-MY" dirty="0"/>
               <a:t> include many of the common </a:t>
             </a:r>
             <a:r>
-              <a:rPr lang="en-MY" dirty="0" smtClean="0">
+              <a:rPr lang="en-MY" dirty="0">
                 <a:solidFill>
                   <a:srgbClr val="C00000"/>
                 </a:solidFill>
@@ -20688,13 +20479,13 @@
               <a:t>network applications</a:t>
             </a:r>
             <a:r>
-              <a:rPr lang="en-MY" dirty="0" smtClean="0"/>
+              <a:rPr lang="en-MY" dirty="0"/>
               <a:t> people use every day, like email hosting services and web hosting services. </a:t>
             </a:r>
           </a:p>
           <a:p>
             <a:r>
-              <a:rPr lang="en-MY" dirty="0" smtClean="0">
+              <a:rPr lang="en-MY" dirty="0">
                 <a:solidFill>
                   <a:srgbClr val="C00000"/>
                 </a:solidFill>
@@ -20702,11 +20493,11 @@
               <a:t>Processes</a:t>
             </a:r>
             <a:r>
-              <a:rPr lang="en-MY" dirty="0" smtClean="0"/>
+              <a:rPr lang="en-MY" dirty="0"/>
               <a:t> provide the </a:t>
             </a:r>
             <a:r>
-              <a:rPr lang="en-MY" dirty="0" smtClean="0">
+              <a:rPr lang="en-MY" dirty="0">
                 <a:solidFill>
                   <a:srgbClr val="C00000"/>
                 </a:solidFill>
@@ -20714,11 +20505,11 @@
               <a:t>functionality</a:t>
             </a:r>
             <a:r>
-              <a:rPr lang="en-MY" dirty="0" smtClean="0"/>
+              <a:rPr lang="en-MY" dirty="0"/>
               <a:t> that </a:t>
             </a:r>
             <a:r>
-              <a:rPr lang="en-MY" dirty="0" smtClean="0">
+              <a:rPr lang="en-MY" dirty="0">
                 <a:solidFill>
                   <a:srgbClr val="C00000"/>
                 </a:solidFill>
@@ -20726,16 +20517,15 @@
               <a:t>directs and moves </a:t>
             </a:r>
             <a:r>
-              <a:rPr lang="en-MY" dirty="0" smtClean="0"/>
+              <a:rPr lang="en-MY" dirty="0"/>
               <a:t>the messages through the network. </a:t>
             </a:r>
           </a:p>
           <a:p>
             <a:r>
-              <a:rPr lang="en-MY" dirty="0" smtClean="0"/>
+              <a:rPr lang="en-MY" dirty="0"/>
               <a:t>Processes are less obvious to us but are critical to the operation of networks.</a:t>
             </a:r>
-            <a:endParaRPr lang="en-MY" dirty="0"/>
           </a:p>
         </p:txBody>
       </p:sp>
@@ -20761,13 +20551,6 @@
       </p:transition>
     </mc:Fallback>
   </mc:AlternateContent>
-  <p:timing>
-    <p:tnLst>
-      <p:par>
-        <p:cTn xmlns:p14="http://schemas.microsoft.com/office/powerpoint/2010/main" id="1" dur="indefinite" restart="never" nodeType="tmRoot"/>
-      </p:par>
-    </p:tnLst>
-  </p:timing>
 </p:sld>
 </file>
 
@@ -20810,16 +20593,10 @@
           <a:p>
             <a:pPr eaLnBrk="1" hangingPunct="1"/>
             <a:r>
-              <a:rPr lang="en-US" sz="3600" dirty="0" smtClean="0">
-                <a:latin typeface="Arial" charset="0"/>
-              </a:rPr>
-              <a:t>Network </a:t>
-            </a:r>
-            <a:r>
               <a:rPr lang="en-US" sz="3600" dirty="0">
                 <a:latin typeface="Arial" charset="0"/>
               </a:rPr>
-              <a:t>Media</a:t>
+              <a:t>Network Media</a:t>
             </a:r>
           </a:p>
         </p:txBody>
@@ -20860,14 +20637,14 @@
           <a:effectLst/>
           <a:extLst>
             <a:ext uri="{909E8E84-426E-40dd-AFC4-6F175D3DCCD1}">
-              <a14:hiddenFill xmlns:a14="http://schemas.microsoft.com/office/drawing/2010/main">
+              <a14:hiddenFill xmlns:a14="http://schemas.microsoft.com/office/drawing/2010/main" xmlns="">
                 <a:solidFill>
                   <a:schemeClr val="accent1"/>
                 </a:solidFill>
               </a14:hiddenFill>
             </a:ext>
             <a:ext uri="{91240B29-F687-4f45-9708-019B960494DF}">
-              <a14:hiddenLine xmlns:a14="http://schemas.microsoft.com/office/drawing/2010/main" w="9525">
+              <a14:hiddenLine xmlns:a14="http://schemas.microsoft.com/office/drawing/2010/main" xmlns="" w="9525">
                 <a:solidFill>
                   <a:schemeClr val="tx1"/>
                 </a:solidFill>
@@ -20877,7 +20654,7 @@
               </a14:hiddenLine>
             </a:ext>
             <a:ext uri="{AF507438-7753-43e0-B8FC-AC1667EBCBE1}">
-              <a14:hiddenEffects xmlns:a14="http://schemas.microsoft.com/office/drawing/2010/main">
+              <a14:hiddenEffects xmlns:a14="http://schemas.microsoft.com/office/drawing/2010/main" xmlns="">
                 <a:effectLst>
                   <a:outerShdw dist="35921" dir="2700000" algn="ctr" rotWithShape="0">
                     <a:schemeClr val="bg2"/>
@@ -20909,25 +20686,40 @@
           <a:lstStyle/>
           <a:p>
             <a:r>
-              <a:rPr lang="en-MY" dirty="0" smtClean="0"/>
-              <a:t>Modern networks primarily use three types of media to interconnect devices and to provide the </a:t>
-            </a:r>
-            <a:r>
-              <a:rPr lang="en-MY" dirty="0" smtClean="0">
+              <a:rPr lang="en-MY" dirty="0"/>
+              <a:t>Modern networks primarily use three types of media to </a:t>
+            </a:r>
+            <a:r>
+              <a:rPr lang="en-MY" dirty="0">
+                <a:highlight>
+                  <a:srgbClr val="FFFF00"/>
+                </a:highlight>
+              </a:rPr>
+              <a:t>interconnect devices and to provide the </a:t>
+            </a:r>
+            <a:r>
+              <a:rPr lang="en-MY" dirty="0">
                 <a:solidFill>
                   <a:srgbClr val="C00000"/>
                 </a:solidFill>
+                <a:highlight>
+                  <a:srgbClr val="FFFF00"/>
+                </a:highlight>
               </a:rPr>
               <a:t>pathway</a:t>
             </a:r>
             <a:r>
-              <a:rPr lang="en-MY" dirty="0" smtClean="0"/>
+              <a:rPr lang="en-MY" dirty="0">
+                <a:highlight>
+                  <a:srgbClr val="FFFF00"/>
+                </a:highlight>
+              </a:rPr>
               <a:t> over which data can be transmitted. </a:t>
             </a:r>
           </a:p>
           <a:p>
             <a:r>
-              <a:rPr lang="en-MY" dirty="0" smtClean="0"/>
+              <a:rPr lang="en-MY" dirty="0"/>
               <a:t>Metallic wires </a:t>
             </a:r>
           </a:p>
@@ -20936,24 +20728,24 @@
               <a:buNone/>
             </a:pPr>
             <a:r>
-              <a:rPr lang="en-MY" dirty="0" smtClean="0"/>
+              <a:rPr lang="en-MY" dirty="0"/>
               <a:t> 	 within cables</a:t>
             </a:r>
           </a:p>
           <a:p>
-            <a:endParaRPr lang="en-MY" dirty="0" smtClean="0"/>
-          </a:p>
-          <a:p>
-            <a:r>
-              <a:rPr lang="en-MY" dirty="0" smtClean="0"/>
+            <a:endParaRPr lang="en-MY" dirty="0"/>
+          </a:p>
+          <a:p>
+            <a:r>
+              <a:rPr lang="en-MY" dirty="0"/>
               <a:t>Glass or plastic </a:t>
             </a:r>
             <a:r>
-              <a:rPr lang="en-MY" dirty="0" err="1" smtClean="0"/>
+              <a:rPr lang="en-MY" dirty="0" err="1"/>
               <a:t>fibers</a:t>
             </a:r>
             <a:r>
-              <a:rPr lang="en-MY" dirty="0" smtClean="0"/>
+              <a:rPr lang="en-MY" dirty="0"/>
               <a:t> </a:t>
             </a:r>
           </a:p>
@@ -20962,7 +20754,7 @@
               <a:buNone/>
             </a:pPr>
             <a:r>
-              <a:rPr lang="en-MY" dirty="0" smtClean="0"/>
+              <a:rPr lang="en-MY" dirty="0"/>
               <a:t>   (fiber optic cable)</a:t>
             </a:r>
           </a:p>
@@ -20970,11 +20762,11 @@
             <a:pPr>
               <a:buNone/>
             </a:pPr>
-            <a:endParaRPr lang="en-MY" dirty="0" smtClean="0"/>
-          </a:p>
-          <a:p>
-            <a:r>
-              <a:rPr lang="en-MY" dirty="0" smtClean="0"/>
+            <a:endParaRPr lang="en-MY" dirty="0"/>
+          </a:p>
+          <a:p>
+            <a:r>
+              <a:rPr lang="en-MY" dirty="0"/>
               <a:t>Wireless transmission</a:t>
             </a:r>
           </a:p>
@@ -21005,13 +20797,6 @@
       </p:transition>
     </mc:Fallback>
   </mc:AlternateContent>
-  <p:timing>
-    <p:tnLst>
-      <p:par>
-        <p:cTn xmlns:p14="http://schemas.microsoft.com/office/powerpoint/2010/main" id="1" dur="indefinite" restart="never" nodeType="tmRoot"/>
-      </p:par>
-    </p:tnLst>
-  </p:timing>
 </p:sld>
 </file>
 
@@ -21054,7 +20839,7 @@
           <a:lstStyle/>
           <a:p>
             <a:r>
-              <a:rPr lang="en-US" altLang="zh-TW" smtClean="0"/>
+              <a:rPr lang="en-US" altLang="zh-TW"/>
               <a:t>-</a:t>
             </a:r>
             <a:fld id="{5BBA0A88-9506-4F11-989B-69842AD2CE9E}" type="slidenum">
@@ -21063,7 +20848,7 @@
               <a:t>9</a:t>
             </a:fld>
             <a:r>
-              <a:rPr lang="en-US" altLang="zh-TW" smtClean="0"/>
+              <a:rPr lang="en-US" altLang="zh-TW"/>
               <a:t>-</a:t>
             </a:r>
           </a:p>
@@ -21095,10 +20880,10 @@
               </a:lnSpc>
             </a:pPr>
             <a:r>
-              <a:rPr lang="en-MY" sz="2000" dirty="0" smtClean="0"/>
+              <a:rPr lang="en-MY" sz="2000" dirty="0"/>
               <a:t>The signal encoding that must occur for the message to be transmitted is different for each media type</a:t>
             </a:r>
-            <a:endParaRPr lang="en-US" sz="2000" dirty="0" smtClean="0"/>
+            <a:endParaRPr lang="en-US" sz="2000" dirty="0"/>
           </a:p>
           <a:p>
             <a:pPr eaLnBrk="1" hangingPunct="1">
@@ -21106,7 +20891,7 @@
                 <a:spcPct val="80000"/>
               </a:lnSpc>
             </a:pPr>
-            <a:endParaRPr lang="en-US" sz="1600" dirty="0" smtClean="0"/>
+            <a:endParaRPr lang="en-US" sz="1600" dirty="0"/>
           </a:p>
           <a:p>
             <a:pPr eaLnBrk="1" hangingPunct="1">
@@ -21114,7 +20899,7 @@
                 <a:spcPct val="80000"/>
               </a:lnSpc>
             </a:pPr>
-            <a:endParaRPr lang="en-US" sz="1600" dirty="0" smtClean="0"/>
+            <a:endParaRPr lang="en-US" sz="1600" dirty="0"/>
           </a:p>
           <a:p>
             <a:pPr eaLnBrk="1" hangingPunct="1">
@@ -21122,7 +20907,7 @@
                 <a:spcPct val="80000"/>
               </a:lnSpc>
             </a:pPr>
-            <a:endParaRPr lang="en-US" sz="1600" dirty="0" smtClean="0"/>
+            <a:endParaRPr lang="en-US" sz="1600" dirty="0"/>
           </a:p>
           <a:p>
             <a:pPr eaLnBrk="1" hangingPunct="1">
@@ -21130,7 +20915,7 @@
                 <a:spcPct val="80000"/>
               </a:lnSpc>
             </a:pPr>
-            <a:endParaRPr lang="en-US" sz="1600" dirty="0" smtClean="0"/>
+            <a:endParaRPr lang="en-US" sz="1600" dirty="0"/>
           </a:p>
           <a:p>
             <a:pPr eaLnBrk="1" hangingPunct="1">
@@ -21138,7 +20923,7 @@
                 <a:spcPct val="80000"/>
               </a:lnSpc>
             </a:pPr>
-            <a:endParaRPr lang="en-US" sz="1600" dirty="0" smtClean="0"/>
+            <a:endParaRPr lang="en-US" sz="1600" dirty="0"/>
           </a:p>
           <a:p>
             <a:pPr eaLnBrk="1" hangingPunct="1">
@@ -21146,7 +20931,7 @@
                 <a:spcPct val="80000"/>
               </a:lnSpc>
             </a:pPr>
-            <a:endParaRPr lang="en-US" sz="1600" dirty="0" smtClean="0"/>
+            <a:endParaRPr lang="en-US" sz="1600" dirty="0"/>
           </a:p>
           <a:p>
             <a:pPr eaLnBrk="1" hangingPunct="1">
@@ -21154,7 +20939,7 @@
                 <a:spcPct val="80000"/>
               </a:lnSpc>
             </a:pPr>
-            <a:endParaRPr lang="en-US" sz="1600" dirty="0" smtClean="0"/>
+            <a:endParaRPr lang="en-US" sz="1600" dirty="0"/>
           </a:p>
           <a:p>
             <a:pPr eaLnBrk="1" hangingPunct="1">
@@ -21162,7 +20947,7 @@
                 <a:spcPct val="80000"/>
               </a:lnSpc>
             </a:pPr>
-            <a:endParaRPr lang="en-US" sz="1600" dirty="0" smtClean="0"/>
+            <a:endParaRPr lang="en-US" sz="1600" dirty="0"/>
           </a:p>
           <a:p>
             <a:pPr eaLnBrk="1" hangingPunct="1">
@@ -21171,7 +20956,7 @@
               </a:lnSpc>
             </a:pPr>
             <a:r>
-              <a:rPr lang="en-US" sz="1800" b="1" u="sng" dirty="0" smtClean="0">
+              <a:rPr lang="en-US" sz="1800" b="1" u="sng" dirty="0">
                 <a:solidFill>
                   <a:srgbClr val="0000FF"/>
                 </a:solidFill>
@@ -21188,15 +20973,15 @@
               <a:buNone/>
             </a:pPr>
             <a:r>
-              <a:rPr lang="en-US" sz="1800" dirty="0" smtClean="0"/>
+              <a:rPr lang="en-US" sz="1800" dirty="0"/>
               <a:t>	- The </a:t>
             </a:r>
             <a:r>
-              <a:rPr lang="en-US" sz="1800" b="1" dirty="0" smtClean="0"/>
+              <a:rPr lang="en-US" sz="1800" b="1" dirty="0"/>
               <a:t>distance</a:t>
             </a:r>
             <a:r>
-              <a:rPr lang="en-US" sz="1800" dirty="0" smtClean="0"/>
+              <a:rPr lang="en-US" sz="1800" dirty="0"/>
               <a:t> the media can successfully carry a signal.</a:t>
             </a:r>
           </a:p>
@@ -21209,15 +20994,15 @@
               <a:buNone/>
             </a:pPr>
             <a:r>
-              <a:rPr lang="en-US" sz="1800" dirty="0" smtClean="0"/>
+              <a:rPr lang="en-US" sz="1800" dirty="0"/>
               <a:t>	- The </a:t>
             </a:r>
             <a:r>
-              <a:rPr lang="en-US" sz="1800" b="1" dirty="0" smtClean="0"/>
+              <a:rPr lang="en-US" sz="1800" b="1" dirty="0"/>
               <a:t>environment</a:t>
             </a:r>
             <a:r>
-              <a:rPr lang="en-US" sz="1800" dirty="0" smtClean="0"/>
+              <a:rPr lang="en-US" sz="1800" dirty="0"/>
               <a:t> in which the media is to be installed.</a:t>
             </a:r>
           </a:p>
@@ -21230,23 +21015,23 @@
               <a:buNone/>
             </a:pPr>
             <a:r>
-              <a:rPr lang="en-US" sz="1800" dirty="0" smtClean="0"/>
+              <a:rPr lang="en-US" sz="1800" dirty="0"/>
               <a:t>	- The </a:t>
             </a:r>
             <a:r>
-              <a:rPr lang="en-US" sz="1800" b="1" dirty="0" smtClean="0"/>
+              <a:rPr lang="en-US" sz="1800" b="1" dirty="0"/>
               <a:t>amount</a:t>
             </a:r>
             <a:r>
-              <a:rPr lang="en-US" sz="1800" dirty="0" smtClean="0"/>
+              <a:rPr lang="en-US" sz="1800" dirty="0"/>
               <a:t> of data and the </a:t>
             </a:r>
             <a:r>
-              <a:rPr lang="en-US" sz="1800" b="1" dirty="0" smtClean="0"/>
+              <a:rPr lang="en-US" sz="1800" b="1" dirty="0"/>
               <a:t>speed</a:t>
             </a:r>
             <a:r>
-              <a:rPr lang="en-US" sz="1800" dirty="0" smtClean="0"/>
+              <a:rPr lang="en-US" sz="1800" dirty="0"/>
               <a:t> at which it must be</a:t>
             </a:r>
           </a:p>
@@ -21259,7 +21044,7 @@
               <a:buNone/>
             </a:pPr>
             <a:r>
-              <a:rPr lang="en-US" sz="1800" dirty="0" smtClean="0"/>
+              <a:rPr lang="en-US" sz="1800" dirty="0"/>
               <a:t>       transmitted.</a:t>
             </a:r>
           </a:p>
@@ -21272,15 +21057,15 @@
               <a:buNone/>
             </a:pPr>
             <a:r>
-              <a:rPr lang="en-US" sz="1800" dirty="0" smtClean="0"/>
+              <a:rPr lang="en-US" sz="1800" dirty="0"/>
               <a:t>	- The</a:t>
             </a:r>
             <a:r>
-              <a:rPr lang="en-US" sz="1800" b="1" dirty="0" smtClean="0"/>
+              <a:rPr lang="en-US" sz="1800" b="1" dirty="0"/>
               <a:t> cost</a:t>
             </a:r>
             <a:r>
-              <a:rPr lang="en-US" sz="1800" dirty="0" smtClean="0"/>
+              <a:rPr lang="en-US" sz="1800" dirty="0"/>
               <a:t> of the media and installation</a:t>
             </a:r>
           </a:p>
@@ -21290,7 +21075,7 @@
                 <a:spcPct val="80000"/>
               </a:lnSpc>
             </a:pPr>
-            <a:endParaRPr lang="en-US" sz="2000" dirty="0" smtClean="0"/>
+            <a:endParaRPr lang="en-US" sz="2000" dirty="0"/>
           </a:p>
         </p:txBody>
       </p:sp>
@@ -21318,9 +21103,27 @@
             <a:tbl>
               <a:tblPr/>
               <a:tblGrid>
-                <a:gridCol w="1357881"/>
-                <a:gridCol w="4214440"/>
-                <a:gridCol w="2214367"/>
+                <a:gridCol w="1357881">
+                  <a:extLst>
+                    <a:ext uri="{9D8B030D-6E8A-4147-A177-3AD203B41FA5}">
+                      <a16:colId xmlns:a16="http://schemas.microsoft.com/office/drawing/2014/main" val="20000"/>
+                    </a:ext>
+                  </a:extLst>
+                </a:gridCol>
+                <a:gridCol w="4214440">
+                  <a:extLst>
+                    <a:ext uri="{9D8B030D-6E8A-4147-A177-3AD203B41FA5}">
+                      <a16:colId xmlns:a16="http://schemas.microsoft.com/office/drawing/2014/main" val="20001"/>
+                    </a:ext>
+                  </a:extLst>
+                </a:gridCol>
+                <a:gridCol w="2214367">
+                  <a:extLst>
+                    <a:ext uri="{9D8B030D-6E8A-4147-A177-3AD203B41FA5}">
+                      <a16:colId xmlns:a16="http://schemas.microsoft.com/office/drawing/2014/main" val="20002"/>
+                    </a:ext>
+                  </a:extLst>
+                </a:gridCol>
               </a:tblGrid>
               <a:tr h="412673">
                 <a:tc>
@@ -21347,7 +21150,7 @@
                         <a:tabLst/>
                       </a:pPr>
                       <a:r>
-                        <a:rPr kumimoji="1" lang="en-US" sz="1800" b="0" i="0" u="none" strike="noStrike" cap="none" normalizeH="0" baseline="0" dirty="0" smtClean="0">
+                        <a:rPr kumimoji="1" lang="en-US" sz="1800" b="0" i="0" u="none" strike="noStrike" cap="none" normalizeH="0" baseline="0" dirty="0">
                           <a:ln>
                             <a:noFill/>
                           </a:ln>
@@ -21437,7 +21240,7 @@
                         <a:tabLst/>
                       </a:pPr>
                       <a:r>
-                        <a:rPr kumimoji="1" lang="en-US" sz="1800" b="0" i="0" u="none" strike="noStrike" cap="none" normalizeH="0" baseline="0" dirty="0" smtClean="0">
+                        <a:rPr kumimoji="1" lang="en-US" sz="1800" b="0" i="0" u="none" strike="noStrike" cap="none" normalizeH="0" baseline="0" dirty="0">
                           <a:ln>
                             <a:noFill/>
                           </a:ln>
@@ -21527,7 +21330,7 @@
                         <a:tabLst/>
                       </a:pPr>
                       <a:r>
-                        <a:rPr kumimoji="1" lang="en-US" sz="1800" b="0" i="0" u="none" strike="noStrike" cap="none" normalizeH="0" baseline="0" dirty="0" smtClean="0">
+                        <a:rPr kumimoji="1" lang="en-US" sz="1800" b="0" i="0" u="none" strike="noStrike" cap="none" normalizeH="0" baseline="0" dirty="0">
                           <a:ln>
                             <a:noFill/>
                           </a:ln>
@@ -21593,6 +21396,11 @@
                     </a:solidFill>
                   </a:tcPr>
                 </a:tc>
+                <a:extLst>
+                  <a:ext uri="{0D108BD9-81ED-4DB2-BD59-A6C34878D82A}">
+                    <a16:rowId xmlns:a16="http://schemas.microsoft.com/office/drawing/2014/main" val="10000"/>
+                  </a:ext>
+                </a:extLst>
               </a:tr>
               <a:tr h="522190">
                 <a:tc>
@@ -21619,7 +21427,7 @@
                         <a:tabLst/>
                       </a:pPr>
                       <a:r>
-                        <a:rPr kumimoji="1" lang="en-US" sz="1800" b="0" i="0" u="none" strike="noStrike" cap="none" normalizeH="0" baseline="0" smtClean="0">
+                        <a:rPr kumimoji="1" lang="en-US" sz="1800" b="0" i="0" u="none" strike="noStrike" cap="none" normalizeH="0" baseline="0">
                           <a:ln>
                             <a:noFill/>
                           </a:ln>
@@ -21704,7 +21512,7 @@
                         <a:tabLst/>
                       </a:pPr>
                       <a:r>
-                        <a:rPr kumimoji="1" lang="en-US" sz="1800" b="0" i="0" u="none" strike="noStrike" cap="none" normalizeH="0" baseline="0" smtClean="0">
+                        <a:rPr kumimoji="1" lang="en-US" sz="1800" b="0" i="0" u="none" strike="noStrike" cap="none" normalizeH="0" baseline="0">
                           <a:ln>
                             <a:noFill/>
                           </a:ln>
@@ -21789,7 +21597,7 @@
                         <a:tabLst/>
                       </a:pPr>
                       <a:r>
-                        <a:rPr kumimoji="1" lang="en-US" sz="1800" b="0" i="0" u="none" strike="noStrike" cap="none" normalizeH="0" baseline="0" smtClean="0">
+                        <a:rPr kumimoji="1" lang="en-US" sz="1800" b="0" i="0" u="none" strike="noStrike" cap="none" normalizeH="0" baseline="0">
                           <a:ln>
                             <a:noFill/>
                           </a:ln>
@@ -21850,6 +21658,11 @@
                     <a:noFill/>
                   </a:tcPr>
                 </a:tc>
+                <a:extLst>
+                  <a:ext uri="{0D108BD9-81ED-4DB2-BD59-A6C34878D82A}">
+                    <a16:rowId xmlns:a16="http://schemas.microsoft.com/office/drawing/2014/main" val="10001"/>
+                  </a:ext>
+                </a:extLst>
               </a:tr>
               <a:tr h="640062">
                 <a:tc>
@@ -21876,7 +21689,7 @@
                         <a:tabLst/>
                       </a:pPr>
                       <a:r>
-                        <a:rPr kumimoji="1" lang="en-US" sz="1800" b="0" i="0" u="none" strike="noStrike" cap="none" normalizeH="0" baseline="0" smtClean="0">
+                        <a:rPr kumimoji="1" lang="en-US" sz="1800" b="0" i="0" u="none" strike="noStrike" cap="none" normalizeH="0" baseline="0">
                           <a:ln>
                             <a:noFill/>
                           </a:ln>
@@ -21961,7 +21774,7 @@
                         <a:tabLst/>
                       </a:pPr>
                       <a:r>
-                        <a:rPr kumimoji="1" lang="en-US" sz="1800" b="0" i="0" u="none" strike="noStrike" cap="none" normalizeH="0" baseline="0" dirty="0" smtClean="0">
+                        <a:rPr kumimoji="1" lang="en-US" sz="1800" b="0" i="0" u="none" strike="noStrike" cap="none" normalizeH="0" baseline="0" dirty="0">
                           <a:ln>
                             <a:noFill/>
                           </a:ln>
@@ -22046,7 +21859,7 @@
                         <a:tabLst/>
                       </a:pPr>
                       <a:r>
-                        <a:rPr kumimoji="1" lang="en-US" sz="1800" b="0" i="0" u="none" strike="noStrike" cap="none" normalizeH="0" baseline="0" smtClean="0">
+                        <a:rPr kumimoji="1" lang="en-US" sz="1800" b="0" i="0" u="none" strike="noStrike" cap="none" normalizeH="0" baseline="0">
                           <a:ln>
                             <a:noFill/>
                           </a:ln>
@@ -22107,6 +21920,11 @@
                     <a:noFill/>
                   </a:tcPr>
                 </a:tc>
+                <a:extLst>
+                  <a:ext uri="{0D108BD9-81ED-4DB2-BD59-A6C34878D82A}">
+                    <a16:rowId xmlns:a16="http://schemas.microsoft.com/office/drawing/2014/main" val="10002"/>
+                  </a:ext>
+                </a:extLst>
               </a:tr>
               <a:tr h="658688">
                 <a:tc>
@@ -22133,7 +21951,7 @@
                         <a:tabLst/>
                       </a:pPr>
                       <a:r>
-                        <a:rPr kumimoji="1" lang="en-US" sz="1800" b="0" i="0" u="none" strike="noStrike" cap="none" normalizeH="0" baseline="0" smtClean="0">
+                        <a:rPr kumimoji="1" lang="en-US" sz="1800" b="0" i="0" u="none" strike="noStrike" cap="none" normalizeH="0" baseline="0">
                           <a:ln>
                             <a:noFill/>
                           </a:ln>
@@ -22218,7 +22036,7 @@
                         <a:tabLst/>
                       </a:pPr>
                       <a:r>
-                        <a:rPr kumimoji="1" lang="en-US" sz="1800" b="0" i="0" u="none" strike="noStrike" cap="none" normalizeH="0" baseline="0" dirty="0" smtClean="0">
+                        <a:rPr kumimoji="1" lang="en-US" sz="1800" b="0" i="0" u="none" strike="noStrike" cap="none" normalizeH="0" baseline="0" dirty="0">
                           <a:ln>
                             <a:noFill/>
                           </a:ln>
@@ -22303,7 +22121,7 @@
                         <a:tabLst/>
                       </a:pPr>
                       <a:r>
-                        <a:rPr kumimoji="1" lang="en-US" sz="1800" b="0" i="0" u="none" strike="noStrike" cap="none" normalizeH="0" baseline="0" dirty="0" smtClean="0">
+                        <a:rPr kumimoji="1" lang="en-US" sz="1800" b="0" i="0" u="none" strike="noStrike" cap="none" normalizeH="0" baseline="0" dirty="0">
                           <a:ln>
                             <a:noFill/>
                           </a:ln>
@@ -22364,6 +22182,11 @@
                     <a:noFill/>
                   </a:tcPr>
                 </a:tc>
+                <a:extLst>
+                  <a:ext uri="{0D108BD9-81ED-4DB2-BD59-A6C34878D82A}">
+                    <a16:rowId xmlns:a16="http://schemas.microsoft.com/office/drawing/2014/main" val="10003"/>
+                  </a:ext>
+                </a:extLst>
               </a:tr>
             </a:tbl>
           </a:graphicData>
@@ -22392,12 +22215,12 @@
           <a:lstStyle/>
           <a:p>
             <a:r>
-              <a:rPr lang="en-US" sz="2800" dirty="0" smtClean="0">
+              <a:rPr lang="en-US" sz="2800" dirty="0">
                 <a:latin typeface="Arial" charset="0"/>
               </a:rPr>
               <a:t>Network Media</a:t>
             </a:r>
-            <a:endParaRPr lang="en-US" sz="2800" dirty="0" smtClean="0"/>
+            <a:endParaRPr lang="en-US" sz="2800" dirty="0"/>
           </a:p>
         </p:txBody>
       </p:sp>
@@ -22423,13 +22246,6 @@
       </p:transition>
     </mc:Fallback>
   </mc:AlternateContent>
-  <p:timing>
-    <p:tnLst>
-      <p:par>
-        <p:cTn xmlns:p14="http://schemas.microsoft.com/office/powerpoint/2010/main" id="1" dur="indefinite" restart="never" nodeType="tmRoot"/>
-      </p:par>
-    </p:tnLst>
-  </p:timing>
 </p:sld>
 </file>
 
